--- a/Template02.pptx
+++ b/Template02.pptx
@@ -373,7 +373,7 @@
           <p:cNvPr id="2" name="頁首版面配置區 1">
             <a:extLst>
               <a:ext uri="{FF2B5EF4-FFF2-40B4-BE49-F238E27FC236}">
-                <a16:creationId xmlns="" xmlns:a16="http://schemas.microsoft.com/office/drawing/2014/main" id="{C6DB62E9-6640-464B-8ADB-5299B86CF03D}"/>
+                <a16:creationId xmlns:a16="http://schemas.microsoft.com/office/drawing/2014/main" xmlns="" id="{C6DB62E9-6640-464B-8ADB-5299B86CF03D}"/>
               </a:ext>
             </a:extLst>
           </p:cNvPr>
@@ -410,7 +410,7 @@
           <p:cNvPr id="3" name="日期版面配置區 2">
             <a:extLst>
               <a:ext uri="{FF2B5EF4-FFF2-40B4-BE49-F238E27FC236}">
-                <a16:creationId xmlns="" xmlns:a16="http://schemas.microsoft.com/office/drawing/2014/main" id="{F4D7FED1-A318-2F44-A5D7-ABA7520AF628}"/>
+                <a16:creationId xmlns:a16="http://schemas.microsoft.com/office/drawing/2014/main" xmlns="" id="{F4D7FED1-A318-2F44-A5D7-ABA7520AF628}"/>
               </a:ext>
             </a:extLst>
           </p:cNvPr>
@@ -440,7 +440,7 @@
           <a:p>
             <a:fld id="{A10715D4-8E63-A044-B874-63C23BB55EFD}" type="datetimeFigureOut">
               <a:rPr kumimoji="1" lang="zh-TW" altLang="en-US" smtClean="0"/>
-              <a:t>2020/6/19</a:t>
+              <a:t>2020/6/20</a:t>
             </a:fld>
             <a:endParaRPr kumimoji="1" lang="zh-TW" altLang="en-US"/>
           </a:p>
@@ -451,7 +451,7 @@
           <p:cNvPr id="4" name="頁尾版面配置區 3">
             <a:extLst>
               <a:ext uri="{FF2B5EF4-FFF2-40B4-BE49-F238E27FC236}">
-                <a16:creationId xmlns="" xmlns:a16="http://schemas.microsoft.com/office/drawing/2014/main" id="{E04CD7EB-7A31-A245-9326-42966EDD32AE}"/>
+                <a16:creationId xmlns:a16="http://schemas.microsoft.com/office/drawing/2014/main" xmlns="" id="{E04CD7EB-7A31-A245-9326-42966EDD32AE}"/>
               </a:ext>
             </a:extLst>
           </p:cNvPr>
@@ -488,7 +488,7 @@
           <p:cNvPr id="5" name="投影片編號版面配置區 4">
             <a:extLst>
               <a:ext uri="{FF2B5EF4-FFF2-40B4-BE49-F238E27FC236}">
-                <a16:creationId xmlns="" xmlns:a16="http://schemas.microsoft.com/office/drawing/2014/main" id="{64E65B5A-15D6-C341-9798-1AE763CBB9CE}"/>
+                <a16:creationId xmlns:a16="http://schemas.microsoft.com/office/drawing/2014/main" xmlns="" id="{64E65B5A-15D6-C341-9798-1AE763CBB9CE}"/>
               </a:ext>
             </a:extLst>
           </p:cNvPr>
@@ -731,7 +731,7 @@
             <a:fld id="{BD4E87B7-3498-4C46-AC2A-2ED0F815BC91}" type="datetime1">
               <a:rPr lang="zh-TW" altLang="en-US" smtClean="0"/>
               <a:pPr/>
-              <a:t>2020/6/19</a:t>
+              <a:t>2020/6/20</a:t>
             </a:fld>
             <a:endParaRPr lang="zh-TW" altLang="en-US" dirty="0"/>
           </a:p>
@@ -785,7 +785,7 @@
           <p:cNvPr id="6" name="圖片 12" descr="圖片 12">
             <a:extLst>
               <a:ext uri="{FF2B5EF4-FFF2-40B4-BE49-F238E27FC236}">
-                <a16:creationId xmlns="" xmlns:a16="http://schemas.microsoft.com/office/drawing/2014/main" id="{D99E009B-D0A6-E748-8D53-C38F9DCE70A7}"/>
+                <a16:creationId xmlns:a16="http://schemas.microsoft.com/office/drawing/2014/main" xmlns="" id="{D99E009B-D0A6-E748-8D53-C38F9DCE70A7}"/>
               </a:ext>
             </a:extLst>
           </p:cNvPr>
@@ -824,7 +824,7 @@
           <p:cNvPr id="7" name="矩形">
             <a:extLst>
               <a:ext uri="{FF2B5EF4-FFF2-40B4-BE49-F238E27FC236}">
-                <a16:creationId xmlns="" xmlns:a16="http://schemas.microsoft.com/office/drawing/2014/main" id="{A2E4E39F-E2ED-5C42-A2FC-E4B1AF99CB79}"/>
+                <a16:creationId xmlns:a16="http://schemas.microsoft.com/office/drawing/2014/main" xmlns="" id="{A2E4E39F-E2ED-5C42-A2FC-E4B1AF99CB79}"/>
               </a:ext>
             </a:extLst>
           </p:cNvPr>
@@ -873,7 +873,7 @@
           <p:cNvPr id="8" name="文字版面配置區 14">
             <a:extLst>
               <a:ext uri="{FF2B5EF4-FFF2-40B4-BE49-F238E27FC236}">
-                <a16:creationId xmlns="" xmlns:a16="http://schemas.microsoft.com/office/drawing/2014/main" id="{2B4B7B6C-65CB-E64F-B411-60DBB65EDA0F}"/>
+                <a16:creationId xmlns:a16="http://schemas.microsoft.com/office/drawing/2014/main" xmlns="" id="{2B4B7B6C-65CB-E64F-B411-60DBB65EDA0F}"/>
               </a:ext>
             </a:extLst>
           </p:cNvPr>
@@ -929,7 +929,7 @@
           <p:cNvPr id="9" name="文字版面配置區 14">
             <a:extLst>
               <a:ext uri="{FF2B5EF4-FFF2-40B4-BE49-F238E27FC236}">
-                <a16:creationId xmlns="" xmlns:a16="http://schemas.microsoft.com/office/drawing/2014/main" id="{07440638-F3AA-A941-80B1-A0C3B6DAFAF8}"/>
+                <a16:creationId xmlns:a16="http://schemas.microsoft.com/office/drawing/2014/main" xmlns="" id="{07440638-F3AA-A941-80B1-A0C3B6DAFAF8}"/>
               </a:ext>
             </a:extLst>
           </p:cNvPr>
@@ -977,7 +977,7 @@
           <p:cNvPr id="10" name="文字版面配置區 14">
             <a:extLst>
               <a:ext uri="{FF2B5EF4-FFF2-40B4-BE49-F238E27FC236}">
-                <a16:creationId xmlns="" xmlns:a16="http://schemas.microsoft.com/office/drawing/2014/main" id="{07440638-F3AA-A941-80B1-A0C3B6DAFAF8}"/>
+                <a16:creationId xmlns:a16="http://schemas.microsoft.com/office/drawing/2014/main" xmlns="" id="{07440638-F3AA-A941-80B1-A0C3B6DAFAF8}"/>
               </a:ext>
             </a:extLst>
           </p:cNvPr>
@@ -1043,621 +1043,6 @@
 
 <file path=ppt/slideLayouts/slideLayout10.xml><?xml version="1.0" encoding="utf-8"?>
 <p:sldLayout xmlns:a="http://schemas.openxmlformats.org/drawingml/2006/main" xmlns:r="http://schemas.openxmlformats.org/officeDocument/2006/relationships" xmlns:p="http://schemas.openxmlformats.org/presentationml/2006/main" showMasterSp="0" preserve="1" userDrawn="1">
-  <p:cSld name="左圖右文">
-    <p:spTree>
-      <p:nvGrpSpPr>
-        <p:cNvPr id="1" name=""/>
-        <p:cNvGrpSpPr/>
-        <p:nvPr/>
-      </p:nvGrpSpPr>
-      <p:grpSpPr>
-        <a:xfrm>
-          <a:off x="0" y="0"/>
-          <a:ext cx="0" cy="0"/>
-          <a:chOff x="0" y="0"/>
-          <a:chExt cx="0" cy="0"/>
-        </a:xfrm>
-      </p:grpSpPr>
-      <p:pic>
-        <p:nvPicPr>
-          <p:cNvPr id="11" name="圖片 10">
-            <a:extLst>
-              <a:ext uri="{FF2B5EF4-FFF2-40B4-BE49-F238E27FC236}">
-                <a16:creationId xmlns="" xmlns:a16="http://schemas.microsoft.com/office/drawing/2014/main" id="{BD161E56-102D-B04D-AE1D-9B2C1DEAD925}"/>
-              </a:ext>
-            </a:extLst>
-          </p:cNvPr>
-          <p:cNvPicPr>
-            <a:picLocks noChangeAspect="1"/>
-          </p:cNvPicPr>
-          <p:nvPr userDrawn="1"/>
-        </p:nvPicPr>
-        <p:blipFill>
-          <a:blip r:embed="rId2" cstate="print">
-            <a:extLst>
-              <a:ext uri="{28A0092B-C50C-407E-A947-70E740481C1C}">
-                <a14:useLocalDpi xmlns:a14="http://schemas.microsoft.com/office/drawing/2010/main" val="0"/>
-              </a:ext>
-            </a:extLst>
-          </a:blip>
-          <a:stretch>
-            <a:fillRect/>
-          </a:stretch>
-        </p:blipFill>
-        <p:spPr>
-          <a:xfrm>
-            <a:off x="4818185" y="6152557"/>
-            <a:ext cx="4339261" cy="723372"/>
-          </a:xfrm>
-          <a:prstGeom prst="rect">
-            <a:avLst/>
-          </a:prstGeom>
-        </p:spPr>
-      </p:pic>
-      <p:sp>
-        <p:nvSpPr>
-          <p:cNvPr id="19" name="直線接點 14">
-            <a:extLst>
-              <a:ext uri="{FF2B5EF4-FFF2-40B4-BE49-F238E27FC236}">
-                <a16:creationId xmlns="" xmlns:a16="http://schemas.microsoft.com/office/drawing/2014/main" id="{F2F1C9D7-B14F-BF44-A3D8-5D47EC083EA5}"/>
-              </a:ext>
-            </a:extLst>
-          </p:cNvPr>
-          <p:cNvSpPr/>
-          <p:nvPr userDrawn="1"/>
-        </p:nvSpPr>
-        <p:spPr>
-          <a:xfrm flipV="1">
-            <a:off x="319201" y="750960"/>
-            <a:ext cx="8441889" cy="1"/>
-          </a:xfrm>
-          <a:prstGeom prst="line">
-            <a:avLst/>
-          </a:prstGeom>
-          <a:ln w="57150">
-            <a:solidFill>
-              <a:srgbClr val="0070C0"/>
-            </a:solidFill>
-          </a:ln>
-        </p:spPr>
-        <p:txBody>
-          <a:bodyPr lIns="34289" tIns="34289" rIns="34289" bIns="34289"/>
-          <a:lstStyle/>
-          <a:p>
-            <a:endParaRPr sz="1650"/>
-          </a:p>
-        </p:txBody>
-      </p:sp>
-      <p:sp>
-        <p:nvSpPr>
-          <p:cNvPr id="20" name="矩形 11">
-            <a:extLst>
-              <a:ext uri="{FF2B5EF4-FFF2-40B4-BE49-F238E27FC236}">
-                <a16:creationId xmlns="" xmlns:a16="http://schemas.microsoft.com/office/drawing/2014/main" id="{91411F00-9741-7A4E-AB31-166F620DF2B5}"/>
-              </a:ext>
-            </a:extLst>
-          </p:cNvPr>
-          <p:cNvSpPr/>
-          <p:nvPr userDrawn="1"/>
-        </p:nvSpPr>
-        <p:spPr>
-          <a:xfrm>
-            <a:off x="319201" y="206623"/>
-            <a:ext cx="81584" cy="471577"/>
-          </a:xfrm>
-          <a:prstGeom prst="rect">
-            <a:avLst/>
-          </a:prstGeom>
-          <a:solidFill>
-            <a:srgbClr val="0070C0"/>
-          </a:solidFill>
-          <a:ln w="12700">
-            <a:miter lim="400000"/>
-          </a:ln>
-        </p:spPr>
-        <p:txBody>
-          <a:bodyPr lIns="34289" tIns="34289" rIns="34289" bIns="34289" anchor="ctr"/>
-          <a:lstStyle/>
-          <a:p>
-            <a:pPr algn="ctr">
-              <a:defRPr>
-                <a:solidFill>
-                  <a:srgbClr val="FFFFFF"/>
-                </a:solidFill>
-              </a:defRPr>
-            </a:pPr>
-            <a:endParaRPr sz="1650"/>
-          </a:p>
-        </p:txBody>
-      </p:sp>
-      <p:sp>
-        <p:nvSpPr>
-          <p:cNvPr id="23" name="日期版面配置區 3"/>
-          <p:cNvSpPr>
-            <a:spLocks noGrp="1"/>
-          </p:cNvSpPr>
-          <p:nvPr>
-            <p:ph type="dt" sz="half" idx="2"/>
-          </p:nvPr>
-        </p:nvSpPr>
-        <p:spPr>
-          <a:xfrm>
-            <a:off x="1" y="6502420"/>
-            <a:ext cx="2405903" cy="365125"/>
-          </a:xfrm>
-          <a:prstGeom prst="rect">
-            <a:avLst/>
-          </a:prstGeom>
-        </p:spPr>
-        <p:txBody>
-          <a:bodyPr anchor="b"/>
-          <a:lstStyle>
-            <a:lvl1pPr algn="l">
-              <a:defRPr sz="1600">
-                <a:solidFill>
-                  <a:schemeClr val="tx1"/>
-                </a:solidFill>
-                <a:latin typeface="+mn-lt"/>
-              </a:defRPr>
-            </a:lvl1pPr>
-          </a:lstStyle>
-          <a:p>
-            <a:fld id="{3F2DB263-811F-4EB9-8788-812849A24E5B}" type="datetime1">
-              <a:rPr lang="zh-TW" altLang="en-US" smtClean="0"/>
-              <a:pPr/>
-              <a:t>2020/6/19</a:t>
-            </a:fld>
-            <a:endParaRPr lang="zh-TW" altLang="en-US" dirty="0"/>
-          </a:p>
-        </p:txBody>
-      </p:sp>
-      <p:sp>
-        <p:nvSpPr>
-          <p:cNvPr id="24" name="頁尾版面配置區 4"/>
-          <p:cNvSpPr>
-            <a:spLocks noGrp="1"/>
-          </p:cNvSpPr>
-          <p:nvPr>
-            <p:ph type="ftr" sz="quarter" idx="3"/>
-          </p:nvPr>
-        </p:nvSpPr>
-        <p:spPr>
-          <a:xfrm>
-            <a:off x="2470149" y="6502420"/>
-            <a:ext cx="4249918" cy="365125"/>
-          </a:xfrm>
-          <a:prstGeom prst="rect">
-            <a:avLst/>
-          </a:prstGeom>
-        </p:spPr>
-        <p:txBody>
-          <a:bodyPr anchor="b"/>
-          <a:lstStyle>
-            <a:lvl1pPr algn="ctr">
-              <a:defRPr sz="1600">
-                <a:solidFill>
-                  <a:schemeClr val="tx1"/>
-                </a:solidFill>
-                <a:latin typeface="+mn-lt"/>
-              </a:defRPr>
-            </a:lvl1pPr>
-          </a:lstStyle>
-          <a:p>
-            <a:endParaRPr lang="zh-TW" altLang="en-US" dirty="0"/>
-          </a:p>
-        </p:txBody>
-      </p:sp>
-      <p:sp>
-        <p:nvSpPr>
-          <p:cNvPr id="25" name="投影片編號版面配置區 5"/>
-          <p:cNvSpPr>
-            <a:spLocks noGrp="1"/>
-          </p:cNvSpPr>
-          <p:nvPr>
-            <p:ph type="sldNum" sz="quarter" idx="4"/>
-          </p:nvPr>
-        </p:nvSpPr>
-        <p:spPr>
-          <a:xfrm>
-            <a:off x="6784313" y="6502420"/>
-            <a:ext cx="2359687" cy="365125"/>
-          </a:xfrm>
-          <a:prstGeom prst="rect">
-            <a:avLst/>
-          </a:prstGeom>
-        </p:spPr>
-        <p:txBody>
-          <a:bodyPr anchor="b"/>
-          <a:lstStyle>
-            <a:lvl1pPr algn="r">
-              <a:tabLst/>
-              <a:defRPr sz="1600">
-                <a:solidFill>
-                  <a:schemeClr val="bg1"/>
-                </a:solidFill>
-                <a:latin typeface="+mn-lt"/>
-              </a:defRPr>
-            </a:lvl1pPr>
-          </a:lstStyle>
-          <a:p>
-            <a:fld id="{CBE36A95-2CE2-4055-AD5A-A0921D347A17}" type="slidenum">
-              <a:rPr lang="zh-TW" altLang="en-US" smtClean="0"/>
-              <a:pPr/>
-              <a:t>‹#›</a:t>
-            </a:fld>
-            <a:endParaRPr lang="zh-TW" altLang="en-US" dirty="0"/>
-          </a:p>
-        </p:txBody>
-      </p:sp>
-      <p:sp>
-        <p:nvSpPr>
-          <p:cNvPr id="13" name="內容版面配置區 2"/>
-          <p:cNvSpPr>
-            <a:spLocks noGrp="1"/>
-          </p:cNvSpPr>
-          <p:nvPr>
-            <p:ph idx="1"/>
-          </p:nvPr>
-        </p:nvSpPr>
-        <p:spPr>
-          <a:xfrm>
-            <a:off x="4428066" y="970213"/>
-            <a:ext cx="4106334" cy="5248554"/>
-          </a:xfrm>
-          <a:prstGeom prst="rect">
-            <a:avLst/>
-          </a:prstGeom>
-        </p:spPr>
-        <p:txBody>
-          <a:bodyPr>
-            <a:normAutofit/>
-          </a:bodyPr>
-          <a:lstStyle>
-            <a:lvl1pPr>
-              <a:lnSpc>
-                <a:spcPct val="100000"/>
-              </a:lnSpc>
-              <a:spcBef>
-                <a:spcPts val="450"/>
-              </a:spcBef>
-              <a:defRPr lang="zh-TW" altLang="en-US" sz="2400" b="0" i="0" u="none" strike="noStrike" cap="none" spc="0" baseline="0" dirty="0" smtClean="0">
-                <a:ln>
-                  <a:noFill/>
-                </a:ln>
-                <a:solidFill>
-                  <a:srgbClr val="000000"/>
-                </a:solidFill>
-                <a:uFillTx/>
-                <a:latin typeface="Microsoft JhengHei" panose="020B0604030504040204" pitchFamily="34" charset="-120"/>
-                <a:ea typeface="Microsoft JhengHei" panose="020B0604030504040204" pitchFamily="34" charset="-120"/>
-                <a:cs typeface="+mn-cs"/>
-                <a:sym typeface="Calibri"/>
-              </a:defRPr>
-            </a:lvl1pPr>
-            <a:lvl2pPr marL="698911" indent="-287430">
-              <a:lnSpc>
-                <a:spcPct val="100000"/>
-              </a:lnSpc>
-              <a:spcBef>
-                <a:spcPts val="450"/>
-              </a:spcBef>
-              <a:buFont typeface="Wingdings" panose="05000000000000000000" pitchFamily="2" charset="2"/>
-              <a:buChar char="l"/>
-              <a:defRPr lang="zh-TW" altLang="en-US" sz="2000" b="0" i="0" u="none" strike="noStrike" cap="none" spc="0" baseline="0" dirty="0" smtClean="0">
-                <a:ln>
-                  <a:noFill/>
-                </a:ln>
-                <a:solidFill>
-                  <a:srgbClr val="000000"/>
-                </a:solidFill>
-                <a:uFillTx/>
-                <a:latin typeface="+mn-ea"/>
-                <a:ea typeface="+mn-ea"/>
-                <a:cs typeface="+mn-cs"/>
-                <a:sym typeface="Calibri"/>
-              </a:defRPr>
-            </a:lvl2pPr>
-            <a:lvl3pPr marL="1092549" indent="-269590">
-              <a:lnSpc>
-                <a:spcPct val="100000"/>
-              </a:lnSpc>
-              <a:spcBef>
-                <a:spcPts val="450"/>
-              </a:spcBef>
-              <a:buFont typeface="Wingdings" panose="05000000000000000000" pitchFamily="2" charset="2"/>
-              <a:buChar char="n"/>
-              <a:defRPr lang="zh-TW" altLang="en-US" sz="1800" b="0" i="0" u="none" strike="noStrike" cap="none" spc="0" baseline="0" dirty="0" smtClean="0">
-                <a:ln>
-                  <a:noFill/>
-                </a:ln>
-                <a:solidFill>
-                  <a:srgbClr val="000000"/>
-                </a:solidFill>
-                <a:uFillTx/>
-                <a:latin typeface="+mn-ea"/>
-                <a:ea typeface="+mn-ea"/>
-                <a:cs typeface="+mn-cs"/>
-                <a:sym typeface="Calibri"/>
-              </a:defRPr>
-            </a:lvl3pPr>
-            <a:lvl4pPr marL="1560195" indent="-325754">
-              <a:lnSpc>
-                <a:spcPct val="100000"/>
-              </a:lnSpc>
-              <a:spcBef>
-                <a:spcPts val="450"/>
-              </a:spcBef>
-              <a:buFont typeface="Wingdings" panose="05000000000000000000" pitchFamily="2" charset="2"/>
-              <a:buChar char="ü"/>
-              <a:defRPr lang="zh-TW" altLang="en-US" sz="1600" b="0" i="0" u="none" strike="noStrike" cap="none" spc="0" baseline="0" dirty="0" smtClean="0">
-                <a:ln>
-                  <a:noFill/>
-                </a:ln>
-                <a:solidFill>
-                  <a:srgbClr val="000000"/>
-                </a:solidFill>
-                <a:uFillTx/>
-                <a:latin typeface="+mn-ea"/>
-                <a:ea typeface="+mn-ea"/>
-                <a:cs typeface="+mn-cs"/>
-                <a:sym typeface="Calibri"/>
-              </a:defRPr>
-            </a:lvl4pPr>
-            <a:lvl5pPr marL="1860233" indent="-214313">
-              <a:lnSpc>
-                <a:spcPct val="100000"/>
-              </a:lnSpc>
-              <a:spcBef>
-                <a:spcPts val="450"/>
-              </a:spcBef>
-              <a:buFont typeface="Arial" panose="020B0604020202020204" pitchFamily="34" charset="0"/>
-              <a:buChar char="•"/>
-              <a:defRPr lang="zh-TW" altLang="en-US" sz="1600" b="0" i="0" u="none" strike="noStrike" cap="none" spc="0" baseline="0" dirty="0">
-                <a:ln>
-                  <a:noFill/>
-                </a:ln>
-                <a:solidFill>
-                  <a:srgbClr val="000000"/>
-                </a:solidFill>
-                <a:uFillTx/>
-                <a:latin typeface="+mn-ea"/>
-                <a:ea typeface="+mn-ea"/>
-                <a:cs typeface="+mn-cs"/>
-                <a:sym typeface="Calibri"/>
-              </a:defRPr>
-            </a:lvl5pPr>
-          </a:lstStyle>
-          <a:p>
-            <a:pPr marL="257175" marR="0" lvl="0" indent="-257175" algn="l" defTabSz="411480" rtl="0" latinLnBrk="0">
-              <a:lnSpc>
-                <a:spcPct val="100000"/>
-              </a:lnSpc>
-              <a:spcBef>
-                <a:spcPts val="450"/>
-              </a:spcBef>
-              <a:spcAft>
-                <a:spcPts val="0"/>
-              </a:spcAft>
-              <a:buClrTx/>
-              <a:buSzPct val="100000"/>
-              <a:buFontTx/>
-              <a:buBlip>
-                <a:blip r:embed="rId3"/>
-              </a:buBlip>
-              <a:tabLst/>
-            </a:pPr>
-            <a:r>
-              <a:rPr lang="zh-TW" altLang="en-US" dirty="0"/>
-              <a:t>按一下以編輯母片文字</a:t>
-            </a:r>
-            <a:r>
-              <a:rPr lang="zh-TW" altLang="en-US" dirty="0" smtClean="0"/>
-              <a:t>樣式</a:t>
-            </a:r>
-          </a:p>
-          <a:p>
-            <a:pPr marL="698911" marR="0" lvl="1" indent="-287430" algn="l" defTabSz="411480" rtl="0" latinLnBrk="0">
-              <a:lnSpc>
-                <a:spcPct val="100000"/>
-              </a:lnSpc>
-              <a:spcBef>
-                <a:spcPts val="450"/>
-              </a:spcBef>
-              <a:spcAft>
-                <a:spcPts val="0"/>
-              </a:spcAft>
-              <a:buClrTx/>
-              <a:buSzPct val="100000"/>
-              <a:buFont typeface="Wingdings" panose="05000000000000000000" pitchFamily="2" charset="2"/>
-              <a:buChar char="l"/>
-              <a:tabLst/>
-            </a:pPr>
-            <a:r>
-              <a:rPr lang="zh-TW" altLang="en-US" dirty="0" smtClean="0"/>
-              <a:t>第二層</a:t>
-            </a:r>
-          </a:p>
-          <a:p>
-            <a:pPr marL="1092549" marR="0" lvl="2" indent="-269590" algn="l" defTabSz="411480" rtl="0" latinLnBrk="0">
-              <a:lnSpc>
-                <a:spcPct val="100000"/>
-              </a:lnSpc>
-              <a:spcBef>
-                <a:spcPts val="450"/>
-              </a:spcBef>
-              <a:spcAft>
-                <a:spcPts val="0"/>
-              </a:spcAft>
-              <a:buClrTx/>
-              <a:buSzPct val="100000"/>
-              <a:buFont typeface="Wingdings" panose="05000000000000000000" pitchFamily="2" charset="2"/>
-              <a:buChar char="ü"/>
-              <a:tabLst/>
-            </a:pPr>
-            <a:r>
-              <a:rPr lang="zh-TW" altLang="en-US" dirty="0" smtClean="0"/>
-              <a:t>第三層</a:t>
-            </a:r>
-          </a:p>
-          <a:p>
-            <a:pPr marL="1560195" marR="0" lvl="3" indent="-325754" algn="l" defTabSz="411480" rtl="0" latinLnBrk="0">
-              <a:lnSpc>
-                <a:spcPct val="100000"/>
-              </a:lnSpc>
-              <a:spcBef>
-                <a:spcPts val="450"/>
-              </a:spcBef>
-              <a:spcAft>
-                <a:spcPts val="0"/>
-              </a:spcAft>
-              <a:buClrTx/>
-              <a:buSzPct val="100000"/>
-              <a:buFont typeface="Arial" panose="020B0604020202020204" pitchFamily="34" charset="0"/>
-              <a:buChar char="•"/>
-              <a:tabLst/>
-            </a:pPr>
-            <a:r>
-              <a:rPr lang="zh-TW" altLang="en-US" dirty="0" smtClean="0"/>
-              <a:t>第四層</a:t>
-            </a:r>
-          </a:p>
-          <a:p>
-            <a:pPr marL="1971675" marR="0" lvl="4" indent="-325754" algn="l" defTabSz="411480" rtl="0" latinLnBrk="0">
-              <a:lnSpc>
-                <a:spcPct val="100000"/>
-              </a:lnSpc>
-              <a:spcBef>
-                <a:spcPts val="450"/>
-              </a:spcBef>
-              <a:spcAft>
-                <a:spcPts val="0"/>
-              </a:spcAft>
-              <a:buClrTx/>
-              <a:buSzPct val="100000"/>
-              <a:buFont typeface="微軟正黑體" panose="020B0604030504040204" pitchFamily="34" charset="-120"/>
-              <a:buChar char="‐"/>
-              <a:tabLst/>
-            </a:pPr>
-            <a:r>
-              <a:rPr lang="zh-TW" altLang="en-US" dirty="0" smtClean="0"/>
-              <a:t>第五層</a:t>
-            </a:r>
-            <a:endParaRPr lang="zh-TW" altLang="en-US" dirty="0"/>
-          </a:p>
-        </p:txBody>
-      </p:sp>
-      <p:sp>
-        <p:nvSpPr>
-          <p:cNvPr id="15" name="標題 1"/>
-          <p:cNvSpPr>
-            <a:spLocks noGrp="1"/>
-          </p:cNvSpPr>
-          <p:nvPr>
-            <p:ph type="title" hasCustomPrompt="1"/>
-          </p:nvPr>
-        </p:nvSpPr>
-        <p:spPr>
-          <a:xfrm>
-            <a:off x="445382" y="162311"/>
-            <a:ext cx="8315708" cy="487362"/>
-          </a:xfrm>
-        </p:spPr>
-        <p:txBody>
-          <a:bodyPr/>
-          <a:lstStyle>
-            <a:lvl1pPr marL="0" marR="0" indent="0" algn="l" defTabSz="411480" rtl="0" latinLnBrk="0">
-              <a:lnSpc>
-                <a:spcPct val="100000"/>
-              </a:lnSpc>
-              <a:spcBef>
-                <a:spcPts val="675"/>
-              </a:spcBef>
-              <a:spcAft>
-                <a:spcPts val="0"/>
-              </a:spcAft>
-              <a:buClrTx/>
-              <a:buSzPct val="100000"/>
-              <a:buFont typeface="Arial"/>
-              <a:buNone/>
-              <a:tabLst/>
-              <a:defRPr kumimoji="1" lang="zh-TW" altLang="en-US" sz="3200" b="1" i="0" u="none" strike="noStrike" cap="none" spc="0" baseline="0" dirty="0">
-                <a:ln>
-                  <a:noFill/>
-                </a:ln>
-                <a:solidFill>
-                  <a:srgbClr val="1E70C0"/>
-                </a:solidFill>
-                <a:uFillTx/>
-                <a:latin typeface="Microsoft JhengHei" panose="020B0604030504040204" pitchFamily="34" charset="-120"/>
-                <a:ea typeface="Microsoft JhengHei" panose="020B0604030504040204" pitchFamily="34" charset="-120"/>
-                <a:cs typeface="+mn-cs"/>
-                <a:sym typeface="Calibri"/>
-              </a:defRPr>
-            </a:lvl1pPr>
-          </a:lstStyle>
-          <a:p>
-            <a:r>
-              <a:rPr kumimoji="1" lang="en-US" altLang="zh-TW" dirty="0" smtClean="0"/>
-              <a:t>011_00</a:t>
-            </a:r>
-            <a:r>
-              <a:rPr kumimoji="1" lang="zh-TW" altLang="en-US" dirty="0" smtClean="0"/>
-              <a:t>按一下以新增標題</a:t>
-            </a:r>
-            <a:endParaRPr kumimoji="1" lang="zh-TW" altLang="en-US" dirty="0"/>
-          </a:p>
-        </p:txBody>
-      </p:sp>
-      <p:sp>
-        <p:nvSpPr>
-          <p:cNvPr id="12" name="圖片版面配置區 4"/>
-          <p:cNvSpPr>
-            <a:spLocks noGrp="1"/>
-          </p:cNvSpPr>
-          <p:nvPr>
-            <p:ph type="pic" sz="quarter" idx="25"/>
-          </p:nvPr>
-        </p:nvSpPr>
-        <p:spPr>
-          <a:xfrm>
-            <a:off x="319201" y="970213"/>
-            <a:ext cx="3778250" cy="5263229"/>
-          </a:xfrm>
-          <a:prstGeom prst="rect">
-            <a:avLst/>
-          </a:prstGeom>
-        </p:spPr>
-        <p:txBody>
-          <a:bodyPr/>
-          <a:lstStyle/>
-          <a:p>
-            <a:endParaRPr lang="zh-TW" altLang="en-US"/>
-          </a:p>
-        </p:txBody>
-      </p:sp>
-    </p:spTree>
-    <p:extLst>
-      <p:ext uri="{BB962C8B-B14F-4D97-AF65-F5344CB8AC3E}">
-        <p14:creationId xmlns:p14="http://schemas.microsoft.com/office/powerpoint/2010/main" val="3002066179"/>
-      </p:ext>
-    </p:extLst>
-  </p:cSld>
-  <p:clrMapOvr>
-    <a:masterClrMapping/>
-  </p:clrMapOvr>
-  <p:transition spd="med"/>
-  <p:timing>
-    <p:tnLst>
-      <p:par>
-        <p:cTn id="1" dur="indefinite" restart="never" nodeType="tmRoot"/>
-      </p:par>
-    </p:tnLst>
-  </p:timing>
-</p:sldLayout>
-</file>
-
-<file path=ppt/slideLayouts/slideLayout11.xml><?xml version="1.0" encoding="utf-8"?>
-<p:sldLayout xmlns:a="http://schemas.openxmlformats.org/drawingml/2006/main" xmlns:r="http://schemas.openxmlformats.org/officeDocument/2006/relationships" xmlns:p="http://schemas.openxmlformats.org/presentationml/2006/main" showMasterSp="0" preserve="1" userDrawn="1">
   <p:cSld name="左三圖右文">
     <p:spTree>
       <p:nvGrpSpPr>
@@ -1678,7 +1063,7 @@
           <p:cNvPr id="14" name="圖片 13">
             <a:extLst>
               <a:ext uri="{FF2B5EF4-FFF2-40B4-BE49-F238E27FC236}">
-                <a16:creationId xmlns="" xmlns:a16="http://schemas.microsoft.com/office/drawing/2014/main" id="{A17F0115-7852-214F-9AF0-66D925E9B445}"/>
+                <a16:creationId xmlns:a16="http://schemas.microsoft.com/office/drawing/2014/main" xmlns="" id="{A17F0115-7852-214F-9AF0-66D925E9B445}"/>
               </a:ext>
             </a:extLst>
           </p:cNvPr>
@@ -1714,7 +1099,7 @@
           <p:cNvPr id="23" name="直線接點 14">
             <a:extLst>
               <a:ext uri="{FF2B5EF4-FFF2-40B4-BE49-F238E27FC236}">
-                <a16:creationId xmlns="" xmlns:a16="http://schemas.microsoft.com/office/drawing/2014/main" id="{DB869952-2826-214A-87EB-42327D080B3D}"/>
+                <a16:creationId xmlns:a16="http://schemas.microsoft.com/office/drawing/2014/main" xmlns="" id="{DB869952-2826-214A-87EB-42327D080B3D}"/>
               </a:ext>
             </a:extLst>
           </p:cNvPr>
@@ -1748,7 +1133,7 @@
           <p:cNvPr id="24" name="矩形 11">
             <a:extLst>
               <a:ext uri="{FF2B5EF4-FFF2-40B4-BE49-F238E27FC236}">
-                <a16:creationId xmlns="" xmlns:a16="http://schemas.microsoft.com/office/drawing/2014/main" id="{904C9CCE-9A97-C044-94A5-C7EE14A47D81}"/>
+                <a16:creationId xmlns:a16="http://schemas.microsoft.com/office/drawing/2014/main" xmlns="" id="{904C9CCE-9A97-C044-94A5-C7EE14A47D81}"/>
               </a:ext>
             </a:extLst>
           </p:cNvPr>
@@ -1782,263 +1167,6 @@
               </a:defRPr>
             </a:pPr>
             <a:endParaRPr sz="1650"/>
-          </a:p>
-        </p:txBody>
-      </p:sp>
-      <p:sp>
-        <p:nvSpPr>
-          <p:cNvPr id="17" name="內容版面配置區 2"/>
-          <p:cNvSpPr>
-            <a:spLocks noGrp="1"/>
-          </p:cNvSpPr>
-          <p:nvPr>
-            <p:ph idx="1"/>
-          </p:nvPr>
-        </p:nvSpPr>
-        <p:spPr>
-          <a:xfrm>
-            <a:off x="4428066" y="1059113"/>
-            <a:ext cx="4106334" cy="5248554"/>
-          </a:xfrm>
-          <a:prstGeom prst="rect">
-            <a:avLst/>
-          </a:prstGeom>
-        </p:spPr>
-        <p:txBody>
-          <a:bodyPr>
-            <a:normAutofit/>
-          </a:bodyPr>
-          <a:lstStyle>
-            <a:lvl1pPr>
-              <a:lnSpc>
-                <a:spcPct val="100000"/>
-              </a:lnSpc>
-              <a:spcBef>
-                <a:spcPts val="450"/>
-              </a:spcBef>
-              <a:defRPr lang="zh-TW" altLang="en-US" sz="2400" b="0" i="0" u="none" strike="noStrike" cap="none" spc="0" baseline="0" dirty="0" smtClean="0">
-                <a:ln>
-                  <a:noFill/>
-                </a:ln>
-                <a:solidFill>
-                  <a:srgbClr val="000000"/>
-                </a:solidFill>
-                <a:uFillTx/>
-                <a:latin typeface="Microsoft JhengHei" panose="020B0604030504040204" pitchFamily="34" charset="-120"/>
-                <a:ea typeface="Microsoft JhengHei" panose="020B0604030504040204" pitchFamily="34" charset="-120"/>
-                <a:cs typeface="+mn-cs"/>
-                <a:sym typeface="Calibri"/>
-              </a:defRPr>
-            </a:lvl1pPr>
-            <a:lvl2pPr marL="698911" indent="-287430">
-              <a:lnSpc>
-                <a:spcPct val="100000"/>
-              </a:lnSpc>
-              <a:spcBef>
-                <a:spcPts val="450"/>
-              </a:spcBef>
-              <a:buFont typeface="Wingdings" panose="05000000000000000000" pitchFamily="2" charset="2"/>
-              <a:buChar char="l"/>
-              <a:defRPr lang="zh-TW" altLang="en-US" sz="2000" b="0" i="0" u="none" strike="noStrike" cap="none" spc="0" baseline="0" dirty="0" smtClean="0">
-                <a:ln>
-                  <a:noFill/>
-                </a:ln>
-                <a:solidFill>
-                  <a:srgbClr val="000000"/>
-                </a:solidFill>
-                <a:uFillTx/>
-                <a:latin typeface="+mn-ea"/>
-                <a:ea typeface="+mn-ea"/>
-                <a:cs typeface="+mn-cs"/>
-                <a:sym typeface="Calibri"/>
-              </a:defRPr>
-            </a:lvl2pPr>
-            <a:lvl3pPr marL="1092549" indent="-269590">
-              <a:lnSpc>
-                <a:spcPct val="100000"/>
-              </a:lnSpc>
-              <a:spcBef>
-                <a:spcPts val="450"/>
-              </a:spcBef>
-              <a:buFont typeface="Wingdings" panose="05000000000000000000" pitchFamily="2" charset="2"/>
-              <a:buChar char="n"/>
-              <a:defRPr lang="zh-TW" altLang="en-US" sz="1800" b="0" i="0" u="none" strike="noStrike" cap="none" spc="0" baseline="0" dirty="0" smtClean="0">
-                <a:ln>
-                  <a:noFill/>
-                </a:ln>
-                <a:solidFill>
-                  <a:srgbClr val="000000"/>
-                </a:solidFill>
-                <a:uFillTx/>
-                <a:latin typeface="+mn-ea"/>
-                <a:ea typeface="+mn-ea"/>
-                <a:cs typeface="+mn-cs"/>
-                <a:sym typeface="Calibri"/>
-              </a:defRPr>
-            </a:lvl3pPr>
-            <a:lvl4pPr marL="1560195" indent="-325754">
-              <a:lnSpc>
-                <a:spcPct val="100000"/>
-              </a:lnSpc>
-              <a:spcBef>
-                <a:spcPts val="450"/>
-              </a:spcBef>
-              <a:buFont typeface="Wingdings" panose="05000000000000000000" pitchFamily="2" charset="2"/>
-              <a:buChar char="ü"/>
-              <a:defRPr lang="zh-TW" altLang="en-US" sz="1600" b="0" i="0" u="none" strike="noStrike" cap="none" spc="0" baseline="0" dirty="0" smtClean="0">
-                <a:ln>
-                  <a:noFill/>
-                </a:ln>
-                <a:solidFill>
-                  <a:srgbClr val="000000"/>
-                </a:solidFill>
-                <a:uFillTx/>
-                <a:latin typeface="+mn-ea"/>
-                <a:ea typeface="+mn-ea"/>
-                <a:cs typeface="+mn-cs"/>
-                <a:sym typeface="Calibri"/>
-              </a:defRPr>
-            </a:lvl4pPr>
-            <a:lvl5pPr marL="1860233" indent="-214313">
-              <a:lnSpc>
-                <a:spcPct val="100000"/>
-              </a:lnSpc>
-              <a:spcBef>
-                <a:spcPts val="450"/>
-              </a:spcBef>
-              <a:buFont typeface="Arial" panose="020B0604020202020204" pitchFamily="34" charset="0"/>
-              <a:buChar char="•"/>
-              <a:defRPr lang="zh-TW" altLang="en-US" sz="1600" b="0" i="0" u="none" strike="noStrike" cap="none" spc="0" baseline="0" dirty="0">
-                <a:ln>
-                  <a:noFill/>
-                </a:ln>
-                <a:solidFill>
-                  <a:srgbClr val="000000"/>
-                </a:solidFill>
-                <a:uFillTx/>
-                <a:latin typeface="+mn-ea"/>
-                <a:ea typeface="+mn-ea"/>
-                <a:cs typeface="+mn-cs"/>
-                <a:sym typeface="Calibri"/>
-              </a:defRPr>
-            </a:lvl5pPr>
-          </a:lstStyle>
-          <a:p>
-            <a:pPr marL="257175" marR="0" lvl="0" indent="-257175" algn="l" defTabSz="411480" rtl="0" latinLnBrk="0">
-              <a:lnSpc>
-                <a:spcPct val="100000"/>
-              </a:lnSpc>
-              <a:spcBef>
-                <a:spcPts val="450"/>
-              </a:spcBef>
-              <a:spcAft>
-                <a:spcPts val="0"/>
-              </a:spcAft>
-              <a:buClrTx/>
-              <a:buSzPct val="100000"/>
-              <a:buFontTx/>
-              <a:buBlip>
-                <a:blip r:embed="rId3"/>
-              </a:buBlip>
-              <a:tabLst/>
-            </a:pPr>
-            <a:r>
-              <a:rPr lang="zh-TW" altLang="en-US" dirty="0"/>
-              <a:t>按一下以編輯母片文字</a:t>
-            </a:r>
-            <a:r>
-              <a:rPr lang="zh-TW" altLang="en-US" dirty="0" smtClean="0"/>
-              <a:t>樣式</a:t>
-            </a:r>
-          </a:p>
-          <a:p>
-            <a:pPr marL="698911" marR="0" lvl="1" indent="-287430" algn="l" defTabSz="411480" rtl="0" latinLnBrk="0">
-              <a:lnSpc>
-                <a:spcPct val="100000"/>
-              </a:lnSpc>
-              <a:spcBef>
-                <a:spcPts val="450"/>
-              </a:spcBef>
-              <a:spcAft>
-                <a:spcPts val="0"/>
-              </a:spcAft>
-              <a:buClrTx/>
-              <a:buSzPct val="100000"/>
-              <a:buFont typeface="Wingdings" panose="05000000000000000000" pitchFamily="2" charset="2"/>
-              <a:buChar char="l"/>
-              <a:tabLst/>
-            </a:pPr>
-            <a:r>
-              <a:rPr lang="zh-TW" altLang="en-US" dirty="0" smtClean="0"/>
-              <a:t>第二層</a:t>
-            </a:r>
-          </a:p>
-          <a:p>
-            <a:pPr marL="1092549" marR="0" lvl="2" indent="-269590" algn="l" defTabSz="411480" rtl="0" latinLnBrk="0">
-              <a:lnSpc>
-                <a:spcPct val="100000"/>
-              </a:lnSpc>
-              <a:spcBef>
-                <a:spcPts val="450"/>
-              </a:spcBef>
-              <a:spcAft>
-                <a:spcPts val="0"/>
-              </a:spcAft>
-              <a:buClrTx/>
-              <a:buSzPct val="100000"/>
-              <a:buFont typeface="Wingdings" panose="05000000000000000000" pitchFamily="2" charset="2"/>
-              <a:buChar char="ü"/>
-              <a:tabLst/>
-            </a:pPr>
-            <a:r>
-              <a:rPr lang="zh-TW" altLang="en-US" dirty="0" smtClean="0"/>
-              <a:t>第三層</a:t>
-            </a:r>
-          </a:p>
-          <a:p>
-            <a:pPr marL="1560195" marR="0" lvl="3" indent="-325754" algn="l" defTabSz="411480" rtl="0" latinLnBrk="0">
-              <a:lnSpc>
-                <a:spcPct val="100000"/>
-              </a:lnSpc>
-              <a:spcBef>
-                <a:spcPts val="450"/>
-              </a:spcBef>
-              <a:spcAft>
-                <a:spcPts val="0"/>
-              </a:spcAft>
-              <a:buClrTx/>
-              <a:buSzPct val="100000"/>
-              <a:buFont typeface="Arial" panose="020B0604020202020204" pitchFamily="34" charset="0"/>
-              <a:buChar char="•"/>
-              <a:tabLst/>
-            </a:pPr>
-            <a:r>
-              <a:rPr lang="zh-TW" altLang="en-US" dirty="0" smtClean="0"/>
-              <a:t>第四層</a:t>
-            </a:r>
-          </a:p>
-          <a:p>
-            <a:pPr marL="1971675" marR="0" lvl="4" indent="-325754" algn="l" defTabSz="411480" rtl="0" latinLnBrk="0">
-              <a:lnSpc>
-                <a:spcPct val="100000"/>
-              </a:lnSpc>
-              <a:spcBef>
-                <a:spcPts val="450"/>
-              </a:spcBef>
-              <a:spcAft>
-                <a:spcPts val="0"/>
-              </a:spcAft>
-              <a:buClrTx/>
-              <a:buSzPct val="100000"/>
-              <a:buFont typeface="微軟正黑體" panose="020B0604030504040204" pitchFamily="34" charset="-120"/>
-              <a:buChar char="‐"/>
-              <a:tabLst/>
-            </a:pPr>
-            <a:r>
-              <a:rPr lang="zh-TW" altLang="en-US" dirty="0" smtClean="0"/>
-              <a:t>第五層</a:t>
-            </a:r>
-            <a:endParaRPr lang="zh-TW" altLang="en-US" dirty="0"/>
           </a:p>
         </p:txBody>
       </p:sp>
@@ -2077,7 +1205,7 @@
             <a:fld id="{2F3772C8-27CB-4B29-B1B6-3913F64A2D71}" type="datetime1">
               <a:rPr lang="zh-TW" altLang="en-US" smtClean="0"/>
               <a:pPr/>
-              <a:t>2020/6/19</a:t>
+              <a:t>2020/6/20</a:t>
             </a:fld>
             <a:endParaRPr lang="zh-TW" altLang="en-US" dirty="0"/>
           </a:p>
@@ -2235,8 +1363,8 @@
         </p:nvSpPr>
         <p:spPr>
           <a:xfrm>
-            <a:off x="555211" y="1062381"/>
-            <a:ext cx="1562129" cy="1730250"/>
+            <a:off x="352011" y="998881"/>
+            <a:ext cx="1679990" cy="1730250"/>
           </a:xfrm>
           <a:prstGeom prst="rect">
             <a:avLst/>
@@ -2262,8 +1390,8 @@
         </p:nvSpPr>
         <p:spPr>
           <a:xfrm>
-            <a:off x="555210" y="4577417"/>
-            <a:ext cx="1562129" cy="1730250"/>
+            <a:off x="352010" y="4513917"/>
+            <a:ext cx="1679990" cy="1730250"/>
           </a:xfrm>
           <a:prstGeom prst="rect">
             <a:avLst/>
@@ -2289,8 +1417,8 @@
         </p:nvSpPr>
         <p:spPr>
           <a:xfrm>
-            <a:off x="2139184" y="2818265"/>
-            <a:ext cx="1562129" cy="1730250"/>
+            <a:off x="2062984" y="2754765"/>
+            <a:ext cx="1679990" cy="1730250"/>
           </a:xfrm>
           <a:prstGeom prst="rect">
             <a:avLst/>
@@ -2301,6 +1429,269 @@
           <a:lstStyle/>
           <a:p>
             <a:endParaRPr lang="zh-TW" altLang="en-US"/>
+          </a:p>
+        </p:txBody>
+      </p:sp>
+      <p:sp>
+        <p:nvSpPr>
+          <p:cNvPr id="20" name="文字版面配置區 12"/>
+          <p:cNvSpPr>
+            <a:spLocks noGrp="1"/>
+          </p:cNvSpPr>
+          <p:nvPr>
+            <p:ph type="body" sz="quarter" idx="28"/>
+          </p:nvPr>
+        </p:nvSpPr>
+        <p:spPr>
+          <a:xfrm>
+            <a:off x="4267200" y="995613"/>
+            <a:ext cx="4483100" cy="5248554"/>
+          </a:xfrm>
+          <a:prstGeom prst="rect">
+            <a:avLst/>
+          </a:prstGeom>
+        </p:spPr>
+        <p:txBody>
+          <a:bodyPr/>
+          <a:lstStyle>
+            <a:lvl1pPr marL="257175" marR="0" indent="-257175" algn="l" defTabSz="411480" rtl="0" latinLnBrk="0">
+              <a:lnSpc>
+                <a:spcPct val="100000"/>
+              </a:lnSpc>
+              <a:spcBef>
+                <a:spcPts val="450"/>
+              </a:spcBef>
+              <a:spcAft>
+                <a:spcPts val="0"/>
+              </a:spcAft>
+              <a:buClrTx/>
+              <a:buSzPct val="100000"/>
+              <a:buFontTx/>
+              <a:buBlip>
+                <a:blip r:embed="rId3"/>
+              </a:buBlip>
+              <a:tabLst/>
+              <a:defRPr lang="zh-TW" altLang="en-US" sz="2400" b="1" i="0" u="none" strike="noStrike" cap="none" spc="0" baseline="0" dirty="0" smtClean="0">
+                <a:ln>
+                  <a:noFill/>
+                </a:ln>
+                <a:solidFill>
+                  <a:srgbClr val="0033CC"/>
+                </a:solidFill>
+                <a:uFillTx/>
+                <a:latin typeface="Microsoft JhengHei" panose="020B0604030504040204" pitchFamily="34" charset="-120"/>
+                <a:ea typeface="Microsoft JhengHei" panose="020B0604030504040204" pitchFamily="34" charset="-120"/>
+                <a:cs typeface="+mn-cs"/>
+                <a:sym typeface="Calibri"/>
+              </a:defRPr>
+            </a:lvl1pPr>
+            <a:lvl2pPr marL="698911" marR="0" indent="-287430" algn="l" defTabSz="411480" rtl="0" latinLnBrk="0">
+              <a:lnSpc>
+                <a:spcPct val="100000"/>
+              </a:lnSpc>
+              <a:spcBef>
+                <a:spcPts val="450"/>
+              </a:spcBef>
+              <a:spcAft>
+                <a:spcPts val="0"/>
+              </a:spcAft>
+              <a:buClrTx/>
+              <a:buSzPct val="100000"/>
+              <a:buFont typeface="Wingdings" panose="05000000000000000000" pitchFamily="2" charset="2"/>
+              <a:buChar char="l"/>
+              <a:tabLst/>
+              <a:defRPr lang="zh-TW" altLang="en-US" sz="2000" b="1" i="0" u="none" strike="noStrike" cap="none" spc="0" baseline="0" dirty="0" smtClean="0">
+                <a:ln>
+                  <a:noFill/>
+                </a:ln>
+                <a:solidFill>
+                  <a:schemeClr val="accent6">
+                    <a:lumMod val="75000"/>
+                  </a:schemeClr>
+                </a:solidFill>
+                <a:uFillTx/>
+                <a:latin typeface="Microsoft JhengHei" panose="020B0604030504040204" pitchFamily="34" charset="-120"/>
+                <a:ea typeface="Microsoft JhengHei" panose="020B0604030504040204" pitchFamily="34" charset="-120"/>
+                <a:cs typeface="+mn-cs"/>
+                <a:sym typeface="Calibri"/>
+              </a:defRPr>
+            </a:lvl2pPr>
+            <a:lvl3pPr marL="1092549" marR="0" indent="-269590" algn="l" defTabSz="411480" rtl="0" latinLnBrk="0">
+              <a:lnSpc>
+                <a:spcPct val="100000"/>
+              </a:lnSpc>
+              <a:spcBef>
+                <a:spcPts val="450"/>
+              </a:spcBef>
+              <a:spcAft>
+                <a:spcPts val="0"/>
+              </a:spcAft>
+              <a:buClrTx/>
+              <a:buSzPct val="100000"/>
+              <a:buFont typeface="Wingdings" panose="05000000000000000000" pitchFamily="2" charset="2"/>
+              <a:buChar char="ü"/>
+              <a:tabLst/>
+              <a:defRPr lang="zh-TW" altLang="en-US" sz="1800" b="1" i="0" u="none" strike="noStrike" cap="none" spc="0" baseline="0" dirty="0" smtClean="0">
+                <a:ln>
+                  <a:noFill/>
+                </a:ln>
+                <a:solidFill>
+                  <a:srgbClr val="000000"/>
+                </a:solidFill>
+                <a:uFillTx/>
+                <a:latin typeface="Microsoft JhengHei" panose="020B0604030504040204" pitchFamily="34" charset="-120"/>
+                <a:ea typeface="Microsoft JhengHei" panose="020B0604030504040204" pitchFamily="34" charset="-120"/>
+                <a:cs typeface="+mn-cs"/>
+                <a:sym typeface="Calibri"/>
+              </a:defRPr>
+            </a:lvl3pPr>
+            <a:lvl4pPr marL="1560195" marR="0" indent="-325754" algn="l" defTabSz="411480" rtl="0" latinLnBrk="0">
+              <a:lnSpc>
+                <a:spcPct val="100000"/>
+              </a:lnSpc>
+              <a:spcBef>
+                <a:spcPts val="450"/>
+              </a:spcBef>
+              <a:spcAft>
+                <a:spcPts val="0"/>
+              </a:spcAft>
+              <a:buClrTx/>
+              <a:buSzPct val="100000"/>
+              <a:buFont typeface="Arial" panose="020B0604020202020204" pitchFamily="34" charset="0"/>
+              <a:buChar char="•"/>
+              <a:tabLst/>
+              <a:defRPr sz="1600"/>
+            </a:lvl4pPr>
+            <a:lvl5pPr marL="1971675" marR="0" indent="-325754" algn="l" defTabSz="411480" rtl="0" latinLnBrk="0">
+              <a:lnSpc>
+                <a:spcPct val="100000"/>
+              </a:lnSpc>
+              <a:spcBef>
+                <a:spcPts val="450"/>
+              </a:spcBef>
+              <a:spcAft>
+                <a:spcPts val="0"/>
+              </a:spcAft>
+              <a:buClrTx/>
+              <a:buSzPct val="100000"/>
+              <a:buFont typeface="微軟正黑體" panose="020B0604030504040204" pitchFamily="34" charset="-120"/>
+              <a:buChar char="‐"/>
+              <a:tabLst/>
+              <a:defRPr sz="1400"/>
+            </a:lvl5pPr>
+          </a:lstStyle>
+          <a:p>
+            <a:pPr marL="257175" marR="0" lvl="0" indent="-257175" algn="l" defTabSz="411480" rtl="0" latinLnBrk="0">
+              <a:lnSpc>
+                <a:spcPct val="100000"/>
+              </a:lnSpc>
+              <a:spcBef>
+                <a:spcPts val="450"/>
+              </a:spcBef>
+              <a:spcAft>
+                <a:spcPts val="0"/>
+              </a:spcAft>
+              <a:buClrTx/>
+              <a:buSzPct val="100000"/>
+              <a:buFontTx/>
+              <a:buBlip>
+                <a:blip r:embed="rId3"/>
+              </a:buBlip>
+              <a:tabLst/>
+            </a:pPr>
+            <a:r>
+              <a:rPr lang="zh-TW" altLang="en-US" dirty="0" smtClean="0"/>
+              <a:t>按一下以編輯母片文字樣式</a:t>
+            </a:r>
+          </a:p>
+          <a:p>
+            <a:pPr marL="698911" marR="0" lvl="1" indent="-287430" algn="l" defTabSz="411480" rtl="0" latinLnBrk="0">
+              <a:lnSpc>
+                <a:spcPct val="100000"/>
+              </a:lnSpc>
+              <a:spcBef>
+                <a:spcPts val="450"/>
+              </a:spcBef>
+              <a:spcAft>
+                <a:spcPts val="0"/>
+              </a:spcAft>
+              <a:buClrTx/>
+              <a:buSzPct val="100000"/>
+              <a:buFont typeface="Wingdings" panose="05000000000000000000" pitchFamily="2" charset="2"/>
+              <a:buChar char="l"/>
+              <a:tabLst/>
+            </a:pPr>
+            <a:r>
+              <a:rPr lang="zh-TW" altLang="en-US" dirty="0" smtClean="0"/>
+              <a:t>第二層</a:t>
+            </a:r>
+          </a:p>
+          <a:p>
+            <a:pPr marL="1092549" marR="0" lvl="2" indent="-269590" algn="l" defTabSz="411480" rtl="0" latinLnBrk="0">
+              <a:lnSpc>
+                <a:spcPct val="100000"/>
+              </a:lnSpc>
+              <a:spcBef>
+                <a:spcPts val="450"/>
+              </a:spcBef>
+              <a:spcAft>
+                <a:spcPts val="0"/>
+              </a:spcAft>
+              <a:buClrTx/>
+              <a:buSzPct val="100000"/>
+              <a:buFont typeface="Wingdings" panose="05000000000000000000" pitchFamily="2" charset="2"/>
+              <a:buChar char="ü"/>
+              <a:tabLst/>
+            </a:pPr>
+            <a:r>
+              <a:rPr lang="zh-TW" altLang="en-US" dirty="0" smtClean="0"/>
+              <a:t>第三層</a:t>
+            </a:r>
+          </a:p>
+          <a:p>
+            <a:pPr marL="1560195" marR="0" lvl="3" indent="-325754" algn="l" defTabSz="411480" rtl="0" latinLnBrk="0">
+              <a:lnSpc>
+                <a:spcPct val="100000"/>
+              </a:lnSpc>
+              <a:spcBef>
+                <a:spcPts val="450"/>
+              </a:spcBef>
+              <a:spcAft>
+                <a:spcPts val="0"/>
+              </a:spcAft>
+              <a:buClrTx/>
+              <a:buSzPct val="100000"/>
+              <a:buFont typeface="Arial" panose="020B0604020202020204" pitchFamily="34" charset="0"/>
+              <a:buChar char="•"/>
+              <a:tabLst/>
+            </a:pPr>
+            <a:r>
+              <a:rPr lang="zh-TW" altLang="en-US" dirty="0" smtClean="0"/>
+              <a:t>第四層</a:t>
+            </a:r>
+          </a:p>
+          <a:p>
+            <a:pPr marL="1971675" marR="0" lvl="4" indent="-325754" algn="l" defTabSz="411480" rtl="0" latinLnBrk="0">
+              <a:lnSpc>
+                <a:spcPct val="100000"/>
+              </a:lnSpc>
+              <a:spcBef>
+                <a:spcPts val="450"/>
+              </a:spcBef>
+              <a:spcAft>
+                <a:spcPts val="0"/>
+              </a:spcAft>
+              <a:buClrTx/>
+              <a:buSzPct val="100000"/>
+              <a:buFont typeface="微軟正黑體" panose="020B0604030504040204" pitchFamily="34" charset="-120"/>
+              <a:buChar char="‐"/>
+              <a:tabLst/>
+            </a:pPr>
+            <a:r>
+              <a:rPr lang="zh-TW" altLang="en-US" dirty="0" smtClean="0"/>
+              <a:t>第五層</a:t>
+            </a:r>
+            <a:endParaRPr lang="zh-TW" altLang="en-US" dirty="0"/>
           </a:p>
         </p:txBody>
       </p:sp>
@@ -2346,7 +1737,7 @@
 </p:sldLayout>
 </file>
 
-<file path=ppt/slideLayouts/slideLayout12.xml><?xml version="1.0" encoding="utf-8"?>
+<file path=ppt/slideLayouts/slideLayout11.xml><?xml version="1.0" encoding="utf-8"?>
 <p:sldLayout xmlns:a="http://schemas.openxmlformats.org/drawingml/2006/main" xmlns:r="http://schemas.openxmlformats.org/officeDocument/2006/relationships" xmlns:p="http://schemas.openxmlformats.org/presentationml/2006/main" showMasterSp="0" preserve="1" userDrawn="1">
   <p:cSld name="四圖四字交錯">
     <p:spTree>
@@ -2368,7 +1759,7 @@
           <p:cNvPr id="15" name="圖片 14">
             <a:extLst>
               <a:ext uri="{FF2B5EF4-FFF2-40B4-BE49-F238E27FC236}">
-                <a16:creationId xmlns="" xmlns:a16="http://schemas.microsoft.com/office/drawing/2014/main" id="{12BAF42B-62A3-DD45-BFE7-27BEC9CC9C54}"/>
+                <a16:creationId xmlns:a16="http://schemas.microsoft.com/office/drawing/2014/main" xmlns="" id="{12BAF42B-62A3-DD45-BFE7-27BEC9CC9C54}"/>
               </a:ext>
             </a:extLst>
           </p:cNvPr>
@@ -2434,7 +1825,7 @@
             <a:fld id="{763148E0-D83E-4A68-A357-78DB98C8C5C0}" type="datetime1">
               <a:rPr lang="zh-TW" altLang="en-US" smtClean="0"/>
               <a:pPr/>
-              <a:t>2020/6/19</a:t>
+              <a:t>2020/6/20</a:t>
             </a:fld>
             <a:endParaRPr lang="zh-TW" altLang="en-US" dirty="0"/>
           </a:p>
@@ -2592,7 +1983,7 @@
         </p:nvSpPr>
         <p:spPr>
           <a:xfrm>
-            <a:off x="792146" y="3490569"/>
+            <a:off x="792146" y="3414369"/>
             <a:ext cx="1875614" cy="2534988"/>
           </a:xfrm>
           <a:prstGeom prst="rect">
@@ -2619,7 +2010,7 @@
         </p:nvSpPr>
         <p:spPr>
           <a:xfrm>
-            <a:off x="2687116" y="937271"/>
+            <a:off x="2687116" y="861071"/>
             <a:ext cx="1875614" cy="2534988"/>
           </a:xfrm>
           <a:prstGeom prst="rect">
@@ -2646,7 +2037,7 @@
         </p:nvSpPr>
         <p:spPr>
           <a:xfrm>
-            <a:off x="4584009" y="3503269"/>
+            <a:off x="4584009" y="3427069"/>
             <a:ext cx="1875614" cy="2534988"/>
           </a:xfrm>
           <a:prstGeom prst="rect">
@@ -2673,7 +2064,7 @@
         </p:nvSpPr>
         <p:spPr>
           <a:xfrm>
-            <a:off x="6482850" y="952222"/>
+            <a:off x="6482850" y="876022"/>
             <a:ext cx="1875614" cy="2534988"/>
           </a:xfrm>
           <a:prstGeom prst="rect">
@@ -2690,525 +2081,1129 @@
       </p:sp>
       <p:sp>
         <p:nvSpPr>
-          <p:cNvPr id="16" name="內容版面配置區 2"/>
+          <p:cNvPr id="21" name="文字版面配置區 12"/>
           <p:cNvSpPr>
             <a:spLocks noGrp="1"/>
           </p:cNvSpPr>
           <p:nvPr>
-            <p:ph idx="1"/>
+            <p:ph type="body" sz="quarter" idx="30"/>
           </p:nvPr>
         </p:nvSpPr>
         <p:spPr>
           <a:xfrm>
-            <a:off x="777709" y="935020"/>
-            <a:ext cx="1855840" cy="2514090"/>
+            <a:off x="792146" y="861071"/>
+            <a:ext cx="1862592" cy="2534988"/>
           </a:xfrm>
           <a:prstGeom prst="rect">
             <a:avLst/>
           </a:prstGeom>
         </p:spPr>
         <p:txBody>
-          <a:bodyPr>
-            <a:normAutofit/>
-          </a:bodyPr>
+          <a:bodyPr/>
           <a:lstStyle>
-            <a:lvl1pPr marL="342900" indent="-342900">
-              <a:lnSpc>
-                <a:spcPct val="150000"/>
-              </a:lnSpc>
-              <a:spcBef>
-                <a:spcPts val="0"/>
-              </a:spcBef>
+            <a:lvl1pPr marL="257175" marR="0" indent="-257175" algn="l" defTabSz="411480" rtl="0" latinLnBrk="0">
+              <a:lnSpc>
+                <a:spcPct val="100000"/>
+              </a:lnSpc>
+              <a:spcBef>
+                <a:spcPts val="450"/>
+              </a:spcBef>
+              <a:spcAft>
+                <a:spcPts val="0"/>
+              </a:spcAft>
+              <a:buClrTx/>
+              <a:buSzPct val="100000"/>
               <a:buFontTx/>
               <a:buBlip>
                 <a:blip r:embed="rId3"/>
               </a:buBlip>
-              <a:defRPr sz="1600"/>
+              <a:tabLst/>
+              <a:defRPr lang="zh-TW" altLang="en-US" sz="2400" b="1" i="0" u="none" strike="noStrike" cap="none" spc="0" baseline="0" dirty="0" smtClean="0">
+                <a:ln>
+                  <a:noFill/>
+                </a:ln>
+                <a:solidFill>
+                  <a:srgbClr val="0033CC"/>
+                </a:solidFill>
+                <a:uFillTx/>
+                <a:latin typeface="Microsoft JhengHei" panose="020B0604030504040204" pitchFamily="34" charset="-120"/>
+                <a:ea typeface="Microsoft JhengHei" panose="020B0604030504040204" pitchFamily="34" charset="-120"/>
+                <a:cs typeface="+mn-cs"/>
+                <a:sym typeface="Calibri"/>
+              </a:defRPr>
             </a:lvl1pPr>
-            <a:lvl2pPr marL="698911" indent="-287430">
-              <a:lnSpc>
-                <a:spcPct val="150000"/>
-              </a:lnSpc>
-              <a:spcBef>
-                <a:spcPts val="0"/>
-              </a:spcBef>
-              <a:buClr>
-                <a:schemeClr val="tx1"/>
-              </a:buClr>
+            <a:lvl2pPr marL="698911" marR="0" indent="-287430" algn="l" defTabSz="411480" rtl="0" latinLnBrk="0">
+              <a:lnSpc>
+                <a:spcPct val="100000"/>
+              </a:lnSpc>
+              <a:spcBef>
+                <a:spcPts val="450"/>
+              </a:spcBef>
+              <a:spcAft>
+                <a:spcPts val="0"/>
+              </a:spcAft>
+              <a:buClrTx/>
+              <a:buSzPct val="100000"/>
               <a:buFont typeface="Wingdings" panose="05000000000000000000" pitchFamily="2" charset="2"/>
               <a:buChar char="l"/>
-              <a:defRPr sz="1400"/>
+              <a:tabLst/>
+              <a:defRPr lang="zh-TW" altLang="en-US" sz="2000" b="1" i="0" u="none" strike="noStrike" cap="none" spc="0" baseline="0" dirty="0" smtClean="0">
+                <a:ln>
+                  <a:noFill/>
+                </a:ln>
+                <a:solidFill>
+                  <a:schemeClr val="accent6">
+                    <a:lumMod val="75000"/>
+                  </a:schemeClr>
+                </a:solidFill>
+                <a:uFillTx/>
+                <a:latin typeface="Microsoft JhengHei" panose="020B0604030504040204" pitchFamily="34" charset="-120"/>
+                <a:ea typeface="Microsoft JhengHei" panose="020B0604030504040204" pitchFamily="34" charset="-120"/>
+                <a:cs typeface="+mn-cs"/>
+                <a:sym typeface="Calibri"/>
+              </a:defRPr>
             </a:lvl2pPr>
-            <a:lvl3pPr marL="1092549" indent="-269590">
-              <a:lnSpc>
-                <a:spcPct val="150000"/>
-              </a:lnSpc>
-              <a:spcBef>
-                <a:spcPts val="0"/>
-              </a:spcBef>
-              <a:buClr>
-                <a:schemeClr val="tx1"/>
-              </a:buClr>
+            <a:lvl3pPr marL="1092549" marR="0" indent="-269590" algn="l" defTabSz="411480" rtl="0" latinLnBrk="0">
+              <a:lnSpc>
+                <a:spcPct val="100000"/>
+              </a:lnSpc>
+              <a:spcBef>
+                <a:spcPts val="450"/>
+              </a:spcBef>
+              <a:spcAft>
+                <a:spcPts val="0"/>
+              </a:spcAft>
+              <a:buClrTx/>
+              <a:buSzPct val="100000"/>
               <a:buFont typeface="Wingdings" panose="05000000000000000000" pitchFamily="2" charset="2"/>
               <a:buChar char="ü"/>
-              <a:defRPr sz="1200"/>
+              <a:tabLst/>
+              <a:defRPr lang="zh-TW" altLang="en-US" sz="1800" b="1" i="0" u="none" strike="noStrike" cap="none" spc="0" baseline="0" dirty="0" smtClean="0">
+                <a:ln>
+                  <a:noFill/>
+                </a:ln>
+                <a:solidFill>
+                  <a:srgbClr val="000000"/>
+                </a:solidFill>
+                <a:uFillTx/>
+                <a:latin typeface="Microsoft JhengHei" panose="020B0604030504040204" pitchFamily="34" charset="-120"/>
+                <a:ea typeface="Microsoft JhengHei" panose="020B0604030504040204" pitchFamily="34" charset="-120"/>
+                <a:cs typeface="+mn-cs"/>
+                <a:sym typeface="Calibri"/>
+              </a:defRPr>
             </a:lvl3pPr>
-            <a:lvl4pPr marL="1560195" indent="-325754">
-              <a:lnSpc>
-                <a:spcPct val="150000"/>
-              </a:lnSpc>
-              <a:spcBef>
-                <a:spcPts val="0"/>
-              </a:spcBef>
-              <a:buClr>
-                <a:schemeClr val="tx1"/>
-              </a:buClr>
+            <a:lvl4pPr marL="1560195" marR="0" indent="-325754" algn="l" defTabSz="411480" rtl="0" latinLnBrk="0">
+              <a:lnSpc>
+                <a:spcPct val="100000"/>
+              </a:lnSpc>
+              <a:spcBef>
+                <a:spcPts val="450"/>
+              </a:spcBef>
+              <a:spcAft>
+                <a:spcPts val="0"/>
+              </a:spcAft>
+              <a:buClrTx/>
+              <a:buSzPct val="100000"/>
               <a:buFont typeface="Arial" panose="020B0604020202020204" pitchFamily="34" charset="0"/>
               <a:buChar char="•"/>
-              <a:defRPr sz="1000"/>
+              <a:tabLst/>
+              <a:defRPr sz="1600"/>
             </a:lvl4pPr>
-            <a:lvl5pPr marL="1971675" indent="-325754">
-              <a:lnSpc>
-                <a:spcPct val="150000"/>
-              </a:lnSpc>
-              <a:spcBef>
-                <a:spcPts val="0"/>
-              </a:spcBef>
-              <a:buClr>
-                <a:schemeClr val="tx1"/>
-              </a:buClr>
-              <a:buFont typeface="Microsoft JhengHei" panose="020B0604030504040204" pitchFamily="34" charset="-120"/>
+            <a:lvl5pPr marL="1971675" marR="0" indent="-325754" algn="l" defTabSz="411480" rtl="0" latinLnBrk="0">
+              <a:lnSpc>
+                <a:spcPct val="100000"/>
+              </a:lnSpc>
+              <a:spcBef>
+                <a:spcPts val="450"/>
+              </a:spcBef>
+              <a:spcAft>
+                <a:spcPts val="0"/>
+              </a:spcAft>
+              <a:buClrTx/>
+              <a:buSzPct val="100000"/>
+              <a:buFont typeface="微軟正黑體" panose="020B0604030504040204" pitchFamily="34" charset="-120"/>
               <a:buChar char="‐"/>
-              <a:defRPr sz="800"/>
+              <a:tabLst/>
+              <a:defRPr sz="1400"/>
             </a:lvl5pPr>
           </a:lstStyle>
           <a:p>
-            <a:pPr lvl="0"/>
+            <a:pPr marL="257175" marR="0" lvl="0" indent="-257175" algn="l" defTabSz="411480" rtl="0" latinLnBrk="0">
+              <a:lnSpc>
+                <a:spcPct val="100000"/>
+              </a:lnSpc>
+              <a:spcBef>
+                <a:spcPts val="450"/>
+              </a:spcBef>
+              <a:spcAft>
+                <a:spcPts val="0"/>
+              </a:spcAft>
+              <a:buClrTx/>
+              <a:buSzPct val="100000"/>
+              <a:buFontTx/>
+              <a:buBlip>
+                <a:blip r:embed="rId3"/>
+              </a:buBlip>
+              <a:tabLst/>
+            </a:pPr>
             <a:r>
-              <a:rPr lang="zh-TW" altLang="en-US" dirty="0"/>
+              <a:rPr lang="zh-TW" altLang="en-US" dirty="0" smtClean="0"/>
               <a:t>按一下以編輯母片文字樣式</a:t>
             </a:r>
           </a:p>
           <a:p>
-            <a:pPr lvl="1"/>
+            <a:pPr marL="698911" marR="0" lvl="1" indent="-287430" algn="l" defTabSz="411480" rtl="0" latinLnBrk="0">
+              <a:lnSpc>
+                <a:spcPct val="100000"/>
+              </a:lnSpc>
+              <a:spcBef>
+                <a:spcPts val="450"/>
+              </a:spcBef>
+              <a:spcAft>
+                <a:spcPts val="0"/>
+              </a:spcAft>
+              <a:buClrTx/>
+              <a:buSzPct val="100000"/>
+              <a:buFont typeface="Wingdings" panose="05000000000000000000" pitchFamily="2" charset="2"/>
+              <a:buChar char="l"/>
+              <a:tabLst/>
+            </a:pPr>
             <a:r>
-              <a:rPr lang="zh-TW" altLang="en-US" dirty="0"/>
+              <a:rPr lang="zh-TW" altLang="en-US" dirty="0" smtClean="0"/>
               <a:t>第二層</a:t>
             </a:r>
           </a:p>
           <a:p>
-            <a:pPr lvl="2"/>
+            <a:pPr marL="1092549" marR="0" lvl="2" indent="-269590" algn="l" defTabSz="411480" rtl="0" latinLnBrk="0">
+              <a:lnSpc>
+                <a:spcPct val="100000"/>
+              </a:lnSpc>
+              <a:spcBef>
+                <a:spcPts val="450"/>
+              </a:spcBef>
+              <a:spcAft>
+                <a:spcPts val="0"/>
+              </a:spcAft>
+              <a:buClrTx/>
+              <a:buSzPct val="100000"/>
+              <a:buFont typeface="Wingdings" panose="05000000000000000000" pitchFamily="2" charset="2"/>
+              <a:buChar char="ü"/>
+              <a:tabLst/>
+            </a:pPr>
             <a:r>
-              <a:rPr lang="zh-TW" altLang="en-US" dirty="0"/>
+              <a:rPr lang="zh-TW" altLang="en-US" dirty="0" smtClean="0"/>
               <a:t>第三層</a:t>
             </a:r>
           </a:p>
           <a:p>
-            <a:pPr lvl="3"/>
+            <a:pPr marL="1560195" marR="0" lvl="3" indent="-325754" algn="l" defTabSz="411480" rtl="0" latinLnBrk="0">
+              <a:lnSpc>
+                <a:spcPct val="100000"/>
+              </a:lnSpc>
+              <a:spcBef>
+                <a:spcPts val="450"/>
+              </a:spcBef>
+              <a:spcAft>
+                <a:spcPts val="0"/>
+              </a:spcAft>
+              <a:buClrTx/>
+              <a:buSzPct val="100000"/>
+              <a:buFont typeface="Arial" panose="020B0604020202020204" pitchFamily="34" charset="0"/>
+              <a:buChar char="•"/>
+              <a:tabLst/>
+            </a:pPr>
             <a:r>
-              <a:rPr lang="zh-TW" altLang="en-US" dirty="0"/>
+              <a:rPr lang="zh-TW" altLang="en-US" dirty="0" smtClean="0"/>
               <a:t>第四層</a:t>
             </a:r>
           </a:p>
           <a:p>
-            <a:pPr lvl="4"/>
+            <a:pPr marL="1971675" marR="0" lvl="4" indent="-325754" algn="l" defTabSz="411480" rtl="0" latinLnBrk="0">
+              <a:lnSpc>
+                <a:spcPct val="100000"/>
+              </a:lnSpc>
+              <a:spcBef>
+                <a:spcPts val="450"/>
+              </a:spcBef>
+              <a:spcAft>
+                <a:spcPts val="0"/>
+              </a:spcAft>
+              <a:buClrTx/>
+              <a:buSzPct val="100000"/>
+              <a:buFont typeface="微軟正黑體" panose="020B0604030504040204" pitchFamily="34" charset="-120"/>
+              <a:buChar char="‐"/>
+              <a:tabLst/>
+            </a:pPr>
             <a:r>
-              <a:rPr lang="zh-TW" altLang="en-US" dirty="0"/>
+              <a:rPr lang="zh-TW" altLang="en-US" dirty="0" smtClean="0"/>
               <a:t>第五層</a:t>
             </a:r>
+            <a:endParaRPr lang="zh-TW" altLang="en-US" dirty="0"/>
           </a:p>
         </p:txBody>
       </p:sp>
       <p:sp>
         <p:nvSpPr>
-          <p:cNvPr id="17" name="內容版面配置區 2"/>
+          <p:cNvPr id="22" name="文字版面配置區 12"/>
           <p:cNvSpPr>
             <a:spLocks noGrp="1"/>
           </p:cNvSpPr>
           <p:nvPr>
-            <p:ph idx="27"/>
+            <p:ph type="body" sz="quarter" idx="31"/>
           </p:nvPr>
         </p:nvSpPr>
         <p:spPr>
           <a:xfrm>
-            <a:off x="4595108" y="945469"/>
-            <a:ext cx="1855840" cy="2514090"/>
+            <a:off x="2694588" y="3427069"/>
+            <a:ext cx="1862592" cy="2534988"/>
           </a:xfrm>
           <a:prstGeom prst="rect">
             <a:avLst/>
           </a:prstGeom>
         </p:spPr>
         <p:txBody>
-          <a:bodyPr>
-            <a:normAutofit/>
-          </a:bodyPr>
+          <a:bodyPr/>
           <a:lstStyle>
-            <a:lvl1pPr marL="342900" indent="-342900">
-              <a:lnSpc>
-                <a:spcPct val="150000"/>
-              </a:lnSpc>
-              <a:spcBef>
-                <a:spcPts val="0"/>
-              </a:spcBef>
+            <a:lvl1pPr marL="257175" marR="0" indent="-257175" algn="l" defTabSz="411480" rtl="0" latinLnBrk="0">
+              <a:lnSpc>
+                <a:spcPct val="100000"/>
+              </a:lnSpc>
+              <a:spcBef>
+                <a:spcPts val="450"/>
+              </a:spcBef>
+              <a:spcAft>
+                <a:spcPts val="0"/>
+              </a:spcAft>
+              <a:buClrTx/>
+              <a:buSzPct val="100000"/>
               <a:buFontTx/>
               <a:buBlip>
                 <a:blip r:embed="rId3"/>
               </a:buBlip>
-              <a:defRPr sz="1600"/>
+              <a:tabLst/>
+              <a:defRPr lang="zh-TW" altLang="en-US" sz="2400" b="1" i="0" u="none" strike="noStrike" cap="none" spc="0" baseline="0" dirty="0" smtClean="0">
+                <a:ln>
+                  <a:noFill/>
+                </a:ln>
+                <a:solidFill>
+                  <a:srgbClr val="0033CC"/>
+                </a:solidFill>
+                <a:uFillTx/>
+                <a:latin typeface="Microsoft JhengHei" panose="020B0604030504040204" pitchFamily="34" charset="-120"/>
+                <a:ea typeface="Microsoft JhengHei" panose="020B0604030504040204" pitchFamily="34" charset="-120"/>
+                <a:cs typeface="+mn-cs"/>
+                <a:sym typeface="Calibri"/>
+              </a:defRPr>
             </a:lvl1pPr>
-            <a:lvl2pPr marL="698911" indent="-287430">
-              <a:lnSpc>
-                <a:spcPct val="150000"/>
-              </a:lnSpc>
-              <a:spcBef>
-                <a:spcPts val="0"/>
-              </a:spcBef>
-              <a:buClr>
-                <a:schemeClr val="tx1"/>
-              </a:buClr>
+            <a:lvl2pPr marL="698911" marR="0" indent="-287430" algn="l" defTabSz="411480" rtl="0" latinLnBrk="0">
+              <a:lnSpc>
+                <a:spcPct val="100000"/>
+              </a:lnSpc>
+              <a:spcBef>
+                <a:spcPts val="450"/>
+              </a:spcBef>
+              <a:spcAft>
+                <a:spcPts val="0"/>
+              </a:spcAft>
+              <a:buClrTx/>
+              <a:buSzPct val="100000"/>
               <a:buFont typeface="Wingdings" panose="05000000000000000000" pitchFamily="2" charset="2"/>
               <a:buChar char="l"/>
-              <a:defRPr sz="1400"/>
+              <a:tabLst/>
+              <a:defRPr lang="zh-TW" altLang="en-US" sz="2000" b="1" i="0" u="none" strike="noStrike" cap="none" spc="0" baseline="0" dirty="0" smtClean="0">
+                <a:ln>
+                  <a:noFill/>
+                </a:ln>
+                <a:solidFill>
+                  <a:schemeClr val="accent6">
+                    <a:lumMod val="75000"/>
+                  </a:schemeClr>
+                </a:solidFill>
+                <a:uFillTx/>
+                <a:latin typeface="Microsoft JhengHei" panose="020B0604030504040204" pitchFamily="34" charset="-120"/>
+                <a:ea typeface="Microsoft JhengHei" panose="020B0604030504040204" pitchFamily="34" charset="-120"/>
+                <a:cs typeface="+mn-cs"/>
+                <a:sym typeface="Calibri"/>
+              </a:defRPr>
             </a:lvl2pPr>
-            <a:lvl3pPr marL="1092549" indent="-269590">
-              <a:lnSpc>
-                <a:spcPct val="150000"/>
-              </a:lnSpc>
-              <a:spcBef>
-                <a:spcPts val="0"/>
-              </a:spcBef>
-              <a:buClr>
-                <a:schemeClr val="tx1"/>
-              </a:buClr>
+            <a:lvl3pPr marL="1092549" marR="0" indent="-269590" algn="l" defTabSz="411480" rtl="0" latinLnBrk="0">
+              <a:lnSpc>
+                <a:spcPct val="100000"/>
+              </a:lnSpc>
+              <a:spcBef>
+                <a:spcPts val="450"/>
+              </a:spcBef>
+              <a:spcAft>
+                <a:spcPts val="0"/>
+              </a:spcAft>
+              <a:buClrTx/>
+              <a:buSzPct val="100000"/>
               <a:buFont typeface="Wingdings" panose="05000000000000000000" pitchFamily="2" charset="2"/>
               <a:buChar char="ü"/>
-              <a:defRPr sz="1200"/>
+              <a:tabLst/>
+              <a:defRPr lang="zh-TW" altLang="en-US" sz="1800" b="1" i="0" u="none" strike="noStrike" cap="none" spc="0" baseline="0" dirty="0" smtClean="0">
+                <a:ln>
+                  <a:noFill/>
+                </a:ln>
+                <a:solidFill>
+                  <a:srgbClr val="000000"/>
+                </a:solidFill>
+                <a:uFillTx/>
+                <a:latin typeface="Microsoft JhengHei" panose="020B0604030504040204" pitchFamily="34" charset="-120"/>
+                <a:ea typeface="Microsoft JhengHei" panose="020B0604030504040204" pitchFamily="34" charset="-120"/>
+                <a:cs typeface="+mn-cs"/>
+                <a:sym typeface="Calibri"/>
+              </a:defRPr>
             </a:lvl3pPr>
-            <a:lvl4pPr marL="1560195" indent="-325754">
-              <a:lnSpc>
-                <a:spcPct val="150000"/>
-              </a:lnSpc>
-              <a:spcBef>
-                <a:spcPts val="0"/>
-              </a:spcBef>
-              <a:buClr>
-                <a:schemeClr val="tx1"/>
-              </a:buClr>
+            <a:lvl4pPr marL="1560195" marR="0" indent="-325754" algn="l" defTabSz="411480" rtl="0" latinLnBrk="0">
+              <a:lnSpc>
+                <a:spcPct val="100000"/>
+              </a:lnSpc>
+              <a:spcBef>
+                <a:spcPts val="450"/>
+              </a:spcBef>
+              <a:spcAft>
+                <a:spcPts val="0"/>
+              </a:spcAft>
+              <a:buClrTx/>
+              <a:buSzPct val="100000"/>
               <a:buFont typeface="Arial" panose="020B0604020202020204" pitchFamily="34" charset="0"/>
               <a:buChar char="•"/>
-              <a:defRPr sz="1000"/>
+              <a:tabLst/>
+              <a:defRPr sz="1600"/>
             </a:lvl4pPr>
-            <a:lvl5pPr marL="1971675" indent="-325754">
-              <a:lnSpc>
-                <a:spcPct val="150000"/>
-              </a:lnSpc>
-              <a:spcBef>
-                <a:spcPts val="0"/>
-              </a:spcBef>
-              <a:buClr>
-                <a:schemeClr val="tx1"/>
-              </a:buClr>
-              <a:buFont typeface="Microsoft JhengHei" panose="020B0604030504040204" pitchFamily="34" charset="-120"/>
+            <a:lvl5pPr marL="1971675" marR="0" indent="-325754" algn="l" defTabSz="411480" rtl="0" latinLnBrk="0">
+              <a:lnSpc>
+                <a:spcPct val="100000"/>
+              </a:lnSpc>
+              <a:spcBef>
+                <a:spcPts val="450"/>
+              </a:spcBef>
+              <a:spcAft>
+                <a:spcPts val="0"/>
+              </a:spcAft>
+              <a:buClrTx/>
+              <a:buSzPct val="100000"/>
+              <a:buFont typeface="微軟正黑體" panose="020B0604030504040204" pitchFamily="34" charset="-120"/>
               <a:buChar char="‐"/>
-              <a:defRPr sz="800"/>
+              <a:tabLst/>
+              <a:defRPr sz="1400"/>
             </a:lvl5pPr>
           </a:lstStyle>
           <a:p>
-            <a:pPr lvl="0"/>
+            <a:pPr marL="257175" marR="0" lvl="0" indent="-257175" algn="l" defTabSz="411480" rtl="0" latinLnBrk="0">
+              <a:lnSpc>
+                <a:spcPct val="100000"/>
+              </a:lnSpc>
+              <a:spcBef>
+                <a:spcPts val="450"/>
+              </a:spcBef>
+              <a:spcAft>
+                <a:spcPts val="0"/>
+              </a:spcAft>
+              <a:buClrTx/>
+              <a:buSzPct val="100000"/>
+              <a:buFontTx/>
+              <a:buBlip>
+                <a:blip r:embed="rId3"/>
+              </a:buBlip>
+              <a:tabLst/>
+            </a:pPr>
             <a:r>
-              <a:rPr lang="zh-TW" altLang="en-US" dirty="0"/>
+              <a:rPr lang="zh-TW" altLang="en-US" dirty="0" smtClean="0"/>
               <a:t>按一下以編輯母片文字樣式</a:t>
             </a:r>
           </a:p>
           <a:p>
-            <a:pPr lvl="1"/>
+            <a:pPr marL="698911" marR="0" lvl="1" indent="-287430" algn="l" defTabSz="411480" rtl="0" latinLnBrk="0">
+              <a:lnSpc>
+                <a:spcPct val="100000"/>
+              </a:lnSpc>
+              <a:spcBef>
+                <a:spcPts val="450"/>
+              </a:spcBef>
+              <a:spcAft>
+                <a:spcPts val="0"/>
+              </a:spcAft>
+              <a:buClrTx/>
+              <a:buSzPct val="100000"/>
+              <a:buFont typeface="Wingdings" panose="05000000000000000000" pitchFamily="2" charset="2"/>
+              <a:buChar char="l"/>
+              <a:tabLst/>
+            </a:pPr>
             <a:r>
-              <a:rPr lang="zh-TW" altLang="en-US" dirty="0"/>
+              <a:rPr lang="zh-TW" altLang="en-US" dirty="0" smtClean="0"/>
               <a:t>第二層</a:t>
             </a:r>
           </a:p>
           <a:p>
-            <a:pPr lvl="2"/>
+            <a:pPr marL="1092549" marR="0" lvl="2" indent="-269590" algn="l" defTabSz="411480" rtl="0" latinLnBrk="0">
+              <a:lnSpc>
+                <a:spcPct val="100000"/>
+              </a:lnSpc>
+              <a:spcBef>
+                <a:spcPts val="450"/>
+              </a:spcBef>
+              <a:spcAft>
+                <a:spcPts val="0"/>
+              </a:spcAft>
+              <a:buClrTx/>
+              <a:buSzPct val="100000"/>
+              <a:buFont typeface="Wingdings" panose="05000000000000000000" pitchFamily="2" charset="2"/>
+              <a:buChar char="ü"/>
+              <a:tabLst/>
+            </a:pPr>
             <a:r>
-              <a:rPr lang="zh-TW" altLang="en-US" dirty="0"/>
+              <a:rPr lang="zh-TW" altLang="en-US" dirty="0" smtClean="0"/>
               <a:t>第三層</a:t>
             </a:r>
           </a:p>
           <a:p>
-            <a:pPr lvl="3"/>
+            <a:pPr marL="1560195" marR="0" lvl="3" indent="-325754" algn="l" defTabSz="411480" rtl="0" latinLnBrk="0">
+              <a:lnSpc>
+                <a:spcPct val="100000"/>
+              </a:lnSpc>
+              <a:spcBef>
+                <a:spcPts val="450"/>
+              </a:spcBef>
+              <a:spcAft>
+                <a:spcPts val="0"/>
+              </a:spcAft>
+              <a:buClrTx/>
+              <a:buSzPct val="100000"/>
+              <a:buFont typeface="Arial" panose="020B0604020202020204" pitchFamily="34" charset="0"/>
+              <a:buChar char="•"/>
+              <a:tabLst/>
+            </a:pPr>
             <a:r>
-              <a:rPr lang="zh-TW" altLang="en-US" dirty="0"/>
+              <a:rPr lang="zh-TW" altLang="en-US" dirty="0" smtClean="0"/>
               <a:t>第四層</a:t>
             </a:r>
           </a:p>
           <a:p>
-            <a:pPr lvl="4"/>
+            <a:pPr marL="1971675" marR="0" lvl="4" indent="-325754" algn="l" defTabSz="411480" rtl="0" latinLnBrk="0">
+              <a:lnSpc>
+                <a:spcPct val="100000"/>
+              </a:lnSpc>
+              <a:spcBef>
+                <a:spcPts val="450"/>
+              </a:spcBef>
+              <a:spcAft>
+                <a:spcPts val="0"/>
+              </a:spcAft>
+              <a:buClrTx/>
+              <a:buSzPct val="100000"/>
+              <a:buFont typeface="微軟正黑體" panose="020B0604030504040204" pitchFamily="34" charset="-120"/>
+              <a:buChar char="‐"/>
+              <a:tabLst/>
+            </a:pPr>
             <a:r>
-              <a:rPr lang="zh-TW" altLang="en-US" dirty="0"/>
+              <a:rPr lang="zh-TW" altLang="en-US" dirty="0" smtClean="0"/>
               <a:t>第五層</a:t>
             </a:r>
+            <a:endParaRPr lang="zh-TW" altLang="en-US" dirty="0"/>
           </a:p>
         </p:txBody>
       </p:sp>
       <p:sp>
         <p:nvSpPr>
-          <p:cNvPr id="18" name="內容版面配置區 2"/>
+          <p:cNvPr id="23" name="文字版面配置區 12"/>
           <p:cNvSpPr>
             <a:spLocks noGrp="1"/>
           </p:cNvSpPr>
           <p:nvPr>
-            <p:ph idx="28"/>
+            <p:ph type="body" sz="quarter" idx="32"/>
           </p:nvPr>
         </p:nvSpPr>
         <p:spPr>
           <a:xfrm>
-            <a:off x="2680838" y="3511467"/>
-            <a:ext cx="1855840" cy="2514090"/>
+            <a:off x="4607236" y="873771"/>
+            <a:ext cx="1862592" cy="2534988"/>
           </a:xfrm>
           <a:prstGeom prst="rect">
             <a:avLst/>
           </a:prstGeom>
         </p:spPr>
         <p:txBody>
-          <a:bodyPr>
-            <a:normAutofit/>
-          </a:bodyPr>
+          <a:bodyPr/>
           <a:lstStyle>
-            <a:lvl1pPr marL="342900" indent="-342900">
-              <a:lnSpc>
-                <a:spcPct val="150000"/>
-              </a:lnSpc>
-              <a:spcBef>
-                <a:spcPts val="0"/>
-              </a:spcBef>
+            <a:lvl1pPr marL="257175" marR="0" indent="-257175" algn="l" defTabSz="411480" rtl="0" latinLnBrk="0">
+              <a:lnSpc>
+                <a:spcPct val="100000"/>
+              </a:lnSpc>
+              <a:spcBef>
+                <a:spcPts val="450"/>
+              </a:spcBef>
+              <a:spcAft>
+                <a:spcPts val="0"/>
+              </a:spcAft>
+              <a:buClrTx/>
+              <a:buSzPct val="100000"/>
               <a:buFontTx/>
               <a:buBlip>
                 <a:blip r:embed="rId3"/>
               </a:buBlip>
-              <a:defRPr sz="1600"/>
+              <a:tabLst/>
+              <a:defRPr lang="zh-TW" altLang="en-US" sz="2400" b="1" i="0" u="none" strike="noStrike" cap="none" spc="0" baseline="0" dirty="0" smtClean="0">
+                <a:ln>
+                  <a:noFill/>
+                </a:ln>
+                <a:solidFill>
+                  <a:srgbClr val="0033CC"/>
+                </a:solidFill>
+                <a:uFillTx/>
+                <a:latin typeface="Microsoft JhengHei" panose="020B0604030504040204" pitchFamily="34" charset="-120"/>
+                <a:ea typeface="Microsoft JhengHei" panose="020B0604030504040204" pitchFamily="34" charset="-120"/>
+                <a:cs typeface="+mn-cs"/>
+                <a:sym typeface="Calibri"/>
+              </a:defRPr>
             </a:lvl1pPr>
-            <a:lvl2pPr marL="698911" indent="-287430">
-              <a:lnSpc>
-                <a:spcPct val="150000"/>
-              </a:lnSpc>
-              <a:spcBef>
-                <a:spcPts val="0"/>
-              </a:spcBef>
-              <a:buClr>
-                <a:schemeClr val="tx1"/>
-              </a:buClr>
+            <a:lvl2pPr marL="698911" marR="0" indent="-287430" algn="l" defTabSz="411480" rtl="0" latinLnBrk="0">
+              <a:lnSpc>
+                <a:spcPct val="100000"/>
+              </a:lnSpc>
+              <a:spcBef>
+                <a:spcPts val="450"/>
+              </a:spcBef>
+              <a:spcAft>
+                <a:spcPts val="0"/>
+              </a:spcAft>
+              <a:buClrTx/>
+              <a:buSzPct val="100000"/>
               <a:buFont typeface="Wingdings" panose="05000000000000000000" pitchFamily="2" charset="2"/>
               <a:buChar char="l"/>
-              <a:defRPr sz="1400"/>
+              <a:tabLst/>
+              <a:defRPr lang="zh-TW" altLang="en-US" sz="2000" b="1" i="0" u="none" strike="noStrike" cap="none" spc="0" baseline="0" dirty="0" smtClean="0">
+                <a:ln>
+                  <a:noFill/>
+                </a:ln>
+                <a:solidFill>
+                  <a:schemeClr val="accent6">
+                    <a:lumMod val="75000"/>
+                  </a:schemeClr>
+                </a:solidFill>
+                <a:uFillTx/>
+                <a:latin typeface="Microsoft JhengHei" panose="020B0604030504040204" pitchFamily="34" charset="-120"/>
+                <a:ea typeface="Microsoft JhengHei" panose="020B0604030504040204" pitchFamily="34" charset="-120"/>
+                <a:cs typeface="+mn-cs"/>
+                <a:sym typeface="Calibri"/>
+              </a:defRPr>
             </a:lvl2pPr>
-            <a:lvl3pPr marL="1092549" indent="-269590">
-              <a:lnSpc>
-                <a:spcPct val="150000"/>
-              </a:lnSpc>
-              <a:spcBef>
-                <a:spcPts val="0"/>
-              </a:spcBef>
-              <a:buClr>
-                <a:schemeClr val="tx1"/>
-              </a:buClr>
+            <a:lvl3pPr marL="1092549" marR="0" indent="-269590" algn="l" defTabSz="411480" rtl="0" latinLnBrk="0">
+              <a:lnSpc>
+                <a:spcPct val="100000"/>
+              </a:lnSpc>
+              <a:spcBef>
+                <a:spcPts val="450"/>
+              </a:spcBef>
+              <a:spcAft>
+                <a:spcPts val="0"/>
+              </a:spcAft>
+              <a:buClrTx/>
+              <a:buSzPct val="100000"/>
               <a:buFont typeface="Wingdings" panose="05000000000000000000" pitchFamily="2" charset="2"/>
               <a:buChar char="ü"/>
-              <a:defRPr sz="1200"/>
+              <a:tabLst/>
+              <a:defRPr lang="zh-TW" altLang="en-US" sz="1800" b="1" i="0" u="none" strike="noStrike" cap="none" spc="0" baseline="0" dirty="0" smtClean="0">
+                <a:ln>
+                  <a:noFill/>
+                </a:ln>
+                <a:solidFill>
+                  <a:srgbClr val="000000"/>
+                </a:solidFill>
+                <a:uFillTx/>
+                <a:latin typeface="Microsoft JhengHei" panose="020B0604030504040204" pitchFamily="34" charset="-120"/>
+                <a:ea typeface="Microsoft JhengHei" panose="020B0604030504040204" pitchFamily="34" charset="-120"/>
+                <a:cs typeface="+mn-cs"/>
+                <a:sym typeface="Calibri"/>
+              </a:defRPr>
             </a:lvl3pPr>
-            <a:lvl4pPr marL="1560195" indent="-325754">
-              <a:lnSpc>
-                <a:spcPct val="150000"/>
-              </a:lnSpc>
-              <a:spcBef>
-                <a:spcPts val="0"/>
-              </a:spcBef>
-              <a:buClr>
-                <a:schemeClr val="tx1"/>
-              </a:buClr>
+            <a:lvl4pPr marL="1560195" marR="0" indent="-325754" algn="l" defTabSz="411480" rtl="0" latinLnBrk="0">
+              <a:lnSpc>
+                <a:spcPct val="100000"/>
+              </a:lnSpc>
+              <a:spcBef>
+                <a:spcPts val="450"/>
+              </a:spcBef>
+              <a:spcAft>
+                <a:spcPts val="0"/>
+              </a:spcAft>
+              <a:buClrTx/>
+              <a:buSzPct val="100000"/>
               <a:buFont typeface="Arial" panose="020B0604020202020204" pitchFamily="34" charset="0"/>
               <a:buChar char="•"/>
-              <a:defRPr sz="1000"/>
+              <a:tabLst/>
+              <a:defRPr sz="1600"/>
             </a:lvl4pPr>
-            <a:lvl5pPr marL="1971675" indent="-325754">
-              <a:lnSpc>
-                <a:spcPct val="150000"/>
-              </a:lnSpc>
-              <a:spcBef>
-                <a:spcPts val="0"/>
-              </a:spcBef>
-              <a:buClr>
-                <a:schemeClr val="tx1"/>
-              </a:buClr>
-              <a:buFont typeface="Microsoft JhengHei" panose="020B0604030504040204" pitchFamily="34" charset="-120"/>
+            <a:lvl5pPr marL="1971675" marR="0" indent="-325754" algn="l" defTabSz="411480" rtl="0" latinLnBrk="0">
+              <a:lnSpc>
+                <a:spcPct val="100000"/>
+              </a:lnSpc>
+              <a:spcBef>
+                <a:spcPts val="450"/>
+              </a:spcBef>
+              <a:spcAft>
+                <a:spcPts val="0"/>
+              </a:spcAft>
+              <a:buClrTx/>
+              <a:buSzPct val="100000"/>
+              <a:buFont typeface="微軟正黑體" panose="020B0604030504040204" pitchFamily="34" charset="-120"/>
               <a:buChar char="‐"/>
-              <a:defRPr sz="800"/>
+              <a:tabLst/>
+              <a:defRPr sz="1400"/>
             </a:lvl5pPr>
           </a:lstStyle>
           <a:p>
-            <a:pPr lvl="0"/>
+            <a:pPr marL="257175" marR="0" lvl="0" indent="-257175" algn="l" defTabSz="411480" rtl="0" latinLnBrk="0">
+              <a:lnSpc>
+                <a:spcPct val="100000"/>
+              </a:lnSpc>
+              <a:spcBef>
+                <a:spcPts val="450"/>
+              </a:spcBef>
+              <a:spcAft>
+                <a:spcPts val="0"/>
+              </a:spcAft>
+              <a:buClrTx/>
+              <a:buSzPct val="100000"/>
+              <a:buFontTx/>
+              <a:buBlip>
+                <a:blip r:embed="rId3"/>
+              </a:buBlip>
+              <a:tabLst/>
+            </a:pPr>
             <a:r>
-              <a:rPr lang="zh-TW" altLang="en-US" dirty="0"/>
+              <a:rPr lang="zh-TW" altLang="en-US" dirty="0" smtClean="0"/>
               <a:t>按一下以編輯母片文字樣式</a:t>
             </a:r>
           </a:p>
           <a:p>
-            <a:pPr lvl="1"/>
+            <a:pPr marL="698911" marR="0" lvl="1" indent="-287430" algn="l" defTabSz="411480" rtl="0" latinLnBrk="0">
+              <a:lnSpc>
+                <a:spcPct val="100000"/>
+              </a:lnSpc>
+              <a:spcBef>
+                <a:spcPts val="450"/>
+              </a:spcBef>
+              <a:spcAft>
+                <a:spcPts val="0"/>
+              </a:spcAft>
+              <a:buClrTx/>
+              <a:buSzPct val="100000"/>
+              <a:buFont typeface="Wingdings" panose="05000000000000000000" pitchFamily="2" charset="2"/>
+              <a:buChar char="l"/>
+              <a:tabLst/>
+            </a:pPr>
             <a:r>
-              <a:rPr lang="zh-TW" altLang="en-US" dirty="0"/>
+              <a:rPr lang="zh-TW" altLang="en-US" dirty="0" smtClean="0"/>
               <a:t>第二層</a:t>
             </a:r>
           </a:p>
           <a:p>
-            <a:pPr lvl="2"/>
+            <a:pPr marL="1092549" marR="0" lvl="2" indent="-269590" algn="l" defTabSz="411480" rtl="0" latinLnBrk="0">
+              <a:lnSpc>
+                <a:spcPct val="100000"/>
+              </a:lnSpc>
+              <a:spcBef>
+                <a:spcPts val="450"/>
+              </a:spcBef>
+              <a:spcAft>
+                <a:spcPts val="0"/>
+              </a:spcAft>
+              <a:buClrTx/>
+              <a:buSzPct val="100000"/>
+              <a:buFont typeface="Wingdings" panose="05000000000000000000" pitchFamily="2" charset="2"/>
+              <a:buChar char="ü"/>
+              <a:tabLst/>
+            </a:pPr>
             <a:r>
-              <a:rPr lang="zh-TW" altLang="en-US" dirty="0"/>
+              <a:rPr lang="zh-TW" altLang="en-US" dirty="0" smtClean="0"/>
               <a:t>第三層</a:t>
             </a:r>
           </a:p>
           <a:p>
-            <a:pPr lvl="3"/>
+            <a:pPr marL="1560195" marR="0" lvl="3" indent="-325754" algn="l" defTabSz="411480" rtl="0" latinLnBrk="0">
+              <a:lnSpc>
+                <a:spcPct val="100000"/>
+              </a:lnSpc>
+              <a:spcBef>
+                <a:spcPts val="450"/>
+              </a:spcBef>
+              <a:spcAft>
+                <a:spcPts val="0"/>
+              </a:spcAft>
+              <a:buClrTx/>
+              <a:buSzPct val="100000"/>
+              <a:buFont typeface="Arial" panose="020B0604020202020204" pitchFamily="34" charset="0"/>
+              <a:buChar char="•"/>
+              <a:tabLst/>
+            </a:pPr>
             <a:r>
-              <a:rPr lang="zh-TW" altLang="en-US" dirty="0"/>
+              <a:rPr lang="zh-TW" altLang="en-US" dirty="0" smtClean="0"/>
               <a:t>第四層</a:t>
             </a:r>
           </a:p>
           <a:p>
-            <a:pPr lvl="4"/>
+            <a:pPr marL="1971675" marR="0" lvl="4" indent="-325754" algn="l" defTabSz="411480" rtl="0" latinLnBrk="0">
+              <a:lnSpc>
+                <a:spcPct val="100000"/>
+              </a:lnSpc>
+              <a:spcBef>
+                <a:spcPts val="450"/>
+              </a:spcBef>
+              <a:spcAft>
+                <a:spcPts val="0"/>
+              </a:spcAft>
+              <a:buClrTx/>
+              <a:buSzPct val="100000"/>
+              <a:buFont typeface="微軟正黑體" panose="020B0604030504040204" pitchFamily="34" charset="-120"/>
+              <a:buChar char="‐"/>
+              <a:tabLst/>
+            </a:pPr>
             <a:r>
-              <a:rPr lang="zh-TW" altLang="en-US" dirty="0"/>
+              <a:rPr lang="zh-TW" altLang="en-US" dirty="0" smtClean="0"/>
               <a:t>第五層</a:t>
             </a:r>
+            <a:endParaRPr lang="zh-TW" altLang="en-US" dirty="0"/>
           </a:p>
         </p:txBody>
       </p:sp>
       <p:sp>
         <p:nvSpPr>
-          <p:cNvPr id="24" name="內容版面配置區 2"/>
+          <p:cNvPr id="25" name="文字版面配置區 12"/>
           <p:cNvSpPr>
             <a:spLocks noGrp="1"/>
           </p:cNvSpPr>
           <p:nvPr>
-            <p:ph idx="29"/>
+            <p:ph type="body" sz="quarter" idx="33"/>
           </p:nvPr>
         </p:nvSpPr>
         <p:spPr>
           <a:xfrm>
-            <a:off x="6505437" y="3509536"/>
-            <a:ext cx="1855840" cy="2514090"/>
+            <a:off x="6508572" y="3449940"/>
+            <a:ext cx="1862592" cy="2534988"/>
           </a:xfrm>
           <a:prstGeom prst="rect">
             <a:avLst/>
           </a:prstGeom>
         </p:spPr>
         <p:txBody>
-          <a:bodyPr>
-            <a:normAutofit/>
-          </a:bodyPr>
+          <a:bodyPr/>
           <a:lstStyle>
-            <a:lvl1pPr marL="342900" indent="-342900">
-              <a:lnSpc>
-                <a:spcPct val="150000"/>
-              </a:lnSpc>
-              <a:spcBef>
-                <a:spcPts val="0"/>
-              </a:spcBef>
+            <a:lvl1pPr marL="257175" marR="0" indent="-257175" algn="l" defTabSz="411480" rtl="0" latinLnBrk="0">
+              <a:lnSpc>
+                <a:spcPct val="100000"/>
+              </a:lnSpc>
+              <a:spcBef>
+                <a:spcPts val="450"/>
+              </a:spcBef>
+              <a:spcAft>
+                <a:spcPts val="0"/>
+              </a:spcAft>
+              <a:buClrTx/>
+              <a:buSzPct val="100000"/>
               <a:buFontTx/>
               <a:buBlip>
                 <a:blip r:embed="rId3"/>
               </a:buBlip>
-              <a:defRPr sz="1600"/>
+              <a:tabLst/>
+              <a:defRPr lang="zh-TW" altLang="en-US" sz="2400" b="1" i="0" u="none" strike="noStrike" cap="none" spc="0" baseline="0" dirty="0" smtClean="0">
+                <a:ln>
+                  <a:noFill/>
+                </a:ln>
+                <a:solidFill>
+                  <a:srgbClr val="0033CC"/>
+                </a:solidFill>
+                <a:uFillTx/>
+                <a:latin typeface="Microsoft JhengHei" panose="020B0604030504040204" pitchFamily="34" charset="-120"/>
+                <a:ea typeface="Microsoft JhengHei" panose="020B0604030504040204" pitchFamily="34" charset="-120"/>
+                <a:cs typeface="+mn-cs"/>
+                <a:sym typeface="Calibri"/>
+              </a:defRPr>
             </a:lvl1pPr>
-            <a:lvl2pPr marL="698911" indent="-287430">
-              <a:lnSpc>
-                <a:spcPct val="150000"/>
-              </a:lnSpc>
-              <a:spcBef>
-                <a:spcPts val="0"/>
-              </a:spcBef>
-              <a:buClr>
-                <a:schemeClr val="tx1"/>
-              </a:buClr>
+            <a:lvl2pPr marL="698911" marR="0" indent="-287430" algn="l" defTabSz="411480" rtl="0" latinLnBrk="0">
+              <a:lnSpc>
+                <a:spcPct val="100000"/>
+              </a:lnSpc>
+              <a:spcBef>
+                <a:spcPts val="450"/>
+              </a:spcBef>
+              <a:spcAft>
+                <a:spcPts val="0"/>
+              </a:spcAft>
+              <a:buClrTx/>
+              <a:buSzPct val="100000"/>
               <a:buFont typeface="Wingdings" panose="05000000000000000000" pitchFamily="2" charset="2"/>
               <a:buChar char="l"/>
-              <a:defRPr sz="1400"/>
+              <a:tabLst/>
+              <a:defRPr lang="zh-TW" altLang="en-US" sz="2000" b="1" i="0" u="none" strike="noStrike" cap="none" spc="0" baseline="0" dirty="0" smtClean="0">
+                <a:ln>
+                  <a:noFill/>
+                </a:ln>
+                <a:solidFill>
+                  <a:schemeClr val="accent6">
+                    <a:lumMod val="75000"/>
+                  </a:schemeClr>
+                </a:solidFill>
+                <a:uFillTx/>
+                <a:latin typeface="Microsoft JhengHei" panose="020B0604030504040204" pitchFamily="34" charset="-120"/>
+                <a:ea typeface="Microsoft JhengHei" panose="020B0604030504040204" pitchFamily="34" charset="-120"/>
+                <a:cs typeface="+mn-cs"/>
+                <a:sym typeface="Calibri"/>
+              </a:defRPr>
             </a:lvl2pPr>
-            <a:lvl3pPr marL="1092549" indent="-269590">
-              <a:lnSpc>
-                <a:spcPct val="150000"/>
-              </a:lnSpc>
-              <a:spcBef>
-                <a:spcPts val="0"/>
-              </a:spcBef>
-              <a:buClr>
-                <a:schemeClr val="tx1"/>
-              </a:buClr>
+            <a:lvl3pPr marL="1092549" marR="0" indent="-269590" algn="l" defTabSz="411480" rtl="0" latinLnBrk="0">
+              <a:lnSpc>
+                <a:spcPct val="100000"/>
+              </a:lnSpc>
+              <a:spcBef>
+                <a:spcPts val="450"/>
+              </a:spcBef>
+              <a:spcAft>
+                <a:spcPts val="0"/>
+              </a:spcAft>
+              <a:buClrTx/>
+              <a:buSzPct val="100000"/>
               <a:buFont typeface="Wingdings" panose="05000000000000000000" pitchFamily="2" charset="2"/>
               <a:buChar char="ü"/>
-              <a:defRPr sz="1200"/>
+              <a:tabLst/>
+              <a:defRPr lang="zh-TW" altLang="en-US" sz="1800" b="1" i="0" u="none" strike="noStrike" cap="none" spc="0" baseline="0" dirty="0" smtClean="0">
+                <a:ln>
+                  <a:noFill/>
+                </a:ln>
+                <a:solidFill>
+                  <a:srgbClr val="000000"/>
+                </a:solidFill>
+                <a:uFillTx/>
+                <a:latin typeface="Microsoft JhengHei" panose="020B0604030504040204" pitchFamily="34" charset="-120"/>
+                <a:ea typeface="Microsoft JhengHei" panose="020B0604030504040204" pitchFamily="34" charset="-120"/>
+                <a:cs typeface="+mn-cs"/>
+                <a:sym typeface="Calibri"/>
+              </a:defRPr>
             </a:lvl3pPr>
-            <a:lvl4pPr marL="1560195" indent="-325754">
-              <a:lnSpc>
-                <a:spcPct val="150000"/>
-              </a:lnSpc>
-              <a:spcBef>
-                <a:spcPts val="0"/>
-              </a:spcBef>
-              <a:buClr>
-                <a:schemeClr val="tx1"/>
-              </a:buClr>
+            <a:lvl4pPr marL="1560195" marR="0" indent="-325754" algn="l" defTabSz="411480" rtl="0" latinLnBrk="0">
+              <a:lnSpc>
+                <a:spcPct val="100000"/>
+              </a:lnSpc>
+              <a:spcBef>
+                <a:spcPts val="450"/>
+              </a:spcBef>
+              <a:spcAft>
+                <a:spcPts val="0"/>
+              </a:spcAft>
+              <a:buClrTx/>
+              <a:buSzPct val="100000"/>
               <a:buFont typeface="Arial" panose="020B0604020202020204" pitchFamily="34" charset="0"/>
               <a:buChar char="•"/>
-              <a:defRPr sz="1000"/>
+              <a:tabLst/>
+              <a:defRPr sz="1600"/>
             </a:lvl4pPr>
-            <a:lvl5pPr marL="1971675" indent="-325754">
-              <a:lnSpc>
-                <a:spcPct val="150000"/>
-              </a:lnSpc>
-              <a:spcBef>
-                <a:spcPts val="0"/>
-              </a:spcBef>
-              <a:buClr>
-                <a:schemeClr val="tx1"/>
-              </a:buClr>
-              <a:buFont typeface="Microsoft JhengHei" panose="020B0604030504040204" pitchFamily="34" charset="-120"/>
+            <a:lvl5pPr marL="1971675" marR="0" indent="-325754" algn="l" defTabSz="411480" rtl="0" latinLnBrk="0">
+              <a:lnSpc>
+                <a:spcPct val="100000"/>
+              </a:lnSpc>
+              <a:spcBef>
+                <a:spcPts val="450"/>
+              </a:spcBef>
+              <a:spcAft>
+                <a:spcPts val="0"/>
+              </a:spcAft>
+              <a:buClrTx/>
+              <a:buSzPct val="100000"/>
+              <a:buFont typeface="微軟正黑體" panose="020B0604030504040204" pitchFamily="34" charset="-120"/>
               <a:buChar char="‐"/>
-              <a:defRPr sz="800"/>
+              <a:tabLst/>
+              <a:defRPr sz="1400"/>
             </a:lvl5pPr>
           </a:lstStyle>
           <a:p>
-            <a:pPr lvl="0"/>
+            <a:pPr marL="257175" marR="0" lvl="0" indent="-257175" algn="l" defTabSz="411480" rtl="0" latinLnBrk="0">
+              <a:lnSpc>
+                <a:spcPct val="100000"/>
+              </a:lnSpc>
+              <a:spcBef>
+                <a:spcPts val="450"/>
+              </a:spcBef>
+              <a:spcAft>
+                <a:spcPts val="0"/>
+              </a:spcAft>
+              <a:buClrTx/>
+              <a:buSzPct val="100000"/>
+              <a:buFontTx/>
+              <a:buBlip>
+                <a:blip r:embed="rId3"/>
+              </a:buBlip>
+              <a:tabLst/>
+            </a:pPr>
             <a:r>
-              <a:rPr lang="zh-TW" altLang="en-US" dirty="0"/>
+              <a:rPr lang="zh-TW" altLang="en-US" dirty="0" smtClean="0"/>
               <a:t>按一下以編輯母片文字樣式</a:t>
             </a:r>
           </a:p>
           <a:p>
-            <a:pPr lvl="1"/>
+            <a:pPr marL="698911" marR="0" lvl="1" indent="-287430" algn="l" defTabSz="411480" rtl="0" latinLnBrk="0">
+              <a:lnSpc>
+                <a:spcPct val="100000"/>
+              </a:lnSpc>
+              <a:spcBef>
+                <a:spcPts val="450"/>
+              </a:spcBef>
+              <a:spcAft>
+                <a:spcPts val="0"/>
+              </a:spcAft>
+              <a:buClrTx/>
+              <a:buSzPct val="100000"/>
+              <a:buFont typeface="Wingdings" panose="05000000000000000000" pitchFamily="2" charset="2"/>
+              <a:buChar char="l"/>
+              <a:tabLst/>
+            </a:pPr>
             <a:r>
-              <a:rPr lang="zh-TW" altLang="en-US" dirty="0"/>
+              <a:rPr lang="zh-TW" altLang="en-US" dirty="0" smtClean="0"/>
               <a:t>第二層</a:t>
             </a:r>
           </a:p>
           <a:p>
-            <a:pPr lvl="2"/>
+            <a:pPr marL="1092549" marR="0" lvl="2" indent="-269590" algn="l" defTabSz="411480" rtl="0" latinLnBrk="0">
+              <a:lnSpc>
+                <a:spcPct val="100000"/>
+              </a:lnSpc>
+              <a:spcBef>
+                <a:spcPts val="450"/>
+              </a:spcBef>
+              <a:spcAft>
+                <a:spcPts val="0"/>
+              </a:spcAft>
+              <a:buClrTx/>
+              <a:buSzPct val="100000"/>
+              <a:buFont typeface="Wingdings" panose="05000000000000000000" pitchFamily="2" charset="2"/>
+              <a:buChar char="ü"/>
+              <a:tabLst/>
+            </a:pPr>
             <a:r>
-              <a:rPr lang="zh-TW" altLang="en-US" dirty="0"/>
+              <a:rPr lang="zh-TW" altLang="en-US" dirty="0" smtClean="0"/>
               <a:t>第三層</a:t>
             </a:r>
           </a:p>
           <a:p>
-            <a:pPr lvl="3"/>
+            <a:pPr marL="1560195" marR="0" lvl="3" indent="-325754" algn="l" defTabSz="411480" rtl="0" latinLnBrk="0">
+              <a:lnSpc>
+                <a:spcPct val="100000"/>
+              </a:lnSpc>
+              <a:spcBef>
+                <a:spcPts val="450"/>
+              </a:spcBef>
+              <a:spcAft>
+                <a:spcPts val="0"/>
+              </a:spcAft>
+              <a:buClrTx/>
+              <a:buSzPct val="100000"/>
+              <a:buFont typeface="Arial" panose="020B0604020202020204" pitchFamily="34" charset="0"/>
+              <a:buChar char="•"/>
+              <a:tabLst/>
+            </a:pPr>
             <a:r>
-              <a:rPr lang="zh-TW" altLang="en-US" dirty="0"/>
+              <a:rPr lang="zh-TW" altLang="en-US" dirty="0" smtClean="0"/>
               <a:t>第四層</a:t>
             </a:r>
           </a:p>
           <a:p>
-            <a:pPr lvl="4"/>
+            <a:pPr marL="1971675" marR="0" lvl="4" indent="-325754" algn="l" defTabSz="411480" rtl="0" latinLnBrk="0">
+              <a:lnSpc>
+                <a:spcPct val="100000"/>
+              </a:lnSpc>
+              <a:spcBef>
+                <a:spcPts val="450"/>
+              </a:spcBef>
+              <a:spcAft>
+                <a:spcPts val="0"/>
+              </a:spcAft>
+              <a:buClrTx/>
+              <a:buSzPct val="100000"/>
+              <a:buFont typeface="微軟正黑體" panose="020B0604030504040204" pitchFamily="34" charset="-120"/>
+              <a:buChar char="‐"/>
+              <a:tabLst/>
+            </a:pPr>
             <a:r>
-              <a:rPr lang="zh-TW" altLang="en-US" dirty="0"/>
+              <a:rPr lang="zh-TW" altLang="en-US" dirty="0" smtClean="0"/>
               <a:t>第五層</a:t>
             </a:r>
+            <a:endParaRPr lang="zh-TW" altLang="en-US" dirty="0"/>
+          </a:p>
+        </p:txBody>
+      </p:sp>
+      <p:sp>
+        <p:nvSpPr>
+          <p:cNvPr id="34" name="直線接點 14">
+            <a:extLst>
+              <a:ext uri="{FF2B5EF4-FFF2-40B4-BE49-F238E27FC236}">
+                <a16:creationId xmlns:a16="http://schemas.microsoft.com/office/drawing/2014/main" xmlns="" id="{DB869952-2826-214A-87EB-42327D080B3D}"/>
+              </a:ext>
+            </a:extLst>
+          </p:cNvPr>
+          <p:cNvSpPr/>
+          <p:nvPr userDrawn="1"/>
+        </p:nvSpPr>
+        <p:spPr>
+          <a:xfrm flipV="1">
+            <a:off x="319201" y="750960"/>
+            <a:ext cx="8441889" cy="1"/>
+          </a:xfrm>
+          <a:prstGeom prst="line">
+            <a:avLst/>
+          </a:prstGeom>
+          <a:ln w="57150">
+            <a:solidFill>
+              <a:srgbClr val="0070C0"/>
+            </a:solidFill>
+          </a:ln>
+        </p:spPr>
+        <p:txBody>
+          <a:bodyPr lIns="34289" tIns="34289" rIns="34289" bIns="34289"/>
+          <a:lstStyle/>
+          <a:p>
+            <a:endParaRPr sz="1650"/>
+          </a:p>
+        </p:txBody>
+      </p:sp>
+      <p:sp>
+        <p:nvSpPr>
+          <p:cNvPr id="35" name="矩形 11">
+            <a:extLst>
+              <a:ext uri="{FF2B5EF4-FFF2-40B4-BE49-F238E27FC236}">
+                <a16:creationId xmlns:a16="http://schemas.microsoft.com/office/drawing/2014/main" xmlns="" id="{904C9CCE-9A97-C044-94A5-C7EE14A47D81}"/>
+              </a:ext>
+            </a:extLst>
+          </p:cNvPr>
+          <p:cNvSpPr/>
+          <p:nvPr userDrawn="1"/>
+        </p:nvSpPr>
+        <p:spPr>
+          <a:xfrm>
+            <a:off x="319201" y="206623"/>
+            <a:ext cx="81584" cy="471577"/>
+          </a:xfrm>
+          <a:prstGeom prst="rect">
+            <a:avLst/>
+          </a:prstGeom>
+          <a:solidFill>
+            <a:srgbClr val="0070C0"/>
+          </a:solidFill>
+          <a:ln w="12700">
+            <a:miter lim="400000"/>
+          </a:ln>
+        </p:spPr>
+        <p:txBody>
+          <a:bodyPr lIns="34289" tIns="34289" rIns="34289" bIns="34289" anchor="ctr"/>
+          <a:lstStyle/>
+          <a:p>
+            <a:pPr algn="ctr">
+              <a:defRPr>
+                <a:solidFill>
+                  <a:srgbClr val="FFFFFF"/>
+                </a:solidFill>
+              </a:defRPr>
+            </a:pPr>
+            <a:endParaRPr sz="1650"/>
           </a:p>
         </p:txBody>
       </p:sp>
@@ -3233,7 +3228,7 @@
 </p:sldLayout>
 </file>
 
-<file path=ppt/slideLayouts/slideLayout13.xml><?xml version="1.0" encoding="utf-8"?>
+<file path=ppt/slideLayouts/slideLayout12.xml><?xml version="1.0" encoding="utf-8"?>
 <p:sldLayout xmlns:a="http://schemas.openxmlformats.org/drawingml/2006/main" xmlns:r="http://schemas.openxmlformats.org/officeDocument/2006/relationships" xmlns:p="http://schemas.openxmlformats.org/presentationml/2006/main" preserve="1" userDrawn="1">
   <p:cSld name="4_自訂版面配置">
     <p:spTree>
@@ -3268,7 +3263,7 @@
             <a:fld id="{BD4E87B7-3498-4C46-AC2A-2ED0F815BC91}" type="datetime1">
               <a:rPr lang="zh-TW" altLang="en-US" smtClean="0"/>
               <a:pPr/>
-              <a:t>2020/6/19</a:t>
+              <a:t>2020/6/20</a:t>
             </a:fld>
             <a:endParaRPr lang="zh-TW" altLang="en-US" dirty="0"/>
           </a:p>
@@ -3422,7 +3417,7 @@
           <p:cNvPr id="7" name="圖片 12" descr="圖片 12">
             <a:extLst>
               <a:ext uri="{FF2B5EF4-FFF2-40B4-BE49-F238E27FC236}">
-                <a16:creationId xmlns="" xmlns:a16="http://schemas.microsoft.com/office/drawing/2014/main" id="{22F0CA8B-6B3B-324E-A110-1D394ED8350B}"/>
+                <a16:creationId xmlns:a16="http://schemas.microsoft.com/office/drawing/2014/main" xmlns="" id="{22F0CA8B-6B3B-324E-A110-1D394ED8350B}"/>
               </a:ext>
             </a:extLst>
           </p:cNvPr>
@@ -3477,7 +3472,7 @@
 </p:sldLayout>
 </file>
 
-<file path=ppt/slideLayouts/slideLayout14.xml><?xml version="1.0" encoding="utf-8"?>
+<file path=ppt/slideLayouts/slideLayout13.xml><?xml version="1.0" encoding="utf-8"?>
 <p:sldLayout xmlns:a="http://schemas.openxmlformats.org/drawingml/2006/main" xmlns:r="http://schemas.openxmlformats.org/officeDocument/2006/relationships" xmlns:p="http://schemas.openxmlformats.org/presentationml/2006/main" showMasterSp="0" preserve="1" userDrawn="1">
   <p:cSld name="1_左三圖右文">
     <p:spTree>
@@ -3499,7 +3494,7 @@
           <p:cNvPr id="14" name="圖片 13">
             <a:extLst>
               <a:ext uri="{FF2B5EF4-FFF2-40B4-BE49-F238E27FC236}">
-                <a16:creationId xmlns="" xmlns:a16="http://schemas.microsoft.com/office/drawing/2014/main" id="{A17F0115-7852-214F-9AF0-66D925E9B445}"/>
+                <a16:creationId xmlns:a16="http://schemas.microsoft.com/office/drawing/2014/main" xmlns="" id="{A17F0115-7852-214F-9AF0-66D925E9B445}"/>
               </a:ext>
             </a:extLst>
           </p:cNvPr>
@@ -3535,7 +3530,7 @@
           <p:cNvPr id="23" name="直線接點 14">
             <a:extLst>
               <a:ext uri="{FF2B5EF4-FFF2-40B4-BE49-F238E27FC236}">
-                <a16:creationId xmlns="" xmlns:a16="http://schemas.microsoft.com/office/drawing/2014/main" id="{DB869952-2826-214A-87EB-42327D080B3D}"/>
+                <a16:creationId xmlns:a16="http://schemas.microsoft.com/office/drawing/2014/main" xmlns="" id="{DB869952-2826-214A-87EB-42327D080B3D}"/>
               </a:ext>
             </a:extLst>
           </p:cNvPr>
@@ -3569,7 +3564,7 @@
           <p:cNvPr id="24" name="矩形 11">
             <a:extLst>
               <a:ext uri="{FF2B5EF4-FFF2-40B4-BE49-F238E27FC236}">
-                <a16:creationId xmlns="" xmlns:a16="http://schemas.microsoft.com/office/drawing/2014/main" id="{904C9CCE-9A97-C044-94A5-C7EE14A47D81}"/>
+                <a16:creationId xmlns:a16="http://schemas.microsoft.com/office/drawing/2014/main" xmlns="" id="{904C9CCE-9A97-C044-94A5-C7EE14A47D81}"/>
               </a:ext>
             </a:extLst>
           </p:cNvPr>
@@ -3603,263 +3598,6 @@
               </a:defRPr>
             </a:pPr>
             <a:endParaRPr sz="1650"/>
-          </a:p>
-        </p:txBody>
-      </p:sp>
-      <p:sp>
-        <p:nvSpPr>
-          <p:cNvPr id="17" name="內容版面配置區 2"/>
-          <p:cNvSpPr>
-            <a:spLocks noGrp="1"/>
-          </p:cNvSpPr>
-          <p:nvPr>
-            <p:ph idx="1"/>
-          </p:nvPr>
-        </p:nvSpPr>
-        <p:spPr>
-          <a:xfrm>
-            <a:off x="4428066" y="1059113"/>
-            <a:ext cx="4106334" cy="5248554"/>
-          </a:xfrm>
-          <a:prstGeom prst="rect">
-            <a:avLst/>
-          </a:prstGeom>
-        </p:spPr>
-        <p:txBody>
-          <a:bodyPr>
-            <a:normAutofit/>
-          </a:bodyPr>
-          <a:lstStyle>
-            <a:lvl1pPr>
-              <a:lnSpc>
-                <a:spcPct val="100000"/>
-              </a:lnSpc>
-              <a:spcBef>
-                <a:spcPts val="450"/>
-              </a:spcBef>
-              <a:defRPr lang="zh-TW" altLang="en-US" sz="2400" b="0" i="0" u="none" strike="noStrike" cap="none" spc="0" baseline="0" dirty="0" smtClean="0">
-                <a:ln>
-                  <a:noFill/>
-                </a:ln>
-                <a:solidFill>
-                  <a:srgbClr val="000000"/>
-                </a:solidFill>
-                <a:uFillTx/>
-                <a:latin typeface="Microsoft JhengHei" panose="020B0604030504040204" pitchFamily="34" charset="-120"/>
-                <a:ea typeface="Microsoft JhengHei" panose="020B0604030504040204" pitchFamily="34" charset="-120"/>
-                <a:cs typeface="+mn-cs"/>
-                <a:sym typeface="Calibri"/>
-              </a:defRPr>
-            </a:lvl1pPr>
-            <a:lvl2pPr marL="698911" indent="-287430">
-              <a:lnSpc>
-                <a:spcPct val="100000"/>
-              </a:lnSpc>
-              <a:spcBef>
-                <a:spcPts val="450"/>
-              </a:spcBef>
-              <a:buFont typeface="Wingdings" panose="05000000000000000000" pitchFamily="2" charset="2"/>
-              <a:buChar char="l"/>
-              <a:defRPr lang="zh-TW" altLang="en-US" sz="2000" b="0" i="0" u="none" strike="noStrike" cap="none" spc="0" baseline="0" dirty="0" smtClean="0">
-                <a:ln>
-                  <a:noFill/>
-                </a:ln>
-                <a:solidFill>
-                  <a:srgbClr val="000000"/>
-                </a:solidFill>
-                <a:uFillTx/>
-                <a:latin typeface="+mn-ea"/>
-                <a:ea typeface="+mn-ea"/>
-                <a:cs typeface="+mn-cs"/>
-                <a:sym typeface="Calibri"/>
-              </a:defRPr>
-            </a:lvl2pPr>
-            <a:lvl3pPr marL="1092549" indent="-269590">
-              <a:lnSpc>
-                <a:spcPct val="100000"/>
-              </a:lnSpc>
-              <a:spcBef>
-                <a:spcPts val="450"/>
-              </a:spcBef>
-              <a:buFont typeface="Wingdings" panose="05000000000000000000" pitchFamily="2" charset="2"/>
-              <a:buChar char="n"/>
-              <a:defRPr lang="zh-TW" altLang="en-US" sz="1800" b="0" i="0" u="none" strike="noStrike" cap="none" spc="0" baseline="0" dirty="0" smtClean="0">
-                <a:ln>
-                  <a:noFill/>
-                </a:ln>
-                <a:solidFill>
-                  <a:srgbClr val="000000"/>
-                </a:solidFill>
-                <a:uFillTx/>
-                <a:latin typeface="+mn-ea"/>
-                <a:ea typeface="+mn-ea"/>
-                <a:cs typeface="+mn-cs"/>
-                <a:sym typeface="Calibri"/>
-              </a:defRPr>
-            </a:lvl3pPr>
-            <a:lvl4pPr marL="1560195" indent="-325754">
-              <a:lnSpc>
-                <a:spcPct val="100000"/>
-              </a:lnSpc>
-              <a:spcBef>
-                <a:spcPts val="450"/>
-              </a:spcBef>
-              <a:buFont typeface="Wingdings" panose="05000000000000000000" pitchFamily="2" charset="2"/>
-              <a:buChar char="ü"/>
-              <a:defRPr lang="zh-TW" altLang="en-US" sz="1600" b="0" i="0" u="none" strike="noStrike" cap="none" spc="0" baseline="0" dirty="0" smtClean="0">
-                <a:ln>
-                  <a:noFill/>
-                </a:ln>
-                <a:solidFill>
-                  <a:srgbClr val="000000"/>
-                </a:solidFill>
-                <a:uFillTx/>
-                <a:latin typeface="+mn-ea"/>
-                <a:ea typeface="+mn-ea"/>
-                <a:cs typeface="+mn-cs"/>
-                <a:sym typeface="Calibri"/>
-              </a:defRPr>
-            </a:lvl4pPr>
-            <a:lvl5pPr marL="1860233" indent="-214313">
-              <a:lnSpc>
-                <a:spcPct val="100000"/>
-              </a:lnSpc>
-              <a:spcBef>
-                <a:spcPts val="450"/>
-              </a:spcBef>
-              <a:buFont typeface="Arial" panose="020B0604020202020204" pitchFamily="34" charset="0"/>
-              <a:buChar char="•"/>
-              <a:defRPr lang="zh-TW" altLang="en-US" sz="1600" b="0" i="0" u="none" strike="noStrike" cap="none" spc="0" baseline="0" dirty="0">
-                <a:ln>
-                  <a:noFill/>
-                </a:ln>
-                <a:solidFill>
-                  <a:srgbClr val="000000"/>
-                </a:solidFill>
-                <a:uFillTx/>
-                <a:latin typeface="+mn-ea"/>
-                <a:ea typeface="+mn-ea"/>
-                <a:cs typeface="+mn-cs"/>
-                <a:sym typeface="Calibri"/>
-              </a:defRPr>
-            </a:lvl5pPr>
-          </a:lstStyle>
-          <a:p>
-            <a:pPr marL="257175" marR="0" lvl="0" indent="-257175" algn="l" defTabSz="411480" rtl="0" latinLnBrk="0">
-              <a:lnSpc>
-                <a:spcPct val="100000"/>
-              </a:lnSpc>
-              <a:spcBef>
-                <a:spcPts val="450"/>
-              </a:spcBef>
-              <a:spcAft>
-                <a:spcPts val="0"/>
-              </a:spcAft>
-              <a:buClrTx/>
-              <a:buSzPct val="100000"/>
-              <a:buFontTx/>
-              <a:buBlip>
-                <a:blip r:embed="rId3"/>
-              </a:buBlip>
-              <a:tabLst/>
-            </a:pPr>
-            <a:r>
-              <a:rPr lang="zh-TW" altLang="en-US" dirty="0"/>
-              <a:t>按一下以編輯母片文字</a:t>
-            </a:r>
-            <a:r>
-              <a:rPr lang="zh-TW" altLang="en-US" dirty="0" smtClean="0"/>
-              <a:t>樣式</a:t>
-            </a:r>
-          </a:p>
-          <a:p>
-            <a:pPr marL="698911" marR="0" lvl="1" indent="-287430" algn="l" defTabSz="411480" rtl="0" latinLnBrk="0">
-              <a:lnSpc>
-                <a:spcPct val="100000"/>
-              </a:lnSpc>
-              <a:spcBef>
-                <a:spcPts val="450"/>
-              </a:spcBef>
-              <a:spcAft>
-                <a:spcPts val="0"/>
-              </a:spcAft>
-              <a:buClrTx/>
-              <a:buSzPct val="100000"/>
-              <a:buFont typeface="Wingdings" panose="05000000000000000000" pitchFamily="2" charset="2"/>
-              <a:buChar char="l"/>
-              <a:tabLst/>
-            </a:pPr>
-            <a:r>
-              <a:rPr lang="zh-TW" altLang="en-US" dirty="0" smtClean="0"/>
-              <a:t>第二層</a:t>
-            </a:r>
-          </a:p>
-          <a:p>
-            <a:pPr marL="1092549" marR="0" lvl="2" indent="-269590" algn="l" defTabSz="411480" rtl="0" latinLnBrk="0">
-              <a:lnSpc>
-                <a:spcPct val="100000"/>
-              </a:lnSpc>
-              <a:spcBef>
-                <a:spcPts val="450"/>
-              </a:spcBef>
-              <a:spcAft>
-                <a:spcPts val="0"/>
-              </a:spcAft>
-              <a:buClrTx/>
-              <a:buSzPct val="100000"/>
-              <a:buFont typeface="Wingdings" panose="05000000000000000000" pitchFamily="2" charset="2"/>
-              <a:buChar char="ü"/>
-              <a:tabLst/>
-            </a:pPr>
-            <a:r>
-              <a:rPr lang="zh-TW" altLang="en-US" dirty="0" smtClean="0"/>
-              <a:t>第三層</a:t>
-            </a:r>
-          </a:p>
-          <a:p>
-            <a:pPr marL="1560195" marR="0" lvl="3" indent="-325754" algn="l" defTabSz="411480" rtl="0" latinLnBrk="0">
-              <a:lnSpc>
-                <a:spcPct val="100000"/>
-              </a:lnSpc>
-              <a:spcBef>
-                <a:spcPts val="450"/>
-              </a:spcBef>
-              <a:spcAft>
-                <a:spcPts val="0"/>
-              </a:spcAft>
-              <a:buClrTx/>
-              <a:buSzPct val="100000"/>
-              <a:buFont typeface="Arial" panose="020B0604020202020204" pitchFamily="34" charset="0"/>
-              <a:buChar char="•"/>
-              <a:tabLst/>
-            </a:pPr>
-            <a:r>
-              <a:rPr lang="zh-TW" altLang="en-US" dirty="0" smtClean="0"/>
-              <a:t>第四層</a:t>
-            </a:r>
-          </a:p>
-          <a:p>
-            <a:pPr marL="1971675" marR="0" lvl="4" indent="-325754" algn="l" defTabSz="411480" rtl="0" latinLnBrk="0">
-              <a:lnSpc>
-                <a:spcPct val="100000"/>
-              </a:lnSpc>
-              <a:spcBef>
-                <a:spcPts val="450"/>
-              </a:spcBef>
-              <a:spcAft>
-                <a:spcPts val="0"/>
-              </a:spcAft>
-              <a:buClrTx/>
-              <a:buSzPct val="100000"/>
-              <a:buFont typeface="微軟正黑體" panose="020B0604030504040204" pitchFamily="34" charset="-120"/>
-              <a:buChar char="‐"/>
-              <a:tabLst/>
-            </a:pPr>
-            <a:r>
-              <a:rPr lang="zh-TW" altLang="en-US" dirty="0" smtClean="0"/>
-              <a:t>第五層</a:t>
-            </a:r>
-            <a:endParaRPr lang="zh-TW" altLang="en-US" dirty="0"/>
           </a:p>
         </p:txBody>
       </p:sp>
@@ -3898,7 +3636,7 @@
             <a:fld id="{2F3772C8-27CB-4B29-B1B6-3913F64A2D71}" type="datetime1">
               <a:rPr lang="zh-TW" altLang="en-US" smtClean="0"/>
               <a:pPr/>
-              <a:t>2020/6/19</a:t>
+              <a:t>2020/6/20</a:t>
             </a:fld>
             <a:endParaRPr lang="zh-TW" altLang="en-US" dirty="0"/>
           </a:p>
@@ -3994,7 +3732,7 @@
         </p:nvSpPr>
         <p:spPr>
           <a:xfrm>
-            <a:off x="432682" y="1059113"/>
+            <a:off x="432682" y="995613"/>
             <a:ext cx="3580518" cy="2534988"/>
           </a:xfrm>
           <a:prstGeom prst="rect">
@@ -4021,7 +3759,7 @@
         </p:nvSpPr>
         <p:spPr>
           <a:xfrm>
-            <a:off x="445382" y="3780766"/>
+            <a:off x="445382" y="3717266"/>
             <a:ext cx="3580518" cy="2526901"/>
           </a:xfrm>
           <a:prstGeom prst="rect">
@@ -4095,6 +3833,269 @@
               <a:t>按一下以新增標題</a:t>
             </a:r>
             <a:endParaRPr kumimoji="1" lang="zh-TW" altLang="en-US" dirty="0"/>
+          </a:p>
+        </p:txBody>
+      </p:sp>
+      <p:sp>
+        <p:nvSpPr>
+          <p:cNvPr id="12" name="文字版面配置區 12"/>
+          <p:cNvSpPr>
+            <a:spLocks noGrp="1"/>
+          </p:cNvSpPr>
+          <p:nvPr>
+            <p:ph type="body" sz="quarter" idx="25"/>
+          </p:nvPr>
+        </p:nvSpPr>
+        <p:spPr>
+          <a:xfrm>
+            <a:off x="4267200" y="995613"/>
+            <a:ext cx="4483100" cy="5248554"/>
+          </a:xfrm>
+          <a:prstGeom prst="rect">
+            <a:avLst/>
+          </a:prstGeom>
+        </p:spPr>
+        <p:txBody>
+          <a:bodyPr/>
+          <a:lstStyle>
+            <a:lvl1pPr marL="257175" marR="0" indent="-257175" algn="l" defTabSz="411480" rtl="0" latinLnBrk="0">
+              <a:lnSpc>
+                <a:spcPct val="100000"/>
+              </a:lnSpc>
+              <a:spcBef>
+                <a:spcPts val="450"/>
+              </a:spcBef>
+              <a:spcAft>
+                <a:spcPts val="0"/>
+              </a:spcAft>
+              <a:buClrTx/>
+              <a:buSzPct val="100000"/>
+              <a:buFontTx/>
+              <a:buBlip>
+                <a:blip r:embed="rId3"/>
+              </a:buBlip>
+              <a:tabLst/>
+              <a:defRPr lang="zh-TW" altLang="en-US" sz="2400" b="1" i="0" u="none" strike="noStrike" cap="none" spc="0" baseline="0" dirty="0" smtClean="0">
+                <a:ln>
+                  <a:noFill/>
+                </a:ln>
+                <a:solidFill>
+                  <a:srgbClr val="0033CC"/>
+                </a:solidFill>
+                <a:uFillTx/>
+                <a:latin typeface="Microsoft JhengHei" panose="020B0604030504040204" pitchFamily="34" charset="-120"/>
+                <a:ea typeface="Microsoft JhengHei" panose="020B0604030504040204" pitchFamily="34" charset="-120"/>
+                <a:cs typeface="+mn-cs"/>
+                <a:sym typeface="Calibri"/>
+              </a:defRPr>
+            </a:lvl1pPr>
+            <a:lvl2pPr marL="698911" marR="0" indent="-287430" algn="l" defTabSz="411480" rtl="0" latinLnBrk="0">
+              <a:lnSpc>
+                <a:spcPct val="100000"/>
+              </a:lnSpc>
+              <a:spcBef>
+                <a:spcPts val="450"/>
+              </a:spcBef>
+              <a:spcAft>
+                <a:spcPts val="0"/>
+              </a:spcAft>
+              <a:buClrTx/>
+              <a:buSzPct val="100000"/>
+              <a:buFont typeface="Wingdings" panose="05000000000000000000" pitchFamily="2" charset="2"/>
+              <a:buChar char="l"/>
+              <a:tabLst/>
+              <a:defRPr lang="zh-TW" altLang="en-US" sz="2000" b="1" i="0" u="none" strike="noStrike" cap="none" spc="0" baseline="0" dirty="0" smtClean="0">
+                <a:ln>
+                  <a:noFill/>
+                </a:ln>
+                <a:solidFill>
+                  <a:schemeClr val="accent6">
+                    <a:lumMod val="75000"/>
+                  </a:schemeClr>
+                </a:solidFill>
+                <a:uFillTx/>
+                <a:latin typeface="Microsoft JhengHei" panose="020B0604030504040204" pitchFamily="34" charset="-120"/>
+                <a:ea typeface="Microsoft JhengHei" panose="020B0604030504040204" pitchFamily="34" charset="-120"/>
+                <a:cs typeface="+mn-cs"/>
+                <a:sym typeface="Calibri"/>
+              </a:defRPr>
+            </a:lvl2pPr>
+            <a:lvl3pPr marL="1092549" marR="0" indent="-269590" algn="l" defTabSz="411480" rtl="0" latinLnBrk="0">
+              <a:lnSpc>
+                <a:spcPct val="100000"/>
+              </a:lnSpc>
+              <a:spcBef>
+                <a:spcPts val="450"/>
+              </a:spcBef>
+              <a:spcAft>
+                <a:spcPts val="0"/>
+              </a:spcAft>
+              <a:buClrTx/>
+              <a:buSzPct val="100000"/>
+              <a:buFont typeface="Wingdings" panose="05000000000000000000" pitchFamily="2" charset="2"/>
+              <a:buChar char="ü"/>
+              <a:tabLst/>
+              <a:defRPr lang="zh-TW" altLang="en-US" sz="1800" b="1" i="0" u="none" strike="noStrike" cap="none" spc="0" baseline="0" dirty="0" smtClean="0">
+                <a:ln>
+                  <a:noFill/>
+                </a:ln>
+                <a:solidFill>
+                  <a:srgbClr val="000000"/>
+                </a:solidFill>
+                <a:uFillTx/>
+                <a:latin typeface="Microsoft JhengHei" panose="020B0604030504040204" pitchFamily="34" charset="-120"/>
+                <a:ea typeface="Microsoft JhengHei" panose="020B0604030504040204" pitchFamily="34" charset="-120"/>
+                <a:cs typeface="+mn-cs"/>
+                <a:sym typeface="Calibri"/>
+              </a:defRPr>
+            </a:lvl3pPr>
+            <a:lvl4pPr marL="1560195" marR="0" indent="-325754" algn="l" defTabSz="411480" rtl="0" latinLnBrk="0">
+              <a:lnSpc>
+                <a:spcPct val="100000"/>
+              </a:lnSpc>
+              <a:spcBef>
+                <a:spcPts val="450"/>
+              </a:spcBef>
+              <a:spcAft>
+                <a:spcPts val="0"/>
+              </a:spcAft>
+              <a:buClrTx/>
+              <a:buSzPct val="100000"/>
+              <a:buFont typeface="Arial" panose="020B0604020202020204" pitchFamily="34" charset="0"/>
+              <a:buChar char="•"/>
+              <a:tabLst/>
+              <a:defRPr sz="1600"/>
+            </a:lvl4pPr>
+            <a:lvl5pPr marL="1971675" marR="0" indent="-325754" algn="l" defTabSz="411480" rtl="0" latinLnBrk="0">
+              <a:lnSpc>
+                <a:spcPct val="100000"/>
+              </a:lnSpc>
+              <a:spcBef>
+                <a:spcPts val="450"/>
+              </a:spcBef>
+              <a:spcAft>
+                <a:spcPts val="0"/>
+              </a:spcAft>
+              <a:buClrTx/>
+              <a:buSzPct val="100000"/>
+              <a:buFont typeface="微軟正黑體" panose="020B0604030504040204" pitchFamily="34" charset="-120"/>
+              <a:buChar char="‐"/>
+              <a:tabLst/>
+              <a:defRPr sz="1400"/>
+            </a:lvl5pPr>
+          </a:lstStyle>
+          <a:p>
+            <a:pPr marL="257175" marR="0" lvl="0" indent="-257175" algn="l" defTabSz="411480" rtl="0" latinLnBrk="0">
+              <a:lnSpc>
+                <a:spcPct val="100000"/>
+              </a:lnSpc>
+              <a:spcBef>
+                <a:spcPts val="450"/>
+              </a:spcBef>
+              <a:spcAft>
+                <a:spcPts val="0"/>
+              </a:spcAft>
+              <a:buClrTx/>
+              <a:buSzPct val="100000"/>
+              <a:buFontTx/>
+              <a:buBlip>
+                <a:blip r:embed="rId3"/>
+              </a:buBlip>
+              <a:tabLst/>
+            </a:pPr>
+            <a:r>
+              <a:rPr lang="zh-TW" altLang="en-US" dirty="0" smtClean="0"/>
+              <a:t>按一下以編輯母片文字樣式</a:t>
+            </a:r>
+          </a:p>
+          <a:p>
+            <a:pPr marL="698911" marR="0" lvl="1" indent="-287430" algn="l" defTabSz="411480" rtl="0" latinLnBrk="0">
+              <a:lnSpc>
+                <a:spcPct val="100000"/>
+              </a:lnSpc>
+              <a:spcBef>
+                <a:spcPts val="450"/>
+              </a:spcBef>
+              <a:spcAft>
+                <a:spcPts val="0"/>
+              </a:spcAft>
+              <a:buClrTx/>
+              <a:buSzPct val="100000"/>
+              <a:buFont typeface="Wingdings" panose="05000000000000000000" pitchFamily="2" charset="2"/>
+              <a:buChar char="l"/>
+              <a:tabLst/>
+            </a:pPr>
+            <a:r>
+              <a:rPr lang="zh-TW" altLang="en-US" dirty="0" smtClean="0"/>
+              <a:t>第二層</a:t>
+            </a:r>
+          </a:p>
+          <a:p>
+            <a:pPr marL="1092549" marR="0" lvl="2" indent="-269590" algn="l" defTabSz="411480" rtl="0" latinLnBrk="0">
+              <a:lnSpc>
+                <a:spcPct val="100000"/>
+              </a:lnSpc>
+              <a:spcBef>
+                <a:spcPts val="450"/>
+              </a:spcBef>
+              <a:spcAft>
+                <a:spcPts val="0"/>
+              </a:spcAft>
+              <a:buClrTx/>
+              <a:buSzPct val="100000"/>
+              <a:buFont typeface="Wingdings" panose="05000000000000000000" pitchFamily="2" charset="2"/>
+              <a:buChar char="ü"/>
+              <a:tabLst/>
+            </a:pPr>
+            <a:r>
+              <a:rPr lang="zh-TW" altLang="en-US" dirty="0" smtClean="0"/>
+              <a:t>第三層</a:t>
+            </a:r>
+          </a:p>
+          <a:p>
+            <a:pPr marL="1560195" marR="0" lvl="3" indent="-325754" algn="l" defTabSz="411480" rtl="0" latinLnBrk="0">
+              <a:lnSpc>
+                <a:spcPct val="100000"/>
+              </a:lnSpc>
+              <a:spcBef>
+                <a:spcPts val="450"/>
+              </a:spcBef>
+              <a:spcAft>
+                <a:spcPts val="0"/>
+              </a:spcAft>
+              <a:buClrTx/>
+              <a:buSzPct val="100000"/>
+              <a:buFont typeface="Arial" panose="020B0604020202020204" pitchFamily="34" charset="0"/>
+              <a:buChar char="•"/>
+              <a:tabLst/>
+            </a:pPr>
+            <a:r>
+              <a:rPr lang="zh-TW" altLang="en-US" dirty="0" smtClean="0"/>
+              <a:t>第四層</a:t>
+            </a:r>
+          </a:p>
+          <a:p>
+            <a:pPr marL="1971675" marR="0" lvl="4" indent="-325754" algn="l" defTabSz="411480" rtl="0" latinLnBrk="0">
+              <a:lnSpc>
+                <a:spcPct val="100000"/>
+              </a:lnSpc>
+              <a:spcBef>
+                <a:spcPts val="450"/>
+              </a:spcBef>
+              <a:spcAft>
+                <a:spcPts val="0"/>
+              </a:spcAft>
+              <a:buClrTx/>
+              <a:buSzPct val="100000"/>
+              <a:buFont typeface="微軟正黑體" panose="020B0604030504040204" pitchFamily="34" charset="-120"/>
+              <a:buChar char="‐"/>
+              <a:tabLst/>
+            </a:pPr>
+            <a:r>
+              <a:rPr lang="zh-TW" altLang="en-US" dirty="0" smtClean="0"/>
+              <a:t>第五層</a:t>
+            </a:r>
+            <a:endParaRPr lang="zh-TW" altLang="en-US" dirty="0"/>
           </a:p>
         </p:txBody>
       </p:sp>
@@ -4140,9 +4141,9 @@
 </p:sldLayout>
 </file>
 
-<file path=ppt/slideLayouts/slideLayout2.xml><?xml version="1.0" encoding="utf-8"?>
+<file path=ppt/slideLayouts/slideLayout14.xml><?xml version="1.0" encoding="utf-8"?>
 <p:sldLayout xmlns:a="http://schemas.openxmlformats.org/drawingml/2006/main" xmlns:r="http://schemas.openxmlformats.org/officeDocument/2006/relationships" xmlns:p="http://schemas.openxmlformats.org/presentationml/2006/main" preserve="1" userDrawn="1">
-  <p:cSld name="目錄">
+  <p:cSld name="自訂版面配置">
     <p:spTree>
       <p:nvGrpSpPr>
         <p:cNvPr id="1" name=""/>
@@ -4159,275 +4160,204 @@
       </p:grpSpPr>
       <p:sp>
         <p:nvSpPr>
-          <p:cNvPr id="7" name="內容版面配置區 2"/>
+          <p:cNvPr id="3" name="日期版面配置區 2"/>
           <p:cNvSpPr>
             <a:spLocks noGrp="1"/>
           </p:cNvSpPr>
           <p:nvPr>
-            <p:ph idx="1"/>
+            <p:ph type="dt" sz="half" idx="10"/>
+          </p:nvPr>
+        </p:nvSpPr>
+        <p:spPr/>
+        <p:txBody>
+          <a:bodyPr/>
+          <a:lstStyle/>
+          <a:p>
+            <a:fld id="{BD4E87B7-3498-4C46-AC2A-2ED0F815BC91}" type="datetime1">
+              <a:rPr lang="zh-TW" altLang="en-US" smtClean="0"/>
+              <a:pPr/>
+              <a:t>2020/6/20</a:t>
+            </a:fld>
+            <a:endParaRPr lang="zh-TW" altLang="en-US" dirty="0"/>
+          </a:p>
+        </p:txBody>
+      </p:sp>
+      <p:sp>
+        <p:nvSpPr>
+          <p:cNvPr id="4" name="頁尾版面配置區 3"/>
+          <p:cNvSpPr>
+            <a:spLocks noGrp="1"/>
+          </p:cNvSpPr>
+          <p:nvPr>
+            <p:ph type="ftr" sz="quarter" idx="11"/>
+          </p:nvPr>
+        </p:nvSpPr>
+        <p:spPr/>
+        <p:txBody>
+          <a:bodyPr/>
+          <a:lstStyle/>
+          <a:p>
+            <a:endParaRPr lang="zh-TW" altLang="en-US" dirty="0"/>
+          </a:p>
+        </p:txBody>
+      </p:sp>
+      <p:sp>
+        <p:nvSpPr>
+          <p:cNvPr id="5" name="投影片編號版面配置區 4"/>
+          <p:cNvSpPr>
+            <a:spLocks noGrp="1"/>
+          </p:cNvSpPr>
+          <p:nvPr>
+            <p:ph type="sldNum" sz="quarter" idx="12"/>
+          </p:nvPr>
+        </p:nvSpPr>
+        <p:spPr/>
+        <p:txBody>
+          <a:bodyPr/>
+          <a:lstStyle/>
+          <a:p>
+            <a:fld id="{CBE36A95-2CE2-4055-AD5A-A0921D347A17}" type="slidenum">
+              <a:rPr lang="zh-TW" altLang="en-US" smtClean="0"/>
+              <a:pPr/>
+              <a:t>‹#›</a:t>
+            </a:fld>
+            <a:endParaRPr lang="zh-TW" altLang="en-US" dirty="0"/>
+          </a:p>
+        </p:txBody>
+      </p:sp>
+      <p:sp>
+        <p:nvSpPr>
+          <p:cNvPr id="6" name="直線接點 14">
+            <a:extLst>
+              <a:ext uri="{FF2B5EF4-FFF2-40B4-BE49-F238E27FC236}">
+                <a16:creationId xmlns:a16="http://schemas.microsoft.com/office/drawing/2014/main" xmlns="" id="{DB869952-2826-214A-87EB-42327D080B3D}"/>
+              </a:ext>
+            </a:extLst>
+          </p:cNvPr>
+          <p:cNvSpPr/>
+          <p:nvPr userDrawn="1"/>
+        </p:nvSpPr>
+        <p:spPr>
+          <a:xfrm flipV="1">
+            <a:off x="319201" y="750960"/>
+            <a:ext cx="8441889" cy="1"/>
+          </a:xfrm>
+          <a:prstGeom prst="line">
+            <a:avLst/>
+          </a:prstGeom>
+          <a:ln w="57150">
+            <a:solidFill>
+              <a:srgbClr val="0070C0"/>
+            </a:solidFill>
+          </a:ln>
+        </p:spPr>
+        <p:txBody>
+          <a:bodyPr lIns="34289" tIns="34289" rIns="34289" bIns="34289"/>
+          <a:lstStyle/>
+          <a:p>
+            <a:endParaRPr sz="1650"/>
+          </a:p>
+        </p:txBody>
+      </p:sp>
+      <p:sp>
+        <p:nvSpPr>
+          <p:cNvPr id="7" name="矩形 11">
+            <a:extLst>
+              <a:ext uri="{FF2B5EF4-FFF2-40B4-BE49-F238E27FC236}">
+                <a16:creationId xmlns:a16="http://schemas.microsoft.com/office/drawing/2014/main" xmlns="" id="{904C9CCE-9A97-C044-94A5-C7EE14A47D81}"/>
+              </a:ext>
+            </a:extLst>
+          </p:cNvPr>
+          <p:cNvSpPr/>
+          <p:nvPr userDrawn="1"/>
+        </p:nvSpPr>
+        <p:spPr>
+          <a:xfrm>
+            <a:off x="319201" y="206623"/>
+            <a:ext cx="81584" cy="471577"/>
+          </a:xfrm>
+          <a:prstGeom prst="rect">
+            <a:avLst/>
+          </a:prstGeom>
+          <a:solidFill>
+            <a:srgbClr val="0070C0"/>
+          </a:solidFill>
+          <a:ln w="12700">
+            <a:miter lim="400000"/>
+          </a:ln>
+        </p:spPr>
+        <p:txBody>
+          <a:bodyPr lIns="34289" tIns="34289" rIns="34289" bIns="34289" anchor="ctr"/>
+          <a:lstStyle/>
+          <a:p>
+            <a:pPr algn="ctr">
+              <a:defRPr>
+                <a:solidFill>
+                  <a:srgbClr val="FFFFFF"/>
+                </a:solidFill>
+              </a:defRPr>
+            </a:pPr>
+            <a:endParaRPr sz="1650"/>
+          </a:p>
+        </p:txBody>
+      </p:sp>
+      <p:sp>
+        <p:nvSpPr>
+          <p:cNvPr id="9" name="圖片版面配置區 4"/>
+          <p:cNvSpPr>
+            <a:spLocks noGrp="1"/>
+          </p:cNvSpPr>
+          <p:nvPr>
+            <p:ph type="pic" sz="quarter" idx="22"/>
           </p:nvPr>
         </p:nvSpPr>
         <p:spPr>
           <a:xfrm>
-            <a:off x="628650" y="973667"/>
-            <a:ext cx="7886700" cy="5029200"/>
+            <a:off x="331082" y="995613"/>
+            <a:ext cx="4106334" cy="2534988"/>
           </a:xfrm>
           <a:prstGeom prst="rect">
             <a:avLst/>
           </a:prstGeom>
         </p:spPr>
         <p:txBody>
-          <a:bodyPr>
-            <a:normAutofit/>
-          </a:bodyPr>
-          <a:lstStyle>
-            <a:lvl1pPr marL="342900" indent="-342900">
-              <a:lnSpc>
-                <a:spcPct val="150000"/>
-              </a:lnSpc>
-              <a:spcBef>
-                <a:spcPts val="0"/>
-              </a:spcBef>
-              <a:buFontTx/>
-              <a:buBlip>
-                <a:blip r:embed="rId2"/>
-              </a:buBlip>
-              <a:defRPr sz="2800"/>
-            </a:lvl1pPr>
-            <a:lvl2pPr marL="698911" indent="-287430">
-              <a:lnSpc>
-                <a:spcPct val="150000"/>
-              </a:lnSpc>
-              <a:spcBef>
-                <a:spcPts val="0"/>
-              </a:spcBef>
-              <a:buClr>
-                <a:schemeClr val="tx1"/>
-              </a:buClr>
-              <a:buFont typeface="Wingdings" panose="05000000000000000000" pitchFamily="2" charset="2"/>
-              <a:buChar char="l"/>
-              <a:defRPr sz="2400"/>
-            </a:lvl2pPr>
-            <a:lvl3pPr marL="1092549" indent="-269590">
-              <a:lnSpc>
-                <a:spcPct val="150000"/>
-              </a:lnSpc>
-              <a:spcBef>
-                <a:spcPts val="0"/>
-              </a:spcBef>
-              <a:buClr>
-                <a:schemeClr val="tx1"/>
-              </a:buClr>
-              <a:buFont typeface="Wingdings" panose="05000000000000000000" pitchFamily="2" charset="2"/>
-              <a:buChar char="ü"/>
-              <a:defRPr sz="2000"/>
-            </a:lvl3pPr>
-            <a:lvl4pPr marL="1560195" indent="-325754">
-              <a:lnSpc>
-                <a:spcPct val="150000"/>
-              </a:lnSpc>
-              <a:spcBef>
-                <a:spcPts val="0"/>
-              </a:spcBef>
-              <a:buClr>
-                <a:schemeClr val="tx1"/>
-              </a:buClr>
-              <a:buFont typeface="Arial" panose="020B0604020202020204" pitchFamily="34" charset="0"/>
-              <a:buChar char="•"/>
-              <a:defRPr sz="1800"/>
-            </a:lvl4pPr>
-            <a:lvl5pPr marL="1971675" indent="-325754">
-              <a:lnSpc>
-                <a:spcPct val="150000"/>
-              </a:lnSpc>
-              <a:spcBef>
-                <a:spcPts val="0"/>
-              </a:spcBef>
-              <a:buClr>
-                <a:schemeClr val="tx1"/>
-              </a:buClr>
-              <a:buFont typeface="Microsoft JhengHei" panose="020B0604030504040204" pitchFamily="34" charset="-120"/>
-              <a:buChar char="‐"/>
-              <a:defRPr sz="1800"/>
-            </a:lvl5pPr>
-          </a:lstStyle>
-          <a:p>
-            <a:pPr lvl="0"/>
-            <a:r>
-              <a:rPr lang="zh-TW" altLang="en-US" dirty="0"/>
-              <a:t>按一下以編輯母片文字樣式</a:t>
-            </a:r>
-          </a:p>
-          <a:p>
-            <a:pPr lvl="1"/>
-            <a:r>
-              <a:rPr lang="zh-TW" altLang="en-US" dirty="0"/>
-              <a:t>第二層</a:t>
-            </a:r>
-          </a:p>
-          <a:p>
-            <a:pPr lvl="2"/>
-            <a:r>
-              <a:rPr lang="zh-TW" altLang="en-US" dirty="0"/>
-              <a:t>第三層</a:t>
-            </a:r>
-          </a:p>
-          <a:p>
-            <a:pPr lvl="3"/>
-            <a:r>
-              <a:rPr lang="zh-TW" altLang="en-US" dirty="0"/>
-              <a:t>第四層</a:t>
-            </a:r>
-          </a:p>
-          <a:p>
-            <a:pPr lvl="4"/>
-            <a:r>
-              <a:rPr lang="zh-TW" altLang="en-US" dirty="0"/>
-              <a:t>第五層</a:t>
-            </a:r>
+          <a:bodyPr/>
+          <a:lstStyle/>
+          <a:p>
+            <a:endParaRPr lang="zh-TW" altLang="en-US"/>
           </a:p>
         </p:txBody>
       </p:sp>
       <p:sp>
         <p:nvSpPr>
-          <p:cNvPr id="9" name="日期版面配置區 3">
-            <a:extLst>
-              <a:ext uri="{FF2B5EF4-FFF2-40B4-BE49-F238E27FC236}">
-                <a16:creationId xmlns="" xmlns:a16="http://schemas.microsoft.com/office/drawing/2014/main" id="{348E7BFC-4749-7647-89F0-3BDB25AF3553}"/>
-              </a:ext>
-            </a:extLst>
-          </p:cNvPr>
+          <p:cNvPr id="10" name="圖片版面配置區 4"/>
           <p:cNvSpPr>
             <a:spLocks noGrp="1"/>
           </p:cNvSpPr>
           <p:nvPr>
-            <p:ph type="dt" sz="half" idx="2"/>
+            <p:ph type="pic" sz="quarter" idx="23"/>
           </p:nvPr>
         </p:nvSpPr>
         <p:spPr>
           <a:xfrm>
-            <a:off x="1" y="6502420"/>
-            <a:ext cx="2405903" cy="365125"/>
+            <a:off x="4643966" y="3717266"/>
+            <a:ext cx="4106334" cy="2526901"/>
           </a:xfrm>
           <a:prstGeom prst="rect">
             <a:avLst/>
           </a:prstGeom>
         </p:spPr>
         <p:txBody>
-          <a:bodyPr anchor="b"/>
-          <a:lstStyle>
-            <a:lvl1pPr algn="l">
-              <a:defRPr sz="1600">
-                <a:solidFill>
-                  <a:schemeClr val="tx1"/>
-                </a:solidFill>
-                <a:latin typeface="+mn-lt"/>
-              </a:defRPr>
-            </a:lvl1pPr>
-          </a:lstStyle>
-          <a:p>
-            <a:fld id="{BD4E87B7-3498-4C46-AC2A-2ED0F815BC91}" type="datetime1">
-              <a:rPr lang="zh-TW" altLang="en-US" smtClean="0"/>
-              <a:pPr/>
-              <a:t>2020/6/19</a:t>
-            </a:fld>
-            <a:endParaRPr lang="zh-TW" altLang="en-US" dirty="0"/>
+          <a:bodyPr/>
+          <a:lstStyle/>
+          <a:p>
+            <a:endParaRPr lang="zh-TW" altLang="en-US"/>
           </a:p>
         </p:txBody>
       </p:sp>
       <p:sp>
         <p:nvSpPr>
-          <p:cNvPr id="10" name="頁尾版面配置區 4">
-            <a:extLst>
-              <a:ext uri="{FF2B5EF4-FFF2-40B4-BE49-F238E27FC236}">
-                <a16:creationId xmlns="" xmlns:a16="http://schemas.microsoft.com/office/drawing/2014/main" id="{B927FAE2-E7E2-794D-9ABF-3D3B461C5548}"/>
-              </a:ext>
-            </a:extLst>
-          </p:cNvPr>
-          <p:cNvSpPr>
-            <a:spLocks noGrp="1"/>
-          </p:cNvSpPr>
-          <p:nvPr>
-            <p:ph type="ftr" sz="quarter" idx="3"/>
-          </p:nvPr>
-        </p:nvSpPr>
-        <p:spPr>
-          <a:xfrm>
-            <a:off x="2470149" y="6502420"/>
-            <a:ext cx="4249918" cy="365125"/>
-          </a:xfrm>
-          <a:prstGeom prst="rect">
-            <a:avLst/>
-          </a:prstGeom>
-        </p:spPr>
-        <p:txBody>
-          <a:bodyPr anchor="b"/>
-          <a:lstStyle>
-            <a:lvl1pPr algn="ctr">
-              <a:defRPr sz="1600">
-                <a:solidFill>
-                  <a:schemeClr val="bg1"/>
-                </a:solidFill>
-                <a:latin typeface="+mn-lt"/>
-              </a:defRPr>
-            </a:lvl1pPr>
-          </a:lstStyle>
-          <a:p>
-            <a:endParaRPr lang="zh-TW" altLang="en-US" dirty="0"/>
-          </a:p>
-        </p:txBody>
-      </p:sp>
-      <p:sp>
-        <p:nvSpPr>
-          <p:cNvPr id="11" name="投影片編號版面配置區 5">
-            <a:extLst>
-              <a:ext uri="{FF2B5EF4-FFF2-40B4-BE49-F238E27FC236}">
-                <a16:creationId xmlns="" xmlns:a16="http://schemas.microsoft.com/office/drawing/2014/main" id="{03005A04-9867-3442-899E-4D15DA9BE4E2}"/>
-              </a:ext>
-            </a:extLst>
-          </p:cNvPr>
-          <p:cNvSpPr>
-            <a:spLocks noGrp="1"/>
-          </p:cNvSpPr>
-          <p:nvPr>
-            <p:ph type="sldNum" sz="quarter" idx="4"/>
-          </p:nvPr>
-        </p:nvSpPr>
-        <p:spPr>
-          <a:xfrm>
-            <a:off x="6784313" y="6502420"/>
-            <a:ext cx="2359687" cy="365125"/>
-          </a:xfrm>
-          <a:prstGeom prst="rect">
-            <a:avLst/>
-          </a:prstGeom>
-        </p:spPr>
-        <p:txBody>
-          <a:bodyPr anchor="b"/>
-          <a:lstStyle>
-            <a:lvl1pPr algn="r">
-              <a:tabLst/>
-              <a:defRPr sz="1600">
-                <a:solidFill>
-                  <a:schemeClr val="bg1"/>
-                </a:solidFill>
-                <a:latin typeface="+mn-lt"/>
-              </a:defRPr>
-            </a:lvl1pPr>
-          </a:lstStyle>
-          <a:p>
-            <a:fld id="{CBE36A95-2CE2-4055-AD5A-A0921D347A17}" type="slidenum">
-              <a:rPr lang="zh-TW" altLang="en-US" smtClean="0"/>
-              <a:pPr/>
-              <a:t>‹#›</a:t>
-            </a:fld>
-            <a:endParaRPr lang="zh-TW" altLang="en-US" dirty="0"/>
-          </a:p>
-        </p:txBody>
-      </p:sp>
-      <p:sp>
-        <p:nvSpPr>
-          <p:cNvPr id="8" name="標題 1"/>
+          <p:cNvPr id="11" name="標題 1"/>
           <p:cNvSpPr>
             <a:spLocks noGrp="1"/>
           </p:cNvSpPr>
@@ -4477,7 +4407,7 @@
           <a:p>
             <a:r>
               <a:rPr kumimoji="1" lang="en-US" altLang="zh-TW" dirty="0" smtClean="0"/>
-              <a:t>001_01</a:t>
+              <a:t>022_00</a:t>
             </a:r>
             <a:r>
               <a:rPr kumimoji="1" lang="zh-TW" altLang="en-US" dirty="0" smtClean="0"/>
@@ -4487,10 +4417,508 @@
           </a:p>
         </p:txBody>
       </p:sp>
+      <p:sp>
+        <p:nvSpPr>
+          <p:cNvPr id="13" name="文字版面配置區 12"/>
+          <p:cNvSpPr>
+            <a:spLocks noGrp="1"/>
+          </p:cNvSpPr>
+          <p:nvPr>
+            <p:ph type="body" sz="quarter" idx="25"/>
+          </p:nvPr>
+        </p:nvSpPr>
+        <p:spPr>
+          <a:xfrm>
+            <a:off x="4643966" y="995613"/>
+            <a:ext cx="4106334" cy="2526900"/>
+          </a:xfrm>
+          <a:prstGeom prst="rect">
+            <a:avLst/>
+          </a:prstGeom>
+        </p:spPr>
+        <p:txBody>
+          <a:bodyPr/>
+          <a:lstStyle>
+            <a:lvl1pPr marL="257175" marR="0" indent="-257175" algn="l" defTabSz="411480" rtl="0" latinLnBrk="0">
+              <a:lnSpc>
+                <a:spcPct val="100000"/>
+              </a:lnSpc>
+              <a:spcBef>
+                <a:spcPts val="450"/>
+              </a:spcBef>
+              <a:spcAft>
+                <a:spcPts val="0"/>
+              </a:spcAft>
+              <a:buClrTx/>
+              <a:buSzPct val="100000"/>
+              <a:buFontTx/>
+              <a:buBlip>
+                <a:blip r:embed="rId2"/>
+              </a:buBlip>
+              <a:tabLst/>
+              <a:defRPr sz="2400" b="1">
+                <a:solidFill>
+                  <a:srgbClr val="0033CC"/>
+                </a:solidFill>
+              </a:defRPr>
+            </a:lvl1pPr>
+            <a:lvl2pPr marL="698911" marR="0" indent="-287430" algn="l" defTabSz="411480" rtl="0" latinLnBrk="0">
+              <a:lnSpc>
+                <a:spcPct val="100000"/>
+              </a:lnSpc>
+              <a:spcBef>
+                <a:spcPts val="450"/>
+              </a:spcBef>
+              <a:spcAft>
+                <a:spcPts val="0"/>
+              </a:spcAft>
+              <a:buClrTx/>
+              <a:buSzPct val="100000"/>
+              <a:buFont typeface="Wingdings" panose="05000000000000000000" pitchFamily="2" charset="2"/>
+              <a:buChar char="l"/>
+              <a:tabLst/>
+              <a:defRPr sz="2000" b="1">
+                <a:solidFill>
+                  <a:schemeClr val="accent6">
+                    <a:lumMod val="75000"/>
+                  </a:schemeClr>
+                </a:solidFill>
+              </a:defRPr>
+            </a:lvl2pPr>
+            <a:lvl3pPr marL="1092549" marR="0" indent="-269590" algn="l" defTabSz="411480" rtl="0" latinLnBrk="0">
+              <a:lnSpc>
+                <a:spcPct val="100000"/>
+              </a:lnSpc>
+              <a:spcBef>
+                <a:spcPts val="450"/>
+              </a:spcBef>
+              <a:spcAft>
+                <a:spcPts val="0"/>
+              </a:spcAft>
+              <a:buClrTx/>
+              <a:buSzPct val="100000"/>
+              <a:buFont typeface="Wingdings" panose="05000000000000000000" pitchFamily="2" charset="2"/>
+              <a:buChar char="ü"/>
+              <a:tabLst/>
+              <a:defRPr sz="1800" b="1"/>
+            </a:lvl3pPr>
+            <a:lvl4pPr marL="1560195" marR="0" indent="-325754" algn="l" defTabSz="411480" rtl="0" latinLnBrk="0">
+              <a:lnSpc>
+                <a:spcPct val="100000"/>
+              </a:lnSpc>
+              <a:spcBef>
+                <a:spcPts val="450"/>
+              </a:spcBef>
+              <a:spcAft>
+                <a:spcPts val="0"/>
+              </a:spcAft>
+              <a:buClrTx/>
+              <a:buSzPct val="100000"/>
+              <a:buFont typeface="Arial" panose="020B0604020202020204" pitchFamily="34" charset="0"/>
+              <a:buChar char="•"/>
+              <a:tabLst/>
+              <a:defRPr sz="1600"/>
+            </a:lvl4pPr>
+            <a:lvl5pPr marL="1971675" marR="0" indent="-325754" algn="l" defTabSz="411480" rtl="0" latinLnBrk="0">
+              <a:lnSpc>
+                <a:spcPct val="100000"/>
+              </a:lnSpc>
+              <a:spcBef>
+                <a:spcPts val="450"/>
+              </a:spcBef>
+              <a:spcAft>
+                <a:spcPts val="0"/>
+              </a:spcAft>
+              <a:buClrTx/>
+              <a:buSzPct val="100000"/>
+              <a:buFont typeface="微軟正黑體" panose="020B0604030504040204" pitchFamily="34" charset="-120"/>
+              <a:buChar char="‐"/>
+              <a:tabLst/>
+              <a:defRPr sz="1400"/>
+            </a:lvl5pPr>
+          </a:lstStyle>
+          <a:p>
+            <a:pPr marL="257175" marR="0" lvl="0" indent="-257175" algn="l" defTabSz="411480" rtl="0" latinLnBrk="0">
+              <a:lnSpc>
+                <a:spcPct val="100000"/>
+              </a:lnSpc>
+              <a:spcBef>
+                <a:spcPts val="450"/>
+              </a:spcBef>
+              <a:spcAft>
+                <a:spcPts val="0"/>
+              </a:spcAft>
+              <a:buClrTx/>
+              <a:buSzPct val="100000"/>
+              <a:buFontTx/>
+              <a:buBlip>
+                <a:blip r:embed="rId2"/>
+              </a:buBlip>
+              <a:tabLst/>
+            </a:pPr>
+            <a:r>
+              <a:rPr lang="zh-TW" altLang="en-US" dirty="0" smtClean="0"/>
+              <a:t>按一下以編輯母片文字樣式</a:t>
+            </a:r>
+          </a:p>
+          <a:p>
+            <a:pPr marL="698911" marR="0" lvl="1" indent="-287430" algn="l" defTabSz="411480" rtl="0" latinLnBrk="0">
+              <a:lnSpc>
+                <a:spcPct val="100000"/>
+              </a:lnSpc>
+              <a:spcBef>
+                <a:spcPts val="450"/>
+              </a:spcBef>
+              <a:spcAft>
+                <a:spcPts val="0"/>
+              </a:spcAft>
+              <a:buClrTx/>
+              <a:buSzPct val="100000"/>
+              <a:buFont typeface="Wingdings" panose="05000000000000000000" pitchFamily="2" charset="2"/>
+              <a:buChar char="l"/>
+              <a:tabLst/>
+            </a:pPr>
+            <a:r>
+              <a:rPr lang="zh-TW" altLang="en-US" dirty="0" smtClean="0"/>
+              <a:t>第二層</a:t>
+            </a:r>
+          </a:p>
+          <a:p>
+            <a:pPr marL="1092549" marR="0" lvl="2" indent="-269590" algn="l" defTabSz="411480" rtl="0" latinLnBrk="0">
+              <a:lnSpc>
+                <a:spcPct val="100000"/>
+              </a:lnSpc>
+              <a:spcBef>
+                <a:spcPts val="450"/>
+              </a:spcBef>
+              <a:spcAft>
+                <a:spcPts val="0"/>
+              </a:spcAft>
+              <a:buClrTx/>
+              <a:buSzPct val="100000"/>
+              <a:buFont typeface="Wingdings" panose="05000000000000000000" pitchFamily="2" charset="2"/>
+              <a:buChar char="ü"/>
+              <a:tabLst/>
+            </a:pPr>
+            <a:r>
+              <a:rPr lang="zh-TW" altLang="en-US" dirty="0" smtClean="0"/>
+              <a:t>第三層</a:t>
+            </a:r>
+          </a:p>
+          <a:p>
+            <a:pPr marL="1560195" marR="0" lvl="3" indent="-325754" algn="l" defTabSz="411480" rtl="0" latinLnBrk="0">
+              <a:lnSpc>
+                <a:spcPct val="100000"/>
+              </a:lnSpc>
+              <a:spcBef>
+                <a:spcPts val="450"/>
+              </a:spcBef>
+              <a:spcAft>
+                <a:spcPts val="0"/>
+              </a:spcAft>
+              <a:buClrTx/>
+              <a:buSzPct val="100000"/>
+              <a:buFont typeface="Arial" panose="020B0604020202020204" pitchFamily="34" charset="0"/>
+              <a:buChar char="•"/>
+              <a:tabLst/>
+            </a:pPr>
+            <a:r>
+              <a:rPr lang="zh-TW" altLang="en-US" dirty="0" smtClean="0"/>
+              <a:t>第四層</a:t>
+            </a:r>
+          </a:p>
+          <a:p>
+            <a:pPr marL="1971675" marR="0" lvl="4" indent="-325754" algn="l" defTabSz="411480" rtl="0" latinLnBrk="0">
+              <a:lnSpc>
+                <a:spcPct val="100000"/>
+              </a:lnSpc>
+              <a:spcBef>
+                <a:spcPts val="450"/>
+              </a:spcBef>
+              <a:spcAft>
+                <a:spcPts val="0"/>
+              </a:spcAft>
+              <a:buClrTx/>
+              <a:buSzPct val="100000"/>
+              <a:buFont typeface="微軟正黑體" panose="020B0604030504040204" pitchFamily="34" charset="-120"/>
+              <a:buChar char="‐"/>
+              <a:tabLst/>
+            </a:pPr>
+            <a:r>
+              <a:rPr lang="zh-TW" altLang="en-US" dirty="0" smtClean="0"/>
+              <a:t>第五層</a:t>
+            </a:r>
+            <a:endParaRPr lang="zh-TW" altLang="en-US" dirty="0"/>
+          </a:p>
+        </p:txBody>
+      </p:sp>
+      <p:sp>
+        <p:nvSpPr>
+          <p:cNvPr id="14" name="文字版面配置區 12"/>
+          <p:cNvSpPr>
+            <a:spLocks noGrp="1"/>
+          </p:cNvSpPr>
+          <p:nvPr>
+            <p:ph type="body" sz="quarter" idx="26"/>
+          </p:nvPr>
+        </p:nvSpPr>
+        <p:spPr>
+          <a:xfrm>
+            <a:off x="331082" y="3838753"/>
+            <a:ext cx="4106334" cy="2526900"/>
+          </a:xfrm>
+          <a:prstGeom prst="rect">
+            <a:avLst/>
+          </a:prstGeom>
+        </p:spPr>
+        <p:txBody>
+          <a:bodyPr/>
+          <a:lstStyle>
+            <a:lvl1pPr marL="257175" marR="0" indent="-257175" algn="l" defTabSz="411480" rtl="0" latinLnBrk="0">
+              <a:lnSpc>
+                <a:spcPct val="100000"/>
+              </a:lnSpc>
+              <a:spcBef>
+                <a:spcPts val="450"/>
+              </a:spcBef>
+              <a:spcAft>
+                <a:spcPts val="0"/>
+              </a:spcAft>
+              <a:buClrTx/>
+              <a:buSzPct val="100000"/>
+              <a:buFontTx/>
+              <a:buBlip>
+                <a:blip r:embed="rId2"/>
+              </a:buBlip>
+              <a:tabLst/>
+              <a:defRPr lang="zh-TW" altLang="en-US" sz="2400" b="1" i="0" u="none" strike="noStrike" cap="none" spc="0" baseline="0" dirty="0" smtClean="0">
+                <a:ln>
+                  <a:noFill/>
+                </a:ln>
+                <a:solidFill>
+                  <a:srgbClr val="0033CC"/>
+                </a:solidFill>
+                <a:uFillTx/>
+                <a:latin typeface="Microsoft JhengHei" panose="020B0604030504040204" pitchFamily="34" charset="-120"/>
+                <a:ea typeface="Microsoft JhengHei" panose="020B0604030504040204" pitchFamily="34" charset="-120"/>
+                <a:cs typeface="+mn-cs"/>
+                <a:sym typeface="Calibri"/>
+              </a:defRPr>
+            </a:lvl1pPr>
+            <a:lvl2pPr marL="698911" marR="0" indent="-287430" algn="l" defTabSz="411480" rtl="0" latinLnBrk="0">
+              <a:lnSpc>
+                <a:spcPct val="100000"/>
+              </a:lnSpc>
+              <a:spcBef>
+                <a:spcPts val="450"/>
+              </a:spcBef>
+              <a:spcAft>
+                <a:spcPts val="0"/>
+              </a:spcAft>
+              <a:buClrTx/>
+              <a:buSzPct val="100000"/>
+              <a:buFont typeface="Wingdings" panose="05000000000000000000" pitchFamily="2" charset="2"/>
+              <a:buChar char="l"/>
+              <a:tabLst/>
+              <a:defRPr lang="zh-TW" altLang="en-US" sz="2000" b="1" i="0" u="none" strike="noStrike" cap="none" spc="0" baseline="0" dirty="0" smtClean="0">
+                <a:ln>
+                  <a:noFill/>
+                </a:ln>
+                <a:solidFill>
+                  <a:schemeClr val="accent6">
+                    <a:lumMod val="75000"/>
+                  </a:schemeClr>
+                </a:solidFill>
+                <a:uFillTx/>
+                <a:latin typeface="Microsoft JhengHei" panose="020B0604030504040204" pitchFamily="34" charset="-120"/>
+                <a:ea typeface="Microsoft JhengHei" panose="020B0604030504040204" pitchFamily="34" charset="-120"/>
+                <a:cs typeface="+mn-cs"/>
+                <a:sym typeface="Calibri"/>
+              </a:defRPr>
+            </a:lvl2pPr>
+            <a:lvl3pPr marL="1092549" marR="0" indent="-269590" algn="l" defTabSz="411480" rtl="0" latinLnBrk="0">
+              <a:lnSpc>
+                <a:spcPct val="100000"/>
+              </a:lnSpc>
+              <a:spcBef>
+                <a:spcPts val="450"/>
+              </a:spcBef>
+              <a:spcAft>
+                <a:spcPts val="0"/>
+              </a:spcAft>
+              <a:buClrTx/>
+              <a:buSzPct val="100000"/>
+              <a:buFont typeface="Wingdings" panose="05000000000000000000" pitchFamily="2" charset="2"/>
+              <a:buChar char="ü"/>
+              <a:tabLst/>
+              <a:defRPr lang="zh-TW" altLang="en-US" sz="1800" b="1" i="0" u="none" strike="noStrike" cap="none" spc="0" baseline="0" dirty="0" smtClean="0">
+                <a:ln>
+                  <a:noFill/>
+                </a:ln>
+                <a:solidFill>
+                  <a:srgbClr val="000000"/>
+                </a:solidFill>
+                <a:uFillTx/>
+                <a:latin typeface="Microsoft JhengHei" panose="020B0604030504040204" pitchFamily="34" charset="-120"/>
+                <a:ea typeface="Microsoft JhengHei" panose="020B0604030504040204" pitchFamily="34" charset="-120"/>
+                <a:cs typeface="+mn-cs"/>
+                <a:sym typeface="Calibri"/>
+              </a:defRPr>
+            </a:lvl3pPr>
+            <a:lvl4pPr marL="1560195" marR="0" indent="-325754" algn="l" defTabSz="411480" rtl="0" latinLnBrk="0">
+              <a:lnSpc>
+                <a:spcPct val="100000"/>
+              </a:lnSpc>
+              <a:spcBef>
+                <a:spcPts val="450"/>
+              </a:spcBef>
+              <a:spcAft>
+                <a:spcPts val="0"/>
+              </a:spcAft>
+              <a:buClrTx/>
+              <a:buSzPct val="100000"/>
+              <a:buFont typeface="Arial" panose="020B0604020202020204" pitchFamily="34" charset="0"/>
+              <a:buChar char="•"/>
+              <a:tabLst/>
+              <a:defRPr sz="1600"/>
+            </a:lvl4pPr>
+            <a:lvl5pPr marL="1971675" marR="0" indent="-325754" algn="l" defTabSz="411480" rtl="0" latinLnBrk="0">
+              <a:lnSpc>
+                <a:spcPct val="100000"/>
+              </a:lnSpc>
+              <a:spcBef>
+                <a:spcPts val="450"/>
+              </a:spcBef>
+              <a:spcAft>
+                <a:spcPts val="0"/>
+              </a:spcAft>
+              <a:buClrTx/>
+              <a:buSzPct val="100000"/>
+              <a:buFont typeface="微軟正黑體" panose="020B0604030504040204" pitchFamily="34" charset="-120"/>
+              <a:buChar char="‐"/>
+              <a:tabLst/>
+              <a:defRPr sz="1400"/>
+            </a:lvl5pPr>
+          </a:lstStyle>
+          <a:p>
+            <a:pPr marL="257175" marR="0" lvl="0" indent="-257175" algn="l" defTabSz="411480" rtl="0" latinLnBrk="0">
+              <a:lnSpc>
+                <a:spcPct val="100000"/>
+              </a:lnSpc>
+              <a:spcBef>
+                <a:spcPts val="450"/>
+              </a:spcBef>
+              <a:spcAft>
+                <a:spcPts val="0"/>
+              </a:spcAft>
+              <a:buClrTx/>
+              <a:buSzPct val="100000"/>
+              <a:buFontTx/>
+              <a:buBlip>
+                <a:blip r:embed="rId2"/>
+              </a:buBlip>
+              <a:tabLst/>
+            </a:pPr>
+            <a:r>
+              <a:rPr lang="zh-TW" altLang="en-US" dirty="0" smtClean="0"/>
+              <a:t>按一下以編輯母片文字樣式</a:t>
+            </a:r>
+          </a:p>
+          <a:p>
+            <a:pPr marL="698911" marR="0" lvl="1" indent="-287430" algn="l" defTabSz="411480" rtl="0" latinLnBrk="0">
+              <a:lnSpc>
+                <a:spcPct val="100000"/>
+              </a:lnSpc>
+              <a:spcBef>
+                <a:spcPts val="450"/>
+              </a:spcBef>
+              <a:spcAft>
+                <a:spcPts val="0"/>
+              </a:spcAft>
+              <a:buClrTx/>
+              <a:buSzPct val="100000"/>
+              <a:buFont typeface="Wingdings" panose="05000000000000000000" pitchFamily="2" charset="2"/>
+              <a:buChar char="l"/>
+              <a:tabLst/>
+            </a:pPr>
+            <a:r>
+              <a:rPr lang="zh-TW" altLang="en-US" dirty="0" smtClean="0"/>
+              <a:t>第二層</a:t>
+            </a:r>
+          </a:p>
+          <a:p>
+            <a:pPr marL="1092549" marR="0" lvl="2" indent="-269590" algn="l" defTabSz="411480" rtl="0" latinLnBrk="0">
+              <a:lnSpc>
+                <a:spcPct val="100000"/>
+              </a:lnSpc>
+              <a:spcBef>
+                <a:spcPts val="450"/>
+              </a:spcBef>
+              <a:spcAft>
+                <a:spcPts val="0"/>
+              </a:spcAft>
+              <a:buClrTx/>
+              <a:buSzPct val="100000"/>
+              <a:buFont typeface="Wingdings" panose="05000000000000000000" pitchFamily="2" charset="2"/>
+              <a:buChar char="ü"/>
+              <a:tabLst/>
+            </a:pPr>
+            <a:r>
+              <a:rPr lang="zh-TW" altLang="en-US" dirty="0" smtClean="0"/>
+              <a:t>第三層</a:t>
+            </a:r>
+          </a:p>
+          <a:p>
+            <a:pPr marL="1560195" marR="0" lvl="3" indent="-325754" algn="l" defTabSz="411480" rtl="0" latinLnBrk="0">
+              <a:lnSpc>
+                <a:spcPct val="100000"/>
+              </a:lnSpc>
+              <a:spcBef>
+                <a:spcPts val="450"/>
+              </a:spcBef>
+              <a:spcAft>
+                <a:spcPts val="0"/>
+              </a:spcAft>
+              <a:buClrTx/>
+              <a:buSzPct val="100000"/>
+              <a:buFont typeface="Arial" panose="020B0604020202020204" pitchFamily="34" charset="0"/>
+              <a:buChar char="•"/>
+              <a:tabLst/>
+            </a:pPr>
+            <a:r>
+              <a:rPr lang="zh-TW" altLang="en-US" dirty="0" smtClean="0"/>
+              <a:t>第四層</a:t>
+            </a:r>
+          </a:p>
+          <a:p>
+            <a:pPr marL="1971675" marR="0" lvl="4" indent="-325754" algn="l" defTabSz="411480" rtl="0" latinLnBrk="0">
+              <a:lnSpc>
+                <a:spcPct val="100000"/>
+              </a:lnSpc>
+              <a:spcBef>
+                <a:spcPts val="450"/>
+              </a:spcBef>
+              <a:spcAft>
+                <a:spcPts val="0"/>
+              </a:spcAft>
+              <a:buClrTx/>
+              <a:buSzPct val="100000"/>
+              <a:buFont typeface="微軟正黑體" panose="020B0604030504040204" pitchFamily="34" charset="-120"/>
+              <a:buChar char="‐"/>
+              <a:tabLst/>
+            </a:pPr>
+            <a:r>
+              <a:rPr lang="zh-TW" altLang="en-US" dirty="0" smtClean="0"/>
+              <a:t>第五層</a:t>
+            </a:r>
+            <a:endParaRPr lang="zh-TW" altLang="en-US" dirty="0"/>
+          </a:p>
+        </p:txBody>
+      </p:sp>
     </p:spTree>
     <p:extLst>
       <p:ext uri="{BB962C8B-B14F-4D97-AF65-F5344CB8AC3E}">
-        <p14:creationId xmlns:p14="http://schemas.microsoft.com/office/powerpoint/2010/main" val="2334950780"/>
+        <p14:creationId xmlns:p14="http://schemas.microsoft.com/office/powerpoint/2010/main" val="1213836909"/>
       </p:ext>
     </p:extLst>
   </p:cSld>
@@ -4508,7 +4936,7 @@
 </p:sldLayout>
 </file>
 
-<file path=ppt/slideLayouts/slideLayout3.xml><?xml version="1.0" encoding="utf-8"?>
+<file path=ppt/slideLayouts/slideLayout2.xml><?xml version="1.0" encoding="utf-8"?>
 <p:sldLayout xmlns:a="http://schemas.openxmlformats.org/drawingml/2006/main" xmlns:r="http://schemas.openxmlformats.org/officeDocument/2006/relationships" xmlns:p="http://schemas.openxmlformats.org/presentationml/2006/main" preserve="1" userDrawn="1">
   <p:cSld name="2_自訂版面配置">
     <p:spTree>
@@ -4543,7 +4971,7 @@
             <a:fld id="{BD4E87B7-3498-4C46-AC2A-2ED0F815BC91}" type="datetime1">
               <a:rPr lang="zh-TW" altLang="en-US" smtClean="0"/>
               <a:pPr/>
-              <a:t>2020/6/19</a:t>
+              <a:t>2020/6/20</a:t>
             </a:fld>
             <a:endParaRPr lang="zh-TW" altLang="en-US" dirty="0"/>
           </a:p>
@@ -4657,7 +5085,7 @@
 </p:sldLayout>
 </file>
 
-<file path=ppt/slideLayouts/slideLayout4.xml><?xml version="1.0" encoding="utf-8"?>
+<file path=ppt/slideLayouts/slideLayout3.xml><?xml version="1.0" encoding="utf-8"?>
 <p:sldLayout xmlns:a="http://schemas.openxmlformats.org/drawingml/2006/main" xmlns:r="http://schemas.openxmlformats.org/officeDocument/2006/relationships" xmlns:p="http://schemas.openxmlformats.org/presentationml/2006/main" preserve="1" userDrawn="1">
   <p:cSld name="單元頁(藍底白字)">
     <p:bg>
@@ -4687,7 +5115,7 @@
           <p:cNvPr id="6" name="圖片 5">
             <a:extLst>
               <a:ext uri="{FF2B5EF4-FFF2-40B4-BE49-F238E27FC236}">
-                <a16:creationId xmlns="" xmlns:a16="http://schemas.microsoft.com/office/drawing/2014/main" id="{43218C3D-9718-1E4E-8C3A-A9C9B801F620}"/>
+                <a16:creationId xmlns:a16="http://schemas.microsoft.com/office/drawing/2014/main" xmlns="" id="{43218C3D-9718-1E4E-8C3A-A9C9B801F620}"/>
               </a:ext>
             </a:extLst>
           </p:cNvPr>
@@ -4717,7 +5145,7 @@
           <p:cNvPr id="8" name="日期版面配置區 3">
             <a:extLst>
               <a:ext uri="{FF2B5EF4-FFF2-40B4-BE49-F238E27FC236}">
-                <a16:creationId xmlns="" xmlns:a16="http://schemas.microsoft.com/office/drawing/2014/main" id="{485D6E5D-632D-8B43-B928-6F3439329B25}"/>
+                <a16:creationId xmlns:a16="http://schemas.microsoft.com/office/drawing/2014/main" xmlns="" id="{485D6E5D-632D-8B43-B928-6F3439329B25}"/>
               </a:ext>
             </a:extLst>
           </p:cNvPr>
@@ -4753,7 +5181,7 @@
             <a:fld id="{BD4E87B7-3498-4C46-AC2A-2ED0F815BC91}" type="datetime1">
               <a:rPr lang="zh-TW" altLang="en-US" smtClean="0"/>
               <a:pPr/>
-              <a:t>2020/6/19</a:t>
+              <a:t>2020/6/20</a:t>
             </a:fld>
             <a:endParaRPr lang="zh-TW" altLang="en-US" dirty="0"/>
           </a:p>
@@ -4764,7 +5192,7 @@
           <p:cNvPr id="9" name="頁尾版面配置區 4">
             <a:extLst>
               <a:ext uri="{FF2B5EF4-FFF2-40B4-BE49-F238E27FC236}">
-                <a16:creationId xmlns="" xmlns:a16="http://schemas.microsoft.com/office/drawing/2014/main" id="{02E575F9-04F0-C243-9E5A-9042518E6664}"/>
+                <a16:creationId xmlns:a16="http://schemas.microsoft.com/office/drawing/2014/main" xmlns="" id="{02E575F9-04F0-C243-9E5A-9042518E6664}"/>
               </a:ext>
             </a:extLst>
           </p:cNvPr>
@@ -4806,7 +5234,7 @@
           <p:cNvPr id="10" name="投影片編號版面配置區 5">
             <a:extLst>
               <a:ext uri="{FF2B5EF4-FFF2-40B4-BE49-F238E27FC236}">
-                <a16:creationId xmlns="" xmlns:a16="http://schemas.microsoft.com/office/drawing/2014/main" id="{D5D4C82D-60CA-9349-B57C-075012E8EB10}"/>
+                <a16:creationId xmlns:a16="http://schemas.microsoft.com/office/drawing/2014/main" xmlns="" id="{D5D4C82D-60CA-9349-B57C-075012E8EB10}"/>
               </a:ext>
             </a:extLst>
           </p:cNvPr>
@@ -4948,7 +5376,7 @@
 </p:sldLayout>
 </file>
 
-<file path=ppt/slideLayouts/slideLayout5.xml><?xml version="1.0" encoding="utf-8"?>
+<file path=ppt/slideLayouts/slideLayout4.xml><?xml version="1.0" encoding="utf-8"?>
 <p:sldLayout xmlns:a="http://schemas.openxmlformats.org/drawingml/2006/main" xmlns:r="http://schemas.openxmlformats.org/officeDocument/2006/relationships" xmlns:p="http://schemas.openxmlformats.org/presentationml/2006/main" showMasterSp="0" preserve="1" userDrawn="1">
   <p:cSld name="單元頁(白底藍字)">
     <p:spTree>
@@ -4970,7 +5398,7 @@
           <p:cNvPr id="6" name="日期版面配置區 3">
             <a:extLst>
               <a:ext uri="{FF2B5EF4-FFF2-40B4-BE49-F238E27FC236}">
-                <a16:creationId xmlns="" xmlns:a16="http://schemas.microsoft.com/office/drawing/2014/main" id="{9B0A0442-32FF-0844-92E1-E791615C8ED4}"/>
+                <a16:creationId xmlns:a16="http://schemas.microsoft.com/office/drawing/2014/main" xmlns="" id="{9B0A0442-32FF-0844-92E1-E791615C8ED4}"/>
               </a:ext>
             </a:extLst>
           </p:cNvPr>
@@ -5006,7 +5434,7 @@
             <a:fld id="{BD4E87B7-3498-4C46-AC2A-2ED0F815BC91}" type="datetime1">
               <a:rPr lang="zh-TW" altLang="en-US" smtClean="0"/>
               <a:pPr/>
-              <a:t>2020/6/19</a:t>
+              <a:t>2020/6/20</a:t>
             </a:fld>
             <a:endParaRPr lang="zh-TW" altLang="en-US" dirty="0"/>
           </a:p>
@@ -5017,7 +5445,7 @@
           <p:cNvPr id="7" name="頁尾版面配置區 4">
             <a:extLst>
               <a:ext uri="{FF2B5EF4-FFF2-40B4-BE49-F238E27FC236}">
-                <a16:creationId xmlns="" xmlns:a16="http://schemas.microsoft.com/office/drawing/2014/main" id="{E532940A-FF93-4946-8267-FB8E150F667E}"/>
+                <a16:creationId xmlns:a16="http://schemas.microsoft.com/office/drawing/2014/main" xmlns="" id="{E532940A-FF93-4946-8267-FB8E150F667E}"/>
               </a:ext>
             </a:extLst>
           </p:cNvPr>
@@ -5059,7 +5487,7 @@
           <p:cNvPr id="9" name="投影片編號版面配置區 5">
             <a:extLst>
               <a:ext uri="{FF2B5EF4-FFF2-40B4-BE49-F238E27FC236}">
-                <a16:creationId xmlns="" xmlns:a16="http://schemas.microsoft.com/office/drawing/2014/main" id="{43841184-0FA6-164D-A781-6BE4B855C542}"/>
+                <a16:creationId xmlns:a16="http://schemas.microsoft.com/office/drawing/2014/main" xmlns="" id="{43841184-0FA6-164D-A781-6BE4B855C542}"/>
               </a:ext>
             </a:extLst>
           </p:cNvPr>
@@ -5201,7 +5629,7 @@
 </p:sldLayout>
 </file>
 
-<file path=ppt/slideLayouts/slideLayout6.xml><?xml version="1.0" encoding="utf-8"?>
+<file path=ppt/slideLayouts/slideLayout5.xml><?xml version="1.0" encoding="utf-8"?>
 <p:sldLayout xmlns:a="http://schemas.openxmlformats.org/drawingml/2006/main" xmlns:r="http://schemas.openxmlformats.org/officeDocument/2006/relationships" xmlns:p="http://schemas.openxmlformats.org/presentationml/2006/main" preserve="1" userDrawn="1">
   <p:cSld name="3_自訂版面配置">
     <p:spTree>
@@ -5236,7 +5664,7 @@
             <a:fld id="{BD4E87B7-3498-4C46-AC2A-2ED0F815BC91}" type="datetime1">
               <a:rPr lang="zh-TW" altLang="en-US" smtClean="0"/>
               <a:pPr/>
-              <a:t>2020/6/19</a:t>
+              <a:t>2020/6/20</a:t>
             </a:fld>
             <a:endParaRPr lang="zh-TW" altLang="en-US" dirty="0"/>
           </a:p>
@@ -5290,7 +5718,7 @@
           <p:cNvPr id="6" name="直線接點 14">
             <a:extLst>
               <a:ext uri="{FF2B5EF4-FFF2-40B4-BE49-F238E27FC236}">
-                <a16:creationId xmlns="" xmlns:a16="http://schemas.microsoft.com/office/drawing/2014/main" id="{A330F768-6149-924A-A6C1-C67622648341}"/>
+                <a16:creationId xmlns:a16="http://schemas.microsoft.com/office/drawing/2014/main" xmlns="" id="{A330F768-6149-924A-A6C1-C67622648341}"/>
               </a:ext>
             </a:extLst>
           </p:cNvPr>
@@ -5324,7 +5752,7 @@
           <p:cNvPr id="7" name="矩形 11">
             <a:extLst>
               <a:ext uri="{FF2B5EF4-FFF2-40B4-BE49-F238E27FC236}">
-                <a16:creationId xmlns="" xmlns:a16="http://schemas.microsoft.com/office/drawing/2014/main" id="{5C8C796F-2CF9-A545-B362-62B5FE55C56E}"/>
+                <a16:creationId xmlns:a16="http://schemas.microsoft.com/office/drawing/2014/main" xmlns="" id="{5C8C796F-2CF9-A545-B362-62B5FE55C56E}"/>
               </a:ext>
             </a:extLst>
           </p:cNvPr>
@@ -5363,140 +5791,6 @@
       </p:sp>
       <p:sp>
         <p:nvSpPr>
-          <p:cNvPr id="8" name="內容版面配置區 2"/>
-          <p:cNvSpPr>
-            <a:spLocks noGrp="1"/>
-          </p:cNvSpPr>
-          <p:nvPr>
-            <p:ph idx="1"/>
-          </p:nvPr>
-        </p:nvSpPr>
-        <p:spPr>
-          <a:xfrm>
-            <a:off x="628650" y="973667"/>
-            <a:ext cx="7886700" cy="5342466"/>
-          </a:xfrm>
-          <a:prstGeom prst="rect">
-            <a:avLst/>
-          </a:prstGeom>
-        </p:spPr>
-        <p:txBody>
-          <a:bodyPr>
-            <a:normAutofit/>
-          </a:bodyPr>
-          <a:lstStyle>
-            <a:lvl1pPr marL="257175" indent="-257175">
-              <a:lnSpc>
-                <a:spcPct val="100000"/>
-              </a:lnSpc>
-              <a:spcBef>
-                <a:spcPts val="450"/>
-              </a:spcBef>
-              <a:buFontTx/>
-              <a:buBlip>
-                <a:blip r:embed="rId2"/>
-              </a:buBlip>
-              <a:defRPr sz="2400">
-                <a:latin typeface="+mn-ea"/>
-                <a:ea typeface="+mn-ea"/>
-              </a:defRPr>
-            </a:lvl1pPr>
-            <a:lvl2pPr marL="698911" indent="-287430">
-              <a:lnSpc>
-                <a:spcPct val="100000"/>
-              </a:lnSpc>
-              <a:spcBef>
-                <a:spcPts val="450"/>
-              </a:spcBef>
-              <a:buFont typeface="Wingdings" panose="05000000000000000000" pitchFamily="2" charset="2"/>
-              <a:buChar char="l"/>
-              <a:defRPr sz="2000">
-                <a:latin typeface="+mn-ea"/>
-                <a:ea typeface="+mn-ea"/>
-              </a:defRPr>
-            </a:lvl2pPr>
-            <a:lvl3pPr marL="1092549" indent="-269590">
-              <a:lnSpc>
-                <a:spcPct val="100000"/>
-              </a:lnSpc>
-              <a:spcBef>
-                <a:spcPts val="450"/>
-              </a:spcBef>
-              <a:buFont typeface="Wingdings" panose="05000000000000000000" pitchFamily="2" charset="2"/>
-              <a:buChar char="ü"/>
-              <a:defRPr sz="1800">
-                <a:latin typeface="+mn-ea"/>
-                <a:ea typeface="+mn-ea"/>
-              </a:defRPr>
-            </a:lvl3pPr>
-            <a:lvl4pPr marL="1560195" indent="-325754">
-              <a:lnSpc>
-                <a:spcPct val="100000"/>
-              </a:lnSpc>
-              <a:spcBef>
-                <a:spcPts val="450"/>
-              </a:spcBef>
-              <a:buFont typeface="Arial" panose="020B0604020202020204" pitchFamily="34" charset="0"/>
-              <a:buChar char="•"/>
-              <a:defRPr sz="1600">
-                <a:latin typeface="+mn-ea"/>
-                <a:ea typeface="+mn-ea"/>
-              </a:defRPr>
-            </a:lvl4pPr>
-            <a:lvl5pPr marL="1971675" indent="-325754">
-              <a:lnSpc>
-                <a:spcPct val="100000"/>
-              </a:lnSpc>
-              <a:spcBef>
-                <a:spcPts val="450"/>
-              </a:spcBef>
-              <a:buFont typeface="微軟正黑體" panose="020B0604030504040204" pitchFamily="34" charset="-120"/>
-              <a:buChar char="‐"/>
-              <a:defRPr sz="1600">
-                <a:latin typeface="+mn-ea"/>
-                <a:ea typeface="+mn-ea"/>
-              </a:defRPr>
-            </a:lvl5pPr>
-          </a:lstStyle>
-          <a:p>
-            <a:pPr lvl="0"/>
-            <a:r>
-              <a:rPr lang="zh-TW" altLang="en-US" dirty="0"/>
-              <a:t>按一下以編輯母片文字樣式</a:t>
-            </a:r>
-          </a:p>
-          <a:p>
-            <a:pPr lvl="1"/>
-            <a:r>
-              <a:rPr lang="zh-TW" altLang="en-US" dirty="0"/>
-              <a:t>第二層</a:t>
-            </a:r>
-          </a:p>
-          <a:p>
-            <a:pPr lvl="2"/>
-            <a:r>
-              <a:rPr lang="zh-TW" altLang="en-US" dirty="0"/>
-              <a:t>第三層</a:t>
-            </a:r>
-          </a:p>
-          <a:p>
-            <a:pPr lvl="3"/>
-            <a:r>
-              <a:rPr lang="zh-TW" altLang="en-US" dirty="0"/>
-              <a:t>第四層</a:t>
-            </a:r>
-          </a:p>
-          <a:p>
-            <a:pPr lvl="4"/>
-            <a:r>
-              <a:rPr lang="zh-TW" altLang="en-US" dirty="0"/>
-              <a:t>第五層</a:t>
-            </a:r>
-          </a:p>
-        </p:txBody>
-      </p:sp>
-      <p:sp>
-        <p:nvSpPr>
           <p:cNvPr id="10" name="標題 1"/>
           <p:cNvSpPr>
             <a:spLocks noGrp="1"/>
@@ -5547,13 +5841,282 @@
           <a:p>
             <a:r>
               <a:rPr kumimoji="1" lang="en-US" altLang="zh-TW" dirty="0" smtClean="0"/>
-              <a:t>001_02</a:t>
+              <a:t>001_00</a:t>
             </a:r>
             <a:r>
               <a:rPr kumimoji="1" lang="zh-TW" altLang="en-US" dirty="0" smtClean="0"/>
-              <a:t>按一下以新增標題</a:t>
+              <a:t>按一下</a:t>
+            </a:r>
+            <a:r>
+              <a:rPr kumimoji="1" lang="zh-TW" altLang="en-US" dirty="0" smtClean="0"/>
+              <a:t>以新增標題</a:t>
             </a:r>
             <a:endParaRPr kumimoji="1" lang="zh-TW" altLang="en-US" dirty="0"/>
+          </a:p>
+        </p:txBody>
+      </p:sp>
+      <p:sp>
+        <p:nvSpPr>
+          <p:cNvPr id="9" name="文字版面配置區 12"/>
+          <p:cNvSpPr>
+            <a:spLocks noGrp="1"/>
+          </p:cNvSpPr>
+          <p:nvPr>
+            <p:ph type="body" sz="quarter" idx="26"/>
+          </p:nvPr>
+        </p:nvSpPr>
+        <p:spPr>
+          <a:xfrm>
+            <a:off x="628650" y="1018528"/>
+            <a:ext cx="7886700" cy="5293372"/>
+          </a:xfrm>
+          <a:prstGeom prst="rect">
+            <a:avLst/>
+          </a:prstGeom>
+        </p:spPr>
+        <p:txBody>
+          <a:bodyPr/>
+          <a:lstStyle>
+            <a:lvl1pPr marL="257175" marR="0" indent="-257175" algn="l" defTabSz="411480" rtl="0" latinLnBrk="0">
+              <a:lnSpc>
+                <a:spcPct val="100000"/>
+              </a:lnSpc>
+              <a:spcBef>
+                <a:spcPts val="450"/>
+              </a:spcBef>
+              <a:spcAft>
+                <a:spcPts val="0"/>
+              </a:spcAft>
+              <a:buClrTx/>
+              <a:buSzPct val="100000"/>
+              <a:buFontTx/>
+              <a:buBlip>
+                <a:blip r:embed="rId2"/>
+              </a:buBlip>
+              <a:tabLst/>
+              <a:defRPr lang="zh-TW" altLang="en-US" sz="2400" b="1" i="0" u="none" strike="noStrike" cap="none" spc="0" baseline="0" dirty="0" smtClean="0">
+                <a:ln>
+                  <a:noFill/>
+                </a:ln>
+                <a:solidFill>
+                  <a:srgbClr val="0033CC"/>
+                </a:solidFill>
+                <a:uFillTx/>
+                <a:latin typeface="Microsoft JhengHei" panose="020B0604030504040204" pitchFamily="34" charset="-120"/>
+                <a:ea typeface="Microsoft JhengHei" panose="020B0604030504040204" pitchFamily="34" charset="-120"/>
+                <a:cs typeface="+mn-cs"/>
+                <a:sym typeface="Calibri"/>
+              </a:defRPr>
+            </a:lvl1pPr>
+            <a:lvl2pPr marL="698911" marR="0" indent="-287430" algn="l" defTabSz="411480" rtl="0" latinLnBrk="0">
+              <a:lnSpc>
+                <a:spcPct val="100000"/>
+              </a:lnSpc>
+              <a:spcBef>
+                <a:spcPts val="450"/>
+              </a:spcBef>
+              <a:spcAft>
+                <a:spcPts val="0"/>
+              </a:spcAft>
+              <a:buClrTx/>
+              <a:buSzPct val="100000"/>
+              <a:buFont typeface="Wingdings" panose="05000000000000000000" pitchFamily="2" charset="2"/>
+              <a:buChar char="l"/>
+              <a:tabLst/>
+              <a:defRPr lang="zh-TW" altLang="en-US" sz="2000" b="1" i="0" u="none" strike="noStrike" cap="none" spc="0" baseline="0" dirty="0" smtClean="0">
+                <a:ln>
+                  <a:noFill/>
+                </a:ln>
+                <a:solidFill>
+                  <a:schemeClr val="accent6">
+                    <a:lumMod val="75000"/>
+                  </a:schemeClr>
+                </a:solidFill>
+                <a:uFillTx/>
+                <a:latin typeface="Microsoft JhengHei" panose="020B0604030504040204" pitchFamily="34" charset="-120"/>
+                <a:ea typeface="Microsoft JhengHei" panose="020B0604030504040204" pitchFamily="34" charset="-120"/>
+                <a:cs typeface="+mn-cs"/>
+                <a:sym typeface="Calibri"/>
+              </a:defRPr>
+            </a:lvl2pPr>
+            <a:lvl3pPr marL="1092549" marR="0" indent="-269590" algn="l" defTabSz="411480" rtl="0" latinLnBrk="0">
+              <a:lnSpc>
+                <a:spcPct val="100000"/>
+              </a:lnSpc>
+              <a:spcBef>
+                <a:spcPts val="450"/>
+              </a:spcBef>
+              <a:spcAft>
+                <a:spcPts val="0"/>
+              </a:spcAft>
+              <a:buClrTx/>
+              <a:buSzPct val="100000"/>
+              <a:buFont typeface="Wingdings" panose="05000000000000000000" pitchFamily="2" charset="2"/>
+              <a:buChar char="ü"/>
+              <a:tabLst/>
+              <a:defRPr lang="zh-TW" altLang="en-US" sz="2000" b="1" i="0" u="none" strike="noStrike" cap="none" spc="0" baseline="0" dirty="0" smtClean="0">
+                <a:ln>
+                  <a:noFill/>
+                </a:ln>
+                <a:solidFill>
+                  <a:srgbClr val="000000"/>
+                </a:solidFill>
+                <a:uFillTx/>
+                <a:latin typeface="Microsoft JhengHei" panose="020B0604030504040204" pitchFamily="34" charset="-120"/>
+                <a:ea typeface="Microsoft JhengHei" panose="020B0604030504040204" pitchFamily="34" charset="-120"/>
+                <a:cs typeface="+mn-cs"/>
+                <a:sym typeface="Calibri"/>
+              </a:defRPr>
+            </a:lvl3pPr>
+            <a:lvl4pPr marL="1560195" marR="0" indent="-325754" algn="l" defTabSz="411480" rtl="0" latinLnBrk="0">
+              <a:lnSpc>
+                <a:spcPct val="100000"/>
+              </a:lnSpc>
+              <a:spcBef>
+                <a:spcPts val="450"/>
+              </a:spcBef>
+              <a:spcAft>
+                <a:spcPts val="0"/>
+              </a:spcAft>
+              <a:buClrTx/>
+              <a:buSzPct val="100000"/>
+              <a:buFont typeface="Arial" panose="020B0604020202020204" pitchFamily="34" charset="0"/>
+              <a:buChar char="•"/>
+              <a:tabLst/>
+              <a:defRPr sz="1600"/>
+            </a:lvl4pPr>
+            <a:lvl5pPr marL="1971675" marR="0" indent="-325754" algn="l" defTabSz="411480" rtl="0" latinLnBrk="0">
+              <a:lnSpc>
+                <a:spcPct val="100000"/>
+              </a:lnSpc>
+              <a:spcBef>
+                <a:spcPts val="450"/>
+              </a:spcBef>
+              <a:spcAft>
+                <a:spcPts val="0"/>
+              </a:spcAft>
+              <a:buClrTx/>
+              <a:buSzPct val="100000"/>
+              <a:buFont typeface="微軟正黑體" panose="020B0604030504040204" pitchFamily="34" charset="-120"/>
+              <a:buChar char="‐"/>
+              <a:tabLst/>
+              <a:defRPr sz="1400"/>
+            </a:lvl5pPr>
+          </a:lstStyle>
+          <a:p>
+            <a:pPr marL="257175" marR="0" lvl="0" indent="-257175" algn="l" defTabSz="411480" rtl="0" latinLnBrk="0">
+              <a:lnSpc>
+                <a:spcPct val="100000"/>
+              </a:lnSpc>
+              <a:spcBef>
+                <a:spcPts val="450"/>
+              </a:spcBef>
+              <a:spcAft>
+                <a:spcPts val="0"/>
+              </a:spcAft>
+              <a:buClrTx/>
+              <a:buSzPct val="100000"/>
+              <a:buFontTx/>
+              <a:buBlip>
+                <a:blip r:embed="rId2"/>
+              </a:buBlip>
+              <a:tabLst/>
+            </a:pPr>
+            <a:r>
+              <a:rPr lang="zh-TW" altLang="en-US" dirty="0" smtClean="0"/>
+              <a:t>按一下以編輯母片文字樣式</a:t>
+            </a:r>
+          </a:p>
+          <a:p>
+            <a:pPr marL="698911" marR="0" lvl="1" indent="-287430" algn="l" defTabSz="411480" rtl="0" latinLnBrk="0">
+              <a:lnSpc>
+                <a:spcPct val="100000"/>
+              </a:lnSpc>
+              <a:spcBef>
+                <a:spcPts val="450"/>
+              </a:spcBef>
+              <a:spcAft>
+                <a:spcPts val="0"/>
+              </a:spcAft>
+              <a:buClrTx/>
+              <a:buSzPct val="100000"/>
+              <a:buFont typeface="Wingdings" panose="05000000000000000000" pitchFamily="2" charset="2"/>
+              <a:buChar char="l"/>
+              <a:tabLst/>
+            </a:pPr>
+            <a:r>
+              <a:rPr lang="zh-TW" altLang="en-US" dirty="0" smtClean="0"/>
+              <a:t>第二層</a:t>
+            </a:r>
+          </a:p>
+          <a:p>
+            <a:pPr marL="1092549" marR="0" lvl="2" indent="-269590" algn="l" defTabSz="411480" rtl="0" latinLnBrk="0">
+              <a:lnSpc>
+                <a:spcPct val="150000"/>
+              </a:lnSpc>
+              <a:spcBef>
+                <a:spcPts val="0"/>
+              </a:spcBef>
+              <a:spcAft>
+                <a:spcPts val="0"/>
+              </a:spcAft>
+              <a:buClr>
+                <a:schemeClr val="tx1"/>
+              </a:buClr>
+              <a:buSzPct val="100000"/>
+              <a:buFont typeface="Wingdings" panose="05000000000000000000" pitchFamily="2" charset="2"/>
+              <a:buChar char="ü"/>
+              <a:tabLst/>
+            </a:pPr>
+            <a:r>
+              <a:rPr lang="zh-TW" altLang="en-US" dirty="0" smtClean="0"/>
+              <a:t>第三層</a:t>
+            </a:r>
+          </a:p>
+          <a:p>
+            <a:pPr marL="1560195" marR="0" lvl="3" indent="-325754" algn="l" defTabSz="411480" rtl="0" latinLnBrk="0">
+              <a:lnSpc>
+                <a:spcPct val="100000"/>
+              </a:lnSpc>
+              <a:spcBef>
+                <a:spcPts val="450"/>
+              </a:spcBef>
+              <a:spcAft>
+                <a:spcPts val="0"/>
+              </a:spcAft>
+              <a:buClrTx/>
+              <a:buSzPct val="100000"/>
+              <a:buFont typeface="Arial" panose="020B0604020202020204" pitchFamily="34" charset="0"/>
+              <a:buChar char="•"/>
+              <a:tabLst/>
+            </a:pPr>
+            <a:r>
+              <a:rPr lang="zh-TW" altLang="en-US" dirty="0" smtClean="0"/>
+              <a:t>第四層</a:t>
+            </a:r>
+          </a:p>
+          <a:p>
+            <a:pPr marL="1971675" marR="0" lvl="4" indent="-325754" algn="l" defTabSz="411480" rtl="0" latinLnBrk="0">
+              <a:lnSpc>
+                <a:spcPct val="100000"/>
+              </a:lnSpc>
+              <a:spcBef>
+                <a:spcPts val="450"/>
+              </a:spcBef>
+              <a:spcAft>
+                <a:spcPts val="0"/>
+              </a:spcAft>
+              <a:buClrTx/>
+              <a:buSzPct val="100000"/>
+              <a:buFont typeface="微軟正黑體" panose="020B0604030504040204" pitchFamily="34" charset="-120"/>
+              <a:buChar char="‐"/>
+              <a:tabLst/>
+            </a:pPr>
+            <a:r>
+              <a:rPr lang="zh-TW" altLang="en-US" dirty="0" smtClean="0"/>
+              <a:t>第五層</a:t>
+            </a:r>
+            <a:endParaRPr lang="zh-TW" altLang="en-US" dirty="0"/>
           </a:p>
         </p:txBody>
       </p:sp>
@@ -5578,7 +6141,7 @@
 </p:sldLayout>
 </file>
 
-<file path=ppt/slideLayouts/slideLayout7.xml><?xml version="1.0" encoding="utf-8"?>
+<file path=ppt/slideLayouts/slideLayout6.xml><?xml version="1.0" encoding="utf-8"?>
 <p:sldLayout xmlns:a="http://schemas.openxmlformats.org/drawingml/2006/main" xmlns:r="http://schemas.openxmlformats.org/officeDocument/2006/relationships" xmlns:p="http://schemas.openxmlformats.org/presentationml/2006/main" showMasterSp="0" preserve="1" userDrawn="1">
   <p:cSld name="一大圖頁面">
     <p:spTree>
@@ -5600,7 +6163,7 @@
           <p:cNvPr id="15" name="圖片 14">
             <a:extLst>
               <a:ext uri="{FF2B5EF4-FFF2-40B4-BE49-F238E27FC236}">
-                <a16:creationId xmlns="" xmlns:a16="http://schemas.microsoft.com/office/drawing/2014/main" id="{C2E57A18-A50E-6A4D-BA0E-CE192771711A}"/>
+                <a16:creationId xmlns:a16="http://schemas.microsoft.com/office/drawing/2014/main" xmlns="" id="{C2E57A18-A50E-6A4D-BA0E-CE192771711A}"/>
               </a:ext>
             </a:extLst>
           </p:cNvPr>
@@ -5636,7 +6199,7 @@
           <p:cNvPr id="7" name="直線接點 14">
             <a:extLst>
               <a:ext uri="{FF2B5EF4-FFF2-40B4-BE49-F238E27FC236}">
-                <a16:creationId xmlns="" xmlns:a16="http://schemas.microsoft.com/office/drawing/2014/main" id="{A330F768-6149-924A-A6C1-C67622648341}"/>
+                <a16:creationId xmlns:a16="http://schemas.microsoft.com/office/drawing/2014/main" xmlns="" id="{A330F768-6149-924A-A6C1-C67622648341}"/>
               </a:ext>
             </a:extLst>
           </p:cNvPr>
@@ -5670,7 +6233,7 @@
           <p:cNvPr id="9" name="矩形 11">
             <a:extLst>
               <a:ext uri="{FF2B5EF4-FFF2-40B4-BE49-F238E27FC236}">
-                <a16:creationId xmlns="" xmlns:a16="http://schemas.microsoft.com/office/drawing/2014/main" id="{5C8C796F-2CF9-A545-B362-62B5FE55C56E}"/>
+                <a16:creationId xmlns:a16="http://schemas.microsoft.com/office/drawing/2014/main" xmlns="" id="{5C8C796F-2CF9-A545-B362-62B5FE55C56E}"/>
               </a:ext>
             </a:extLst>
           </p:cNvPr>
@@ -5712,7 +6275,7 @@
           <p:cNvPr id="12" name="日期版面配置區 3">
             <a:extLst>
               <a:ext uri="{FF2B5EF4-FFF2-40B4-BE49-F238E27FC236}">
-                <a16:creationId xmlns="" xmlns:a16="http://schemas.microsoft.com/office/drawing/2014/main" id="{D0FB407B-44DC-D94A-8155-05657F878E0B}"/>
+                <a16:creationId xmlns:a16="http://schemas.microsoft.com/office/drawing/2014/main" xmlns="" id="{D0FB407B-44DC-D94A-8155-05657F878E0B}"/>
               </a:ext>
             </a:extLst>
           </p:cNvPr>
@@ -5748,7 +6311,7 @@
             <a:fld id="{BD4E87B7-3498-4C46-AC2A-2ED0F815BC91}" type="datetime1">
               <a:rPr lang="zh-TW" altLang="en-US" smtClean="0"/>
               <a:pPr/>
-              <a:t>2020/6/19</a:t>
+              <a:t>2020/6/20</a:t>
             </a:fld>
             <a:endParaRPr lang="zh-TW" altLang="en-US" dirty="0"/>
           </a:p>
@@ -5759,7 +6322,7 @@
           <p:cNvPr id="13" name="頁尾版面配置區 4">
             <a:extLst>
               <a:ext uri="{FF2B5EF4-FFF2-40B4-BE49-F238E27FC236}">
-                <a16:creationId xmlns="" xmlns:a16="http://schemas.microsoft.com/office/drawing/2014/main" id="{1F154FEB-9567-2E46-9414-D4A5F3503EEC}"/>
+                <a16:creationId xmlns:a16="http://schemas.microsoft.com/office/drawing/2014/main" xmlns="" id="{1F154FEB-9567-2E46-9414-D4A5F3503EEC}"/>
               </a:ext>
             </a:extLst>
           </p:cNvPr>
@@ -5801,7 +6364,7 @@
           <p:cNvPr id="14" name="投影片編號版面配置區 5">
             <a:extLst>
               <a:ext uri="{FF2B5EF4-FFF2-40B4-BE49-F238E27FC236}">
-                <a16:creationId xmlns="" xmlns:a16="http://schemas.microsoft.com/office/drawing/2014/main" id="{91C56652-F612-AB47-A425-08597F026419}"/>
+                <a16:creationId xmlns:a16="http://schemas.microsoft.com/office/drawing/2014/main" xmlns="" id="{91C56652-F612-AB47-A425-08597F026419}"/>
               </a:ext>
             </a:extLst>
           </p:cNvPr>
@@ -5918,8 +6481,8 @@
         </p:nvSpPr>
         <p:spPr>
           <a:xfrm>
-            <a:off x="1397000" y="1594536"/>
-            <a:ext cx="6013736" cy="4231755"/>
+            <a:off x="698500" y="999536"/>
+            <a:ext cx="7747000" cy="5254309"/>
           </a:xfrm>
           <a:prstGeom prst="rect">
             <a:avLst/>
@@ -5970,7 +6533,7 @@
 </p:sldLayout>
 </file>
 
-<file path=ppt/slideLayouts/slideLayout8.xml><?xml version="1.0" encoding="utf-8"?>
+<file path=ppt/slideLayouts/slideLayout7.xml><?xml version="1.0" encoding="utf-8"?>
 <p:sldLayout xmlns:a="http://schemas.openxmlformats.org/drawingml/2006/main" xmlns:r="http://schemas.openxmlformats.org/officeDocument/2006/relationships" xmlns:p="http://schemas.openxmlformats.org/presentationml/2006/main" showMasterSp="0" preserve="1" userDrawn="1">
   <p:cSld name="上下二列式">
     <p:spTree>
@@ -5992,7 +6555,7 @@
           <p:cNvPr id="18" name="圖片 17">
             <a:extLst>
               <a:ext uri="{FF2B5EF4-FFF2-40B4-BE49-F238E27FC236}">
-                <a16:creationId xmlns="" xmlns:a16="http://schemas.microsoft.com/office/drawing/2014/main" id="{116232D0-91D1-7F41-8918-288A272C25D5}"/>
+                <a16:creationId xmlns:a16="http://schemas.microsoft.com/office/drawing/2014/main" xmlns="" id="{116232D0-91D1-7F41-8918-288A272C25D5}"/>
               </a:ext>
             </a:extLst>
           </p:cNvPr>
@@ -6028,7 +6591,7 @@
           <p:cNvPr id="7" name="直線接點 14">
             <a:extLst>
               <a:ext uri="{FF2B5EF4-FFF2-40B4-BE49-F238E27FC236}">
-                <a16:creationId xmlns="" xmlns:a16="http://schemas.microsoft.com/office/drawing/2014/main" id="{A330F768-6149-924A-A6C1-C67622648341}"/>
+                <a16:creationId xmlns:a16="http://schemas.microsoft.com/office/drawing/2014/main" xmlns="" id="{A330F768-6149-924A-A6C1-C67622648341}"/>
               </a:ext>
             </a:extLst>
           </p:cNvPr>
@@ -6062,7 +6625,7 @@
           <p:cNvPr id="9" name="矩形 11">
             <a:extLst>
               <a:ext uri="{FF2B5EF4-FFF2-40B4-BE49-F238E27FC236}">
-                <a16:creationId xmlns="" xmlns:a16="http://schemas.microsoft.com/office/drawing/2014/main" id="{5C8C796F-2CF9-A545-B362-62B5FE55C56E}"/>
+                <a16:creationId xmlns:a16="http://schemas.microsoft.com/office/drawing/2014/main" xmlns="" id="{5C8C796F-2CF9-A545-B362-62B5FE55C56E}"/>
               </a:ext>
             </a:extLst>
           </p:cNvPr>
@@ -6101,489 +6664,10 @@
       </p:sp>
       <p:sp>
         <p:nvSpPr>
-          <p:cNvPr id="14" name="內容版面配置區 2"/>
-          <p:cNvSpPr>
-            <a:spLocks noGrp="1"/>
-          </p:cNvSpPr>
-          <p:nvPr>
-            <p:ph sz="half" idx="1"/>
-          </p:nvPr>
-        </p:nvSpPr>
-        <p:spPr>
-          <a:xfrm>
-            <a:off x="628650" y="1029785"/>
-            <a:ext cx="7886700" cy="2509281"/>
-          </a:xfrm>
-          <a:prstGeom prst="rect">
-            <a:avLst/>
-          </a:prstGeom>
-        </p:spPr>
-        <p:txBody>
-          <a:bodyPr>
-            <a:normAutofit/>
-          </a:bodyPr>
-          <a:lstStyle>
-            <a:lvl1pPr marL="257175" indent="-257175">
-              <a:lnSpc>
-                <a:spcPct val="100000"/>
-              </a:lnSpc>
-              <a:spcBef>
-                <a:spcPts val="450"/>
-              </a:spcBef>
-              <a:buFontTx/>
-              <a:buBlip>
-                <a:blip r:embed="rId3"/>
-              </a:buBlip>
-              <a:defRPr sz="2400"/>
-            </a:lvl1pPr>
-            <a:lvl2pPr marL="698911" indent="-287430">
-              <a:lnSpc>
-                <a:spcPct val="100000"/>
-              </a:lnSpc>
-              <a:spcBef>
-                <a:spcPts val="450"/>
-              </a:spcBef>
-              <a:buFont typeface="Wingdings" panose="05000000000000000000" pitchFamily="2" charset="2"/>
-              <a:buChar char="l"/>
-              <a:defRPr lang="zh-TW" altLang="en-US" sz="2000" b="0" i="0" u="none" strike="noStrike" cap="none" spc="0" baseline="0" dirty="0" smtClean="0">
-                <a:ln>
-                  <a:noFill/>
-                </a:ln>
-                <a:solidFill>
-                  <a:srgbClr val="000000"/>
-                </a:solidFill>
-                <a:uFillTx/>
-                <a:latin typeface="+mn-ea"/>
-                <a:ea typeface="+mn-ea"/>
-                <a:cs typeface="+mn-cs"/>
-                <a:sym typeface="Calibri"/>
-              </a:defRPr>
-            </a:lvl2pPr>
-            <a:lvl3pPr marL="1092549" indent="-269590">
-              <a:lnSpc>
-                <a:spcPct val="100000"/>
-              </a:lnSpc>
-              <a:spcBef>
-                <a:spcPts val="450"/>
-              </a:spcBef>
-              <a:buFont typeface="Wingdings" panose="05000000000000000000" pitchFamily="2" charset="2"/>
-              <a:buChar char="n"/>
-              <a:defRPr lang="zh-TW" altLang="en-US" sz="1800" b="0" i="0" u="none" strike="noStrike" cap="none" spc="0" baseline="0" dirty="0" smtClean="0">
-                <a:ln>
-                  <a:noFill/>
-                </a:ln>
-                <a:solidFill>
-                  <a:srgbClr val="000000"/>
-                </a:solidFill>
-                <a:uFillTx/>
-                <a:latin typeface="+mn-ea"/>
-                <a:ea typeface="+mn-ea"/>
-                <a:cs typeface="+mn-cs"/>
-                <a:sym typeface="Calibri"/>
-              </a:defRPr>
-            </a:lvl3pPr>
-            <a:lvl4pPr marL="1560195" indent="-325754">
-              <a:lnSpc>
-                <a:spcPct val="100000"/>
-              </a:lnSpc>
-              <a:spcBef>
-                <a:spcPts val="450"/>
-              </a:spcBef>
-              <a:buFont typeface="Wingdings" panose="05000000000000000000" pitchFamily="2" charset="2"/>
-              <a:buChar char="ü"/>
-              <a:defRPr lang="zh-TW" altLang="en-US" sz="1600" b="0" i="0" u="none" strike="noStrike" cap="none" spc="0" baseline="0" dirty="0" smtClean="0">
-                <a:ln>
-                  <a:noFill/>
-                </a:ln>
-                <a:solidFill>
-                  <a:srgbClr val="000000"/>
-                </a:solidFill>
-                <a:uFillTx/>
-                <a:latin typeface="+mn-ea"/>
-                <a:ea typeface="+mn-ea"/>
-                <a:cs typeface="+mn-cs"/>
-                <a:sym typeface="Calibri"/>
-              </a:defRPr>
-            </a:lvl4pPr>
-            <a:lvl5pPr marL="1971675" indent="-325754">
-              <a:lnSpc>
-                <a:spcPct val="100000"/>
-              </a:lnSpc>
-              <a:spcBef>
-                <a:spcPts val="450"/>
-              </a:spcBef>
-              <a:buFont typeface="Arial" panose="020B0604020202020204" pitchFamily="34" charset="0"/>
-              <a:buChar char="•"/>
-              <a:defRPr lang="zh-TW" altLang="en-US" sz="1600" b="0" i="0" u="none" strike="noStrike" cap="none" spc="0" baseline="0" dirty="0">
-                <a:ln>
-                  <a:noFill/>
-                </a:ln>
-                <a:solidFill>
-                  <a:srgbClr val="000000"/>
-                </a:solidFill>
-                <a:uFillTx/>
-                <a:latin typeface="+mn-ea"/>
-                <a:ea typeface="+mn-ea"/>
-                <a:cs typeface="+mn-cs"/>
-                <a:sym typeface="Calibri"/>
-              </a:defRPr>
-            </a:lvl5pPr>
-          </a:lstStyle>
-          <a:p>
-            <a:pPr lvl="0"/>
-            <a:r>
-              <a:rPr lang="zh-TW" altLang="en-US" dirty="0"/>
-              <a:t>按一下以編輯母片文字樣式</a:t>
-            </a:r>
-          </a:p>
-          <a:p>
-            <a:pPr marL="698911" marR="0" lvl="1" indent="-287430" algn="l" defTabSz="411480" rtl="0" latinLnBrk="0">
-              <a:lnSpc>
-                <a:spcPct val="100000"/>
-              </a:lnSpc>
-              <a:spcBef>
-                <a:spcPts val="450"/>
-              </a:spcBef>
-              <a:spcAft>
-                <a:spcPts val="0"/>
-              </a:spcAft>
-              <a:buClrTx/>
-              <a:buSzPct val="100000"/>
-              <a:buFont typeface="Wingdings" panose="05000000000000000000" pitchFamily="2" charset="2"/>
-              <a:buChar char="l"/>
-              <a:tabLst/>
-            </a:pPr>
-            <a:r>
-              <a:rPr lang="zh-TW" altLang="en-US" dirty="0"/>
-              <a:t>第二層</a:t>
-            </a:r>
-          </a:p>
-          <a:p>
-            <a:pPr marL="1092549" marR="0" lvl="2" indent="-269590" algn="l" defTabSz="411480" rtl="0" latinLnBrk="0">
-              <a:lnSpc>
-                <a:spcPct val="100000"/>
-              </a:lnSpc>
-              <a:spcBef>
-                <a:spcPts val="450"/>
-              </a:spcBef>
-              <a:spcAft>
-                <a:spcPts val="0"/>
-              </a:spcAft>
-              <a:buClrTx/>
-              <a:buSzPct val="100000"/>
-              <a:buFont typeface="Wingdings" panose="05000000000000000000" pitchFamily="2" charset="2"/>
-              <a:buChar char="ü"/>
-              <a:tabLst/>
-            </a:pPr>
-            <a:r>
-              <a:rPr lang="zh-TW" altLang="en-US" dirty="0"/>
-              <a:t>第三層</a:t>
-            </a:r>
-          </a:p>
-          <a:p>
-            <a:pPr marL="1560195" marR="0" lvl="3" indent="-325754" algn="l" defTabSz="411480" rtl="0" latinLnBrk="0">
-              <a:lnSpc>
-                <a:spcPct val="100000"/>
-              </a:lnSpc>
-              <a:spcBef>
-                <a:spcPts val="450"/>
-              </a:spcBef>
-              <a:spcAft>
-                <a:spcPts val="0"/>
-              </a:spcAft>
-              <a:buClrTx/>
-              <a:buSzPct val="100000"/>
-              <a:buFont typeface="Arial" panose="020B0604020202020204" pitchFamily="34" charset="0"/>
-              <a:buChar char="•"/>
-              <a:tabLst/>
-            </a:pPr>
-            <a:r>
-              <a:rPr lang="zh-TW" altLang="en-US" dirty="0"/>
-              <a:t>第四層</a:t>
-            </a:r>
-          </a:p>
-          <a:p>
-            <a:pPr marL="1971675" marR="0" lvl="4" indent="-325754" algn="l" defTabSz="411480" rtl="0" latinLnBrk="0">
-              <a:lnSpc>
-                <a:spcPct val="100000"/>
-              </a:lnSpc>
-              <a:spcBef>
-                <a:spcPts val="450"/>
-              </a:spcBef>
-              <a:spcAft>
-                <a:spcPts val="0"/>
-              </a:spcAft>
-              <a:buClrTx/>
-              <a:buSzPct val="100000"/>
-              <a:buFont typeface="微軟正黑體" panose="020B0604030504040204" pitchFamily="34" charset="-120"/>
-              <a:buChar char="‐"/>
-              <a:tabLst/>
-            </a:pPr>
-            <a:r>
-              <a:rPr lang="zh-TW" altLang="en-US" dirty="0"/>
-              <a:t>第五層</a:t>
-            </a:r>
-          </a:p>
-        </p:txBody>
-      </p:sp>
-      <p:sp>
-        <p:nvSpPr>
-          <p:cNvPr id="16" name="內容版面配置區 3"/>
-          <p:cNvSpPr>
-            <a:spLocks noGrp="1"/>
-          </p:cNvSpPr>
-          <p:nvPr>
-            <p:ph sz="half" idx="2"/>
-          </p:nvPr>
-        </p:nvSpPr>
-        <p:spPr>
-          <a:xfrm>
-            <a:off x="628650" y="3666462"/>
-            <a:ext cx="7886700" cy="2509282"/>
-          </a:xfrm>
-          <a:prstGeom prst="rect">
-            <a:avLst/>
-          </a:prstGeom>
-        </p:spPr>
-        <p:txBody>
-          <a:bodyPr>
-            <a:normAutofit/>
-          </a:bodyPr>
-          <a:lstStyle>
-            <a:lvl1pPr>
-              <a:lnSpc>
-                <a:spcPct val="100000"/>
-              </a:lnSpc>
-              <a:spcBef>
-                <a:spcPts val="450"/>
-              </a:spcBef>
-              <a:defRPr lang="zh-TW" altLang="en-US" sz="2400" b="0" i="0" u="none" strike="noStrike" cap="none" spc="0" baseline="0" dirty="0">
-                <a:ln>
-                  <a:noFill/>
-                </a:ln>
-                <a:solidFill>
-                  <a:srgbClr val="000000"/>
-                </a:solidFill>
-                <a:uFillTx/>
-                <a:latin typeface="Microsoft JhengHei" panose="020B0604030504040204" pitchFamily="34" charset="-120"/>
-                <a:ea typeface="Microsoft JhengHei" panose="020B0604030504040204" pitchFamily="34" charset="-120"/>
-                <a:cs typeface="+mn-cs"/>
-                <a:sym typeface="Calibri"/>
-              </a:defRPr>
-            </a:lvl1pPr>
-            <a:lvl2pPr marL="698911" indent="-287430">
-              <a:lnSpc>
-                <a:spcPct val="100000"/>
-              </a:lnSpc>
-              <a:spcBef>
-                <a:spcPts val="450"/>
-              </a:spcBef>
-              <a:buFont typeface="Wingdings" panose="05000000000000000000" pitchFamily="2" charset="2"/>
-              <a:buChar char="l"/>
-              <a:defRPr lang="zh-TW" altLang="en-US" sz="2000" b="0" i="0" u="none" strike="noStrike" cap="none" spc="0" baseline="0" dirty="0" smtClean="0">
-                <a:ln>
-                  <a:noFill/>
-                </a:ln>
-                <a:solidFill>
-                  <a:srgbClr val="000000"/>
-                </a:solidFill>
-                <a:uFillTx/>
-                <a:latin typeface="+mn-ea"/>
-                <a:ea typeface="+mn-ea"/>
-                <a:cs typeface="+mn-cs"/>
-                <a:sym typeface="Calibri"/>
-              </a:defRPr>
-            </a:lvl2pPr>
-            <a:lvl3pPr marL="1092549" indent="-269590">
-              <a:lnSpc>
-                <a:spcPct val="100000"/>
-              </a:lnSpc>
-              <a:spcBef>
-                <a:spcPts val="450"/>
-              </a:spcBef>
-              <a:buFont typeface="Wingdings" panose="05000000000000000000" pitchFamily="2" charset="2"/>
-              <a:buChar char="n"/>
-              <a:defRPr lang="zh-TW" altLang="en-US" sz="1800" b="0" i="0" u="none" strike="noStrike" cap="none" spc="0" baseline="0" dirty="0" smtClean="0">
-                <a:ln>
-                  <a:noFill/>
-                </a:ln>
-                <a:solidFill>
-                  <a:srgbClr val="000000"/>
-                </a:solidFill>
-                <a:uFillTx/>
-                <a:latin typeface="+mn-ea"/>
-                <a:ea typeface="+mn-ea"/>
-                <a:cs typeface="+mn-cs"/>
-                <a:sym typeface="Calibri"/>
-              </a:defRPr>
-            </a:lvl3pPr>
-            <a:lvl4pPr marL="1560195" indent="-325754">
-              <a:lnSpc>
-                <a:spcPct val="100000"/>
-              </a:lnSpc>
-              <a:spcBef>
-                <a:spcPts val="450"/>
-              </a:spcBef>
-              <a:buFont typeface="Wingdings" panose="05000000000000000000" pitchFamily="2" charset="2"/>
-              <a:buChar char="ü"/>
-              <a:defRPr lang="zh-TW" altLang="en-US" sz="1600" b="0" i="0" u="none" strike="noStrike" cap="none" spc="0" baseline="0" dirty="0" smtClean="0">
-                <a:ln>
-                  <a:noFill/>
-                </a:ln>
-                <a:solidFill>
-                  <a:srgbClr val="000000"/>
-                </a:solidFill>
-                <a:uFillTx/>
-                <a:latin typeface="+mn-ea"/>
-                <a:ea typeface="+mn-ea"/>
-                <a:cs typeface="+mn-cs"/>
-                <a:sym typeface="Calibri"/>
-              </a:defRPr>
-            </a:lvl4pPr>
-            <a:lvl5pPr marL="1971675" indent="-325754">
-              <a:lnSpc>
-                <a:spcPct val="100000"/>
-              </a:lnSpc>
-              <a:spcBef>
-                <a:spcPts val="450"/>
-              </a:spcBef>
-              <a:buFont typeface="Arial" panose="020B0604020202020204" pitchFamily="34" charset="0"/>
-              <a:buChar char="•"/>
-              <a:defRPr lang="zh-TW" altLang="en-US" sz="1600" b="0" i="0" u="none" strike="noStrike" cap="none" spc="0" baseline="0" dirty="0">
-                <a:ln>
-                  <a:noFill/>
-                </a:ln>
-                <a:solidFill>
-                  <a:srgbClr val="000000"/>
-                </a:solidFill>
-                <a:uFillTx/>
-                <a:latin typeface="+mn-ea"/>
-                <a:ea typeface="+mn-ea"/>
-                <a:cs typeface="+mn-cs"/>
-                <a:sym typeface="Calibri"/>
-              </a:defRPr>
-            </a:lvl5pPr>
-          </a:lstStyle>
-          <a:p>
-            <a:pPr marL="257175" marR="0" lvl="0" indent="-257175" algn="l" defTabSz="411480" rtl="0" latinLnBrk="0">
-              <a:lnSpc>
-                <a:spcPct val="100000"/>
-              </a:lnSpc>
-              <a:spcBef>
-                <a:spcPts val="450"/>
-              </a:spcBef>
-              <a:spcAft>
-                <a:spcPts val="0"/>
-              </a:spcAft>
-              <a:buClrTx/>
-              <a:buSzPct val="100000"/>
-              <a:buFontTx/>
-              <a:buBlip>
-                <a:blip r:embed="rId3"/>
-              </a:buBlip>
-              <a:tabLst/>
-            </a:pPr>
-            <a:r>
-              <a:rPr lang="zh-TW" altLang="en-US" dirty="0"/>
-              <a:t>按一下以編輯母片文字樣式</a:t>
-            </a:r>
-          </a:p>
-          <a:p>
-            <a:pPr marL="698911" marR="0" lvl="1" indent="-287430" algn="l" defTabSz="411480" rtl="0" latinLnBrk="0">
-              <a:lnSpc>
-                <a:spcPct val="100000"/>
-              </a:lnSpc>
-              <a:spcBef>
-                <a:spcPts val="450"/>
-              </a:spcBef>
-              <a:spcAft>
-                <a:spcPts val="0"/>
-              </a:spcAft>
-              <a:buClrTx/>
-              <a:buSzPct val="100000"/>
-              <a:buFont typeface="Wingdings" panose="05000000000000000000" pitchFamily="2" charset="2"/>
-              <a:buChar char="l"/>
-              <a:tabLst/>
-            </a:pPr>
-            <a:r>
-              <a:rPr lang="zh-TW" altLang="en-US" dirty="0"/>
-              <a:t>第二層</a:t>
-            </a:r>
-          </a:p>
-          <a:p>
-            <a:pPr marL="1092549" marR="0" lvl="2" indent="-269590" algn="l" defTabSz="411480" rtl="0" latinLnBrk="0">
-              <a:lnSpc>
-                <a:spcPct val="100000"/>
-              </a:lnSpc>
-              <a:spcBef>
-                <a:spcPts val="450"/>
-              </a:spcBef>
-              <a:spcAft>
-                <a:spcPts val="0"/>
-              </a:spcAft>
-              <a:buClrTx/>
-              <a:buSzPct val="100000"/>
-              <a:buFont typeface="Wingdings" panose="05000000000000000000" pitchFamily="2" charset="2"/>
-              <a:buChar char="ü"/>
-              <a:tabLst/>
-            </a:pPr>
-            <a:r>
-              <a:rPr lang="zh-TW" altLang="en-US" dirty="0"/>
-              <a:t>第三層</a:t>
-            </a:r>
-          </a:p>
-          <a:p>
-            <a:pPr marL="1560195" marR="0" lvl="3" indent="-325754" algn="l" defTabSz="411480" rtl="0" latinLnBrk="0">
-              <a:lnSpc>
-                <a:spcPct val="100000"/>
-              </a:lnSpc>
-              <a:spcBef>
-                <a:spcPts val="450"/>
-              </a:spcBef>
-              <a:spcAft>
-                <a:spcPts val="0"/>
-              </a:spcAft>
-              <a:buClrTx/>
-              <a:buSzPct val="100000"/>
-              <a:buFont typeface="Arial" panose="020B0604020202020204" pitchFamily="34" charset="0"/>
-              <a:buChar char="•"/>
-              <a:tabLst/>
-            </a:pPr>
-            <a:r>
-              <a:rPr lang="zh-TW" altLang="en-US" dirty="0"/>
-              <a:t>第四層</a:t>
-            </a:r>
-          </a:p>
-          <a:p>
-            <a:pPr marL="1971675" marR="0" lvl="4" indent="-325754" algn="l" defTabSz="411480" rtl="0" latinLnBrk="0">
-              <a:lnSpc>
-                <a:spcPct val="100000"/>
-              </a:lnSpc>
-              <a:spcBef>
-                <a:spcPts val="450"/>
-              </a:spcBef>
-              <a:spcAft>
-                <a:spcPts val="0"/>
-              </a:spcAft>
-              <a:buClrTx/>
-              <a:buSzPct val="100000"/>
-              <a:buFont typeface="微軟正黑體" panose="020B0604030504040204" pitchFamily="34" charset="-120"/>
-              <a:buChar char="‐"/>
-              <a:tabLst/>
-            </a:pPr>
-            <a:r>
-              <a:rPr lang="zh-TW" altLang="en-US" dirty="0"/>
-              <a:t>第五層</a:t>
-            </a:r>
-          </a:p>
-        </p:txBody>
-      </p:sp>
-      <p:sp>
-        <p:nvSpPr>
           <p:cNvPr id="12" name="日期版面配置區 3">
             <a:extLst>
               <a:ext uri="{FF2B5EF4-FFF2-40B4-BE49-F238E27FC236}">
-                <a16:creationId xmlns="" xmlns:a16="http://schemas.microsoft.com/office/drawing/2014/main" id="{1FF71881-0138-BB4F-81DF-85243E3A12F6}"/>
+                <a16:creationId xmlns:a16="http://schemas.microsoft.com/office/drawing/2014/main" xmlns="" id="{1FF71881-0138-BB4F-81DF-85243E3A12F6}"/>
               </a:ext>
             </a:extLst>
           </p:cNvPr>
@@ -6619,7 +6703,7 @@
             <a:fld id="{BD4E87B7-3498-4C46-AC2A-2ED0F815BC91}" type="datetime1">
               <a:rPr lang="zh-TW" altLang="en-US" smtClean="0"/>
               <a:pPr/>
-              <a:t>2020/6/19</a:t>
+              <a:t>2020/6/20</a:t>
             </a:fld>
             <a:endParaRPr lang="zh-TW" altLang="en-US" dirty="0"/>
           </a:p>
@@ -6630,7 +6714,7 @@
           <p:cNvPr id="13" name="頁尾版面配置區 4">
             <a:extLst>
               <a:ext uri="{FF2B5EF4-FFF2-40B4-BE49-F238E27FC236}">
-                <a16:creationId xmlns="" xmlns:a16="http://schemas.microsoft.com/office/drawing/2014/main" id="{8AC44A92-EFD3-0F42-B642-DCE623358B0A}"/>
+                <a16:creationId xmlns:a16="http://schemas.microsoft.com/office/drawing/2014/main" xmlns="" id="{8AC44A92-EFD3-0F42-B642-DCE623358B0A}"/>
               </a:ext>
             </a:extLst>
           </p:cNvPr>
@@ -6672,7 +6756,7 @@
           <p:cNvPr id="17" name="投影片編號版面配置區 5">
             <a:extLst>
               <a:ext uri="{FF2B5EF4-FFF2-40B4-BE49-F238E27FC236}">
-                <a16:creationId xmlns="" xmlns:a16="http://schemas.microsoft.com/office/drawing/2014/main" id="{74645775-D19B-CD49-8E08-A6B54563D224}"/>
+                <a16:creationId xmlns:a16="http://schemas.microsoft.com/office/drawing/2014/main" xmlns="" id="{74645775-D19B-CD49-8E08-A6B54563D224}"/>
               </a:ext>
             </a:extLst>
           </p:cNvPr>
@@ -6777,6 +6861,566 @@
           </a:p>
         </p:txBody>
       </p:sp>
+      <p:sp>
+        <p:nvSpPr>
+          <p:cNvPr id="11" name="文字版面配置區 12"/>
+          <p:cNvSpPr>
+            <a:spLocks noGrp="1"/>
+          </p:cNvSpPr>
+          <p:nvPr>
+            <p:ph type="body" sz="quarter" idx="26"/>
+          </p:nvPr>
+        </p:nvSpPr>
+        <p:spPr>
+          <a:xfrm>
+            <a:off x="628650" y="993128"/>
+            <a:ext cx="7886700" cy="2382587"/>
+          </a:xfrm>
+          <a:prstGeom prst="rect">
+            <a:avLst/>
+          </a:prstGeom>
+        </p:spPr>
+        <p:txBody>
+          <a:bodyPr/>
+          <a:lstStyle>
+            <a:lvl1pPr marL="257175" marR="0" indent="-257175" algn="l" defTabSz="411480" rtl="0" latinLnBrk="0">
+              <a:lnSpc>
+                <a:spcPct val="100000"/>
+              </a:lnSpc>
+              <a:spcBef>
+                <a:spcPts val="450"/>
+              </a:spcBef>
+              <a:spcAft>
+                <a:spcPts val="0"/>
+              </a:spcAft>
+              <a:buClrTx/>
+              <a:buSzPct val="100000"/>
+              <a:buFontTx/>
+              <a:buBlip>
+                <a:blip r:embed="rId3"/>
+              </a:buBlip>
+              <a:tabLst/>
+              <a:defRPr lang="zh-TW" altLang="en-US" sz="2400" b="1" i="0" u="none" strike="noStrike" cap="none" spc="0" baseline="0" dirty="0" smtClean="0">
+                <a:ln>
+                  <a:noFill/>
+                </a:ln>
+                <a:solidFill>
+                  <a:srgbClr val="0033CC"/>
+                </a:solidFill>
+                <a:uFillTx/>
+                <a:latin typeface="Microsoft JhengHei" panose="020B0604030504040204" pitchFamily="34" charset="-120"/>
+                <a:ea typeface="Microsoft JhengHei" panose="020B0604030504040204" pitchFamily="34" charset="-120"/>
+                <a:cs typeface="+mn-cs"/>
+                <a:sym typeface="Calibri"/>
+              </a:defRPr>
+            </a:lvl1pPr>
+            <a:lvl2pPr marL="698911" marR="0" indent="-287430" algn="l" defTabSz="411480" rtl="0" latinLnBrk="0">
+              <a:lnSpc>
+                <a:spcPct val="100000"/>
+              </a:lnSpc>
+              <a:spcBef>
+                <a:spcPts val="450"/>
+              </a:spcBef>
+              <a:spcAft>
+                <a:spcPts val="0"/>
+              </a:spcAft>
+              <a:buClrTx/>
+              <a:buSzPct val="100000"/>
+              <a:buFont typeface="Wingdings" panose="05000000000000000000" pitchFamily="2" charset="2"/>
+              <a:buChar char="l"/>
+              <a:tabLst/>
+              <a:defRPr lang="zh-TW" altLang="en-US" sz="2000" b="1" i="0" u="none" strike="noStrike" cap="none" spc="0" baseline="0" dirty="0" smtClean="0">
+                <a:ln>
+                  <a:noFill/>
+                </a:ln>
+                <a:solidFill>
+                  <a:schemeClr val="accent6">
+                    <a:lumMod val="75000"/>
+                  </a:schemeClr>
+                </a:solidFill>
+                <a:uFillTx/>
+                <a:latin typeface="Microsoft JhengHei" panose="020B0604030504040204" pitchFamily="34" charset="-120"/>
+                <a:ea typeface="Microsoft JhengHei" panose="020B0604030504040204" pitchFamily="34" charset="-120"/>
+                <a:cs typeface="+mn-cs"/>
+                <a:sym typeface="Calibri"/>
+              </a:defRPr>
+            </a:lvl2pPr>
+            <a:lvl3pPr marL="1092549" marR="0" indent="-269590" algn="l" defTabSz="411480" rtl="0" latinLnBrk="0">
+              <a:lnSpc>
+                <a:spcPct val="100000"/>
+              </a:lnSpc>
+              <a:spcBef>
+                <a:spcPts val="450"/>
+              </a:spcBef>
+              <a:spcAft>
+                <a:spcPts val="0"/>
+              </a:spcAft>
+              <a:buClrTx/>
+              <a:buSzPct val="100000"/>
+              <a:buFont typeface="Wingdings" panose="05000000000000000000" pitchFamily="2" charset="2"/>
+              <a:buChar char="ü"/>
+              <a:tabLst/>
+              <a:defRPr lang="zh-TW" altLang="en-US" sz="1800" b="1" i="0" u="none" strike="noStrike" cap="none" spc="0" baseline="0" dirty="0" smtClean="0">
+                <a:ln>
+                  <a:noFill/>
+                </a:ln>
+                <a:solidFill>
+                  <a:srgbClr val="000000"/>
+                </a:solidFill>
+                <a:uFillTx/>
+                <a:latin typeface="Microsoft JhengHei" panose="020B0604030504040204" pitchFamily="34" charset="-120"/>
+                <a:ea typeface="Microsoft JhengHei" panose="020B0604030504040204" pitchFamily="34" charset="-120"/>
+                <a:cs typeface="+mn-cs"/>
+                <a:sym typeface="Calibri"/>
+              </a:defRPr>
+            </a:lvl3pPr>
+            <a:lvl4pPr marL="1560195" marR="0" indent="-325754" algn="l" defTabSz="411480" rtl="0" latinLnBrk="0">
+              <a:lnSpc>
+                <a:spcPct val="100000"/>
+              </a:lnSpc>
+              <a:spcBef>
+                <a:spcPts val="450"/>
+              </a:spcBef>
+              <a:spcAft>
+                <a:spcPts val="0"/>
+              </a:spcAft>
+              <a:buClrTx/>
+              <a:buSzPct val="100000"/>
+              <a:buFont typeface="Arial" panose="020B0604020202020204" pitchFamily="34" charset="0"/>
+              <a:buChar char="•"/>
+              <a:tabLst/>
+              <a:defRPr sz="1600"/>
+            </a:lvl4pPr>
+            <a:lvl5pPr marL="1971675" marR="0" indent="-325754" algn="l" defTabSz="411480" rtl="0" latinLnBrk="0">
+              <a:lnSpc>
+                <a:spcPct val="100000"/>
+              </a:lnSpc>
+              <a:spcBef>
+                <a:spcPts val="450"/>
+              </a:spcBef>
+              <a:spcAft>
+                <a:spcPts val="0"/>
+              </a:spcAft>
+              <a:buClrTx/>
+              <a:buSzPct val="100000"/>
+              <a:buFont typeface="微軟正黑體" panose="020B0604030504040204" pitchFamily="34" charset="-120"/>
+              <a:buChar char="‐"/>
+              <a:tabLst/>
+              <a:defRPr sz="1400"/>
+            </a:lvl5pPr>
+          </a:lstStyle>
+          <a:p>
+            <a:pPr marL="257175" marR="0" lvl="0" indent="-257175" algn="l" defTabSz="411480" rtl="0" latinLnBrk="0">
+              <a:lnSpc>
+                <a:spcPct val="100000"/>
+              </a:lnSpc>
+              <a:spcBef>
+                <a:spcPts val="450"/>
+              </a:spcBef>
+              <a:spcAft>
+                <a:spcPts val="0"/>
+              </a:spcAft>
+              <a:buClrTx/>
+              <a:buSzPct val="100000"/>
+              <a:buFontTx/>
+              <a:buBlip>
+                <a:blip r:embed="rId3"/>
+              </a:buBlip>
+              <a:tabLst/>
+            </a:pPr>
+            <a:r>
+              <a:rPr lang="zh-TW" altLang="en-US" dirty="0" smtClean="0"/>
+              <a:t>按一下以編輯母片文字樣式</a:t>
+            </a:r>
+          </a:p>
+          <a:p>
+            <a:pPr marL="698911" marR="0" lvl="1" indent="-287430" algn="l" defTabSz="411480" rtl="0" latinLnBrk="0">
+              <a:lnSpc>
+                <a:spcPct val="100000"/>
+              </a:lnSpc>
+              <a:spcBef>
+                <a:spcPts val="450"/>
+              </a:spcBef>
+              <a:spcAft>
+                <a:spcPts val="0"/>
+              </a:spcAft>
+              <a:buClrTx/>
+              <a:buSzPct val="100000"/>
+              <a:buFont typeface="Wingdings" panose="05000000000000000000" pitchFamily="2" charset="2"/>
+              <a:buChar char="l"/>
+              <a:tabLst/>
+            </a:pPr>
+            <a:r>
+              <a:rPr lang="zh-TW" altLang="en-US" dirty="0" smtClean="0"/>
+              <a:t>第二層</a:t>
+            </a:r>
+          </a:p>
+          <a:p>
+            <a:pPr marL="1092549" marR="0" lvl="2" indent="-269590" algn="l" defTabSz="411480" rtl="0" latinLnBrk="0">
+              <a:lnSpc>
+                <a:spcPct val="100000"/>
+              </a:lnSpc>
+              <a:spcBef>
+                <a:spcPts val="450"/>
+              </a:spcBef>
+              <a:spcAft>
+                <a:spcPts val="0"/>
+              </a:spcAft>
+              <a:buClrTx/>
+              <a:buSzPct val="100000"/>
+              <a:buFont typeface="Wingdings" panose="05000000000000000000" pitchFamily="2" charset="2"/>
+              <a:buChar char="ü"/>
+              <a:tabLst/>
+            </a:pPr>
+            <a:r>
+              <a:rPr lang="zh-TW" altLang="en-US" dirty="0" smtClean="0"/>
+              <a:t>第三層</a:t>
+            </a:r>
+          </a:p>
+          <a:p>
+            <a:pPr marL="1560195" marR="0" lvl="3" indent="-325754" algn="l" defTabSz="411480" rtl="0" latinLnBrk="0">
+              <a:lnSpc>
+                <a:spcPct val="100000"/>
+              </a:lnSpc>
+              <a:spcBef>
+                <a:spcPts val="450"/>
+              </a:spcBef>
+              <a:spcAft>
+                <a:spcPts val="0"/>
+              </a:spcAft>
+              <a:buClrTx/>
+              <a:buSzPct val="100000"/>
+              <a:buFont typeface="Arial" panose="020B0604020202020204" pitchFamily="34" charset="0"/>
+              <a:buChar char="•"/>
+              <a:tabLst/>
+            </a:pPr>
+            <a:r>
+              <a:rPr lang="zh-TW" altLang="en-US" dirty="0" smtClean="0"/>
+              <a:t>第四層</a:t>
+            </a:r>
+          </a:p>
+          <a:p>
+            <a:pPr marL="1971675" marR="0" lvl="4" indent="-325754" algn="l" defTabSz="411480" rtl="0" latinLnBrk="0">
+              <a:lnSpc>
+                <a:spcPct val="100000"/>
+              </a:lnSpc>
+              <a:spcBef>
+                <a:spcPts val="450"/>
+              </a:spcBef>
+              <a:spcAft>
+                <a:spcPts val="0"/>
+              </a:spcAft>
+              <a:buClrTx/>
+              <a:buSzPct val="100000"/>
+              <a:buFont typeface="微軟正黑體" panose="020B0604030504040204" pitchFamily="34" charset="-120"/>
+              <a:buChar char="‐"/>
+              <a:tabLst/>
+            </a:pPr>
+            <a:r>
+              <a:rPr lang="zh-TW" altLang="en-US" dirty="0" smtClean="0"/>
+              <a:t>第五層</a:t>
+            </a:r>
+            <a:endParaRPr lang="zh-TW" altLang="en-US" dirty="0"/>
+          </a:p>
+        </p:txBody>
+      </p:sp>
+      <p:sp>
+        <p:nvSpPr>
+          <p:cNvPr id="15" name="文字版面配置區 12"/>
+          <p:cNvSpPr>
+            <a:spLocks noGrp="1"/>
+          </p:cNvSpPr>
+          <p:nvPr>
+            <p:ph type="body" sz="quarter" idx="27"/>
+          </p:nvPr>
+        </p:nvSpPr>
+        <p:spPr>
+          <a:xfrm>
+            <a:off x="628650" y="3826866"/>
+            <a:ext cx="7886700" cy="2382587"/>
+          </a:xfrm>
+          <a:prstGeom prst="rect">
+            <a:avLst/>
+          </a:prstGeom>
+        </p:spPr>
+        <p:txBody>
+          <a:bodyPr/>
+          <a:lstStyle>
+            <a:lvl1pPr marL="257175" marR="0" indent="-257175" algn="l" defTabSz="411480" rtl="0" latinLnBrk="0">
+              <a:lnSpc>
+                <a:spcPct val="100000"/>
+              </a:lnSpc>
+              <a:spcBef>
+                <a:spcPts val="450"/>
+              </a:spcBef>
+              <a:spcAft>
+                <a:spcPts val="0"/>
+              </a:spcAft>
+              <a:buClrTx/>
+              <a:buSzPct val="100000"/>
+              <a:buFontTx/>
+              <a:buBlip>
+                <a:blip r:embed="rId3"/>
+              </a:buBlip>
+              <a:tabLst/>
+              <a:defRPr lang="zh-TW" altLang="en-US" sz="2400" b="1" i="0" u="none" strike="noStrike" cap="none" spc="0" baseline="0" dirty="0" smtClean="0">
+                <a:ln>
+                  <a:noFill/>
+                </a:ln>
+                <a:solidFill>
+                  <a:srgbClr val="0033CC"/>
+                </a:solidFill>
+                <a:uFillTx/>
+                <a:latin typeface="Microsoft JhengHei" panose="020B0604030504040204" pitchFamily="34" charset="-120"/>
+                <a:ea typeface="Microsoft JhengHei" panose="020B0604030504040204" pitchFamily="34" charset="-120"/>
+                <a:cs typeface="+mn-cs"/>
+                <a:sym typeface="Calibri"/>
+              </a:defRPr>
+            </a:lvl1pPr>
+            <a:lvl2pPr marL="698911" marR="0" indent="-287430" algn="l" defTabSz="411480" rtl="0" latinLnBrk="0">
+              <a:lnSpc>
+                <a:spcPct val="100000"/>
+              </a:lnSpc>
+              <a:spcBef>
+                <a:spcPts val="450"/>
+              </a:spcBef>
+              <a:spcAft>
+                <a:spcPts val="0"/>
+              </a:spcAft>
+              <a:buClrTx/>
+              <a:buSzPct val="100000"/>
+              <a:buFont typeface="Wingdings" panose="05000000000000000000" pitchFamily="2" charset="2"/>
+              <a:buChar char="l"/>
+              <a:tabLst/>
+              <a:defRPr lang="zh-TW" altLang="en-US" sz="2000" b="1" i="0" u="none" strike="noStrike" cap="none" spc="0" baseline="0" dirty="0" smtClean="0">
+                <a:ln>
+                  <a:noFill/>
+                </a:ln>
+                <a:solidFill>
+                  <a:schemeClr val="accent6">
+                    <a:lumMod val="75000"/>
+                  </a:schemeClr>
+                </a:solidFill>
+                <a:uFillTx/>
+                <a:latin typeface="Microsoft JhengHei" panose="020B0604030504040204" pitchFamily="34" charset="-120"/>
+                <a:ea typeface="Microsoft JhengHei" panose="020B0604030504040204" pitchFamily="34" charset="-120"/>
+                <a:cs typeface="+mn-cs"/>
+                <a:sym typeface="Calibri"/>
+              </a:defRPr>
+            </a:lvl2pPr>
+            <a:lvl3pPr marL="1092549" marR="0" indent="-269590" algn="l" defTabSz="411480" rtl="0" latinLnBrk="0">
+              <a:lnSpc>
+                <a:spcPct val="100000"/>
+              </a:lnSpc>
+              <a:spcBef>
+                <a:spcPts val="450"/>
+              </a:spcBef>
+              <a:spcAft>
+                <a:spcPts val="0"/>
+              </a:spcAft>
+              <a:buClrTx/>
+              <a:buSzPct val="100000"/>
+              <a:buFont typeface="Wingdings" panose="05000000000000000000" pitchFamily="2" charset="2"/>
+              <a:buChar char="ü"/>
+              <a:tabLst/>
+              <a:defRPr lang="zh-TW" altLang="en-US" sz="1800" b="1" i="0" u="none" strike="noStrike" cap="none" spc="0" baseline="0" dirty="0" smtClean="0">
+                <a:ln>
+                  <a:noFill/>
+                </a:ln>
+                <a:solidFill>
+                  <a:srgbClr val="000000"/>
+                </a:solidFill>
+                <a:uFillTx/>
+                <a:latin typeface="Microsoft JhengHei" panose="020B0604030504040204" pitchFamily="34" charset="-120"/>
+                <a:ea typeface="Microsoft JhengHei" panose="020B0604030504040204" pitchFamily="34" charset="-120"/>
+                <a:cs typeface="+mn-cs"/>
+                <a:sym typeface="Calibri"/>
+              </a:defRPr>
+            </a:lvl3pPr>
+            <a:lvl4pPr marL="1560195" marR="0" indent="-325754" algn="l" defTabSz="411480" rtl="0" latinLnBrk="0">
+              <a:lnSpc>
+                <a:spcPct val="100000"/>
+              </a:lnSpc>
+              <a:spcBef>
+                <a:spcPts val="450"/>
+              </a:spcBef>
+              <a:spcAft>
+                <a:spcPts val="0"/>
+              </a:spcAft>
+              <a:buClrTx/>
+              <a:buSzPct val="100000"/>
+              <a:buFont typeface="Arial" panose="020B0604020202020204" pitchFamily="34" charset="0"/>
+              <a:buChar char="•"/>
+              <a:tabLst/>
+              <a:defRPr sz="1600"/>
+            </a:lvl4pPr>
+            <a:lvl5pPr marL="1971675" marR="0" indent="-325754" algn="l" defTabSz="411480" rtl="0" latinLnBrk="0">
+              <a:lnSpc>
+                <a:spcPct val="100000"/>
+              </a:lnSpc>
+              <a:spcBef>
+                <a:spcPts val="450"/>
+              </a:spcBef>
+              <a:spcAft>
+                <a:spcPts val="0"/>
+              </a:spcAft>
+              <a:buClrTx/>
+              <a:buSzPct val="100000"/>
+              <a:buFont typeface="微軟正黑體" panose="020B0604030504040204" pitchFamily="34" charset="-120"/>
+              <a:buChar char="‐"/>
+              <a:tabLst/>
+              <a:defRPr sz="1400"/>
+            </a:lvl5pPr>
+          </a:lstStyle>
+          <a:p>
+            <a:pPr marL="257175" marR="0" lvl="0" indent="-257175" algn="l" defTabSz="411480" rtl="0" latinLnBrk="0">
+              <a:lnSpc>
+                <a:spcPct val="100000"/>
+              </a:lnSpc>
+              <a:spcBef>
+                <a:spcPts val="450"/>
+              </a:spcBef>
+              <a:spcAft>
+                <a:spcPts val="0"/>
+              </a:spcAft>
+              <a:buClrTx/>
+              <a:buSzPct val="100000"/>
+              <a:buFontTx/>
+              <a:buBlip>
+                <a:blip r:embed="rId3"/>
+              </a:buBlip>
+              <a:tabLst/>
+            </a:pPr>
+            <a:r>
+              <a:rPr lang="zh-TW" altLang="en-US" dirty="0" smtClean="0"/>
+              <a:t>按一下以編輯母片文字樣式</a:t>
+            </a:r>
+          </a:p>
+          <a:p>
+            <a:pPr marL="698911" marR="0" lvl="1" indent="-287430" algn="l" defTabSz="411480" rtl="0" latinLnBrk="0">
+              <a:lnSpc>
+                <a:spcPct val="100000"/>
+              </a:lnSpc>
+              <a:spcBef>
+                <a:spcPts val="450"/>
+              </a:spcBef>
+              <a:spcAft>
+                <a:spcPts val="0"/>
+              </a:spcAft>
+              <a:buClrTx/>
+              <a:buSzPct val="100000"/>
+              <a:buFont typeface="Wingdings" panose="05000000000000000000" pitchFamily="2" charset="2"/>
+              <a:buChar char="l"/>
+              <a:tabLst/>
+            </a:pPr>
+            <a:r>
+              <a:rPr lang="zh-TW" altLang="en-US" dirty="0" smtClean="0"/>
+              <a:t>第二層</a:t>
+            </a:r>
+          </a:p>
+          <a:p>
+            <a:pPr marL="1092549" marR="0" lvl="2" indent="-269590" algn="l" defTabSz="411480" rtl="0" latinLnBrk="0">
+              <a:lnSpc>
+                <a:spcPct val="100000"/>
+              </a:lnSpc>
+              <a:spcBef>
+                <a:spcPts val="450"/>
+              </a:spcBef>
+              <a:spcAft>
+                <a:spcPts val="0"/>
+              </a:spcAft>
+              <a:buClrTx/>
+              <a:buSzPct val="100000"/>
+              <a:buFont typeface="Wingdings" panose="05000000000000000000" pitchFamily="2" charset="2"/>
+              <a:buChar char="ü"/>
+              <a:tabLst/>
+            </a:pPr>
+            <a:r>
+              <a:rPr lang="zh-TW" altLang="en-US" dirty="0" smtClean="0"/>
+              <a:t>第三層</a:t>
+            </a:r>
+          </a:p>
+          <a:p>
+            <a:pPr marL="1560195" marR="0" lvl="3" indent="-325754" algn="l" defTabSz="411480" rtl="0" latinLnBrk="0">
+              <a:lnSpc>
+                <a:spcPct val="100000"/>
+              </a:lnSpc>
+              <a:spcBef>
+                <a:spcPts val="450"/>
+              </a:spcBef>
+              <a:spcAft>
+                <a:spcPts val="0"/>
+              </a:spcAft>
+              <a:buClrTx/>
+              <a:buSzPct val="100000"/>
+              <a:buFont typeface="Arial" panose="020B0604020202020204" pitchFamily="34" charset="0"/>
+              <a:buChar char="•"/>
+              <a:tabLst/>
+            </a:pPr>
+            <a:r>
+              <a:rPr lang="zh-TW" altLang="en-US" dirty="0" smtClean="0"/>
+              <a:t>第四層</a:t>
+            </a:r>
+          </a:p>
+          <a:p>
+            <a:pPr marL="1971675" marR="0" lvl="4" indent="-325754" algn="l" defTabSz="411480" rtl="0" latinLnBrk="0">
+              <a:lnSpc>
+                <a:spcPct val="100000"/>
+              </a:lnSpc>
+              <a:spcBef>
+                <a:spcPts val="450"/>
+              </a:spcBef>
+              <a:spcAft>
+                <a:spcPts val="0"/>
+              </a:spcAft>
+              <a:buClrTx/>
+              <a:buSzPct val="100000"/>
+              <a:buFont typeface="微軟正黑體" panose="020B0604030504040204" pitchFamily="34" charset="-120"/>
+              <a:buChar char="‐"/>
+              <a:tabLst/>
+            </a:pPr>
+            <a:r>
+              <a:rPr lang="zh-TW" altLang="en-US" dirty="0" smtClean="0"/>
+              <a:t>第五層</a:t>
+            </a:r>
+            <a:endParaRPr lang="zh-TW" altLang="en-US" dirty="0"/>
+          </a:p>
+        </p:txBody>
+      </p:sp>
+      <p:sp>
+        <p:nvSpPr>
+          <p:cNvPr id="20" name="直線接點 14">
+            <a:extLst>
+              <a:ext uri="{FF2B5EF4-FFF2-40B4-BE49-F238E27FC236}">
+                <a16:creationId xmlns:a16="http://schemas.microsoft.com/office/drawing/2014/main" xmlns="" id="{A330F768-6149-924A-A6C1-C67622648341}"/>
+              </a:ext>
+            </a:extLst>
+          </p:cNvPr>
+          <p:cNvSpPr/>
+          <p:nvPr userDrawn="1"/>
+        </p:nvSpPr>
+        <p:spPr>
+          <a:xfrm flipV="1">
+            <a:off x="319201" y="3608460"/>
+            <a:ext cx="8441889" cy="1"/>
+          </a:xfrm>
+          <a:prstGeom prst="line">
+            <a:avLst/>
+          </a:prstGeom>
+          <a:ln w="19050">
+            <a:solidFill>
+              <a:srgbClr val="0070C0"/>
+            </a:solidFill>
+          </a:ln>
+        </p:spPr>
+        <p:txBody>
+          <a:bodyPr lIns="34289" tIns="34289" rIns="34289" bIns="34289"/>
+          <a:lstStyle/>
+          <a:p>
+            <a:endParaRPr sz="1650"/>
+          </a:p>
+        </p:txBody>
+      </p:sp>
     </p:spTree>
     <p:extLst>
       <p:ext uri="{BB962C8B-B14F-4D97-AF65-F5344CB8AC3E}">
@@ -6798,7 +7442,7 @@
 </p:sldLayout>
 </file>
 
-<file path=ppt/slideLayouts/slideLayout9.xml><?xml version="1.0" encoding="utf-8"?>
+<file path=ppt/slideLayouts/slideLayout8.xml><?xml version="1.0" encoding="utf-8"?>
 <p:sldLayout xmlns:a="http://schemas.openxmlformats.org/drawingml/2006/main" xmlns:r="http://schemas.openxmlformats.org/officeDocument/2006/relationships" xmlns:p="http://schemas.openxmlformats.org/presentationml/2006/main" showMasterSp="0" preserve="1" userDrawn="1">
   <p:cSld name="左右二欄式">
     <p:spTree>
@@ -6820,7 +7464,7 @@
           <p:cNvPr id="20" name="圖片 19">
             <a:extLst>
               <a:ext uri="{FF2B5EF4-FFF2-40B4-BE49-F238E27FC236}">
-                <a16:creationId xmlns="" xmlns:a16="http://schemas.microsoft.com/office/drawing/2014/main" id="{E9EA618F-9FCC-BE4D-ACD1-9823326DD004}"/>
+                <a16:creationId xmlns:a16="http://schemas.microsoft.com/office/drawing/2014/main" xmlns="" id="{E9EA618F-9FCC-BE4D-ACD1-9823326DD004}"/>
               </a:ext>
             </a:extLst>
           </p:cNvPr>
@@ -6856,7 +7500,7 @@
           <p:cNvPr id="7" name="直線接點 14">
             <a:extLst>
               <a:ext uri="{FF2B5EF4-FFF2-40B4-BE49-F238E27FC236}">
-                <a16:creationId xmlns="" xmlns:a16="http://schemas.microsoft.com/office/drawing/2014/main" id="{A330F768-6149-924A-A6C1-C67622648341}"/>
+                <a16:creationId xmlns:a16="http://schemas.microsoft.com/office/drawing/2014/main" xmlns="" id="{A330F768-6149-924A-A6C1-C67622648341}"/>
               </a:ext>
             </a:extLst>
           </p:cNvPr>
@@ -6890,7 +7534,7 @@
           <p:cNvPr id="9" name="矩形 11">
             <a:extLst>
               <a:ext uri="{FF2B5EF4-FFF2-40B4-BE49-F238E27FC236}">
-                <a16:creationId xmlns="" xmlns:a16="http://schemas.microsoft.com/office/drawing/2014/main" id="{5C8C796F-2CF9-A545-B362-62B5FE55C56E}"/>
+                <a16:creationId xmlns:a16="http://schemas.microsoft.com/office/drawing/2014/main" xmlns="" id="{5C8C796F-2CF9-A545-B362-62B5FE55C56E}"/>
               </a:ext>
             </a:extLst>
           </p:cNvPr>
@@ -6932,7 +7576,7 @@
           <p:cNvPr id="17" name="直線接點 14">
             <a:extLst>
               <a:ext uri="{FF2B5EF4-FFF2-40B4-BE49-F238E27FC236}">
-                <a16:creationId xmlns="" xmlns:a16="http://schemas.microsoft.com/office/drawing/2014/main" id="{C322ED6B-6D58-F94B-9F6B-9AA2A6E5BA88}"/>
+                <a16:creationId xmlns:a16="http://schemas.microsoft.com/office/drawing/2014/main" xmlns="" id="{C322ED6B-6D58-F94B-9F6B-9AA2A6E5BA88}"/>
               </a:ext>
             </a:extLst>
           </p:cNvPr>
@@ -6996,7 +7640,7 @@
             <a:fld id="{6EE6BEA6-2132-493E-8E24-60BAB5BAA7F6}" type="datetime1">
               <a:rPr lang="zh-TW" altLang="en-US" smtClean="0"/>
               <a:pPr/>
-              <a:t>2020/6/19</a:t>
+              <a:t>2020/6/20</a:t>
             </a:fld>
             <a:endParaRPr lang="zh-TW" altLang="en-US" dirty="0"/>
           </a:p>
@@ -7082,520 +7726,6 @@
       </p:sp>
       <p:sp>
         <p:nvSpPr>
-          <p:cNvPr id="14" name="內容版面配置區 2"/>
-          <p:cNvSpPr>
-            <a:spLocks noGrp="1"/>
-          </p:cNvSpPr>
-          <p:nvPr>
-            <p:ph idx="1"/>
-          </p:nvPr>
-        </p:nvSpPr>
-        <p:spPr>
-          <a:xfrm>
-            <a:off x="160866" y="1008313"/>
-            <a:ext cx="4106334" cy="5248554"/>
-          </a:xfrm>
-          <a:prstGeom prst="rect">
-            <a:avLst/>
-          </a:prstGeom>
-        </p:spPr>
-        <p:txBody>
-          <a:bodyPr>
-            <a:normAutofit/>
-          </a:bodyPr>
-          <a:lstStyle>
-            <a:lvl1pPr>
-              <a:lnSpc>
-                <a:spcPct val="100000"/>
-              </a:lnSpc>
-              <a:spcBef>
-                <a:spcPts val="450"/>
-              </a:spcBef>
-              <a:defRPr lang="zh-TW" altLang="en-US" sz="2400" b="0" i="0" u="none" strike="noStrike" cap="none" spc="0" baseline="0" dirty="0" smtClean="0">
-                <a:ln>
-                  <a:noFill/>
-                </a:ln>
-                <a:solidFill>
-                  <a:srgbClr val="000000"/>
-                </a:solidFill>
-                <a:uFillTx/>
-                <a:latin typeface="Microsoft JhengHei" panose="020B0604030504040204" pitchFamily="34" charset="-120"/>
-                <a:ea typeface="Microsoft JhengHei" panose="020B0604030504040204" pitchFamily="34" charset="-120"/>
-                <a:cs typeface="+mn-cs"/>
-                <a:sym typeface="Calibri"/>
-              </a:defRPr>
-            </a:lvl1pPr>
-            <a:lvl2pPr marL="698911" indent="-287430">
-              <a:lnSpc>
-                <a:spcPct val="100000"/>
-              </a:lnSpc>
-              <a:spcBef>
-                <a:spcPts val="450"/>
-              </a:spcBef>
-              <a:buFont typeface="Wingdings" panose="05000000000000000000" pitchFamily="2" charset="2"/>
-              <a:buChar char="l"/>
-              <a:defRPr lang="zh-TW" altLang="en-US" sz="2000" b="0" i="0" u="none" strike="noStrike" cap="none" spc="0" baseline="0" dirty="0" smtClean="0">
-                <a:ln>
-                  <a:noFill/>
-                </a:ln>
-                <a:solidFill>
-                  <a:srgbClr val="000000"/>
-                </a:solidFill>
-                <a:uFillTx/>
-                <a:latin typeface="+mn-ea"/>
-                <a:ea typeface="+mn-ea"/>
-                <a:cs typeface="+mn-cs"/>
-                <a:sym typeface="Calibri"/>
-              </a:defRPr>
-            </a:lvl2pPr>
-            <a:lvl3pPr marL="1092549" indent="-269590">
-              <a:lnSpc>
-                <a:spcPct val="100000"/>
-              </a:lnSpc>
-              <a:spcBef>
-                <a:spcPts val="450"/>
-              </a:spcBef>
-              <a:buFont typeface="Wingdings" panose="05000000000000000000" pitchFamily="2" charset="2"/>
-              <a:buChar char="n"/>
-              <a:defRPr lang="zh-TW" altLang="en-US" sz="1800" b="0" i="0" u="none" strike="noStrike" cap="none" spc="0" baseline="0" dirty="0" smtClean="0">
-                <a:ln>
-                  <a:noFill/>
-                </a:ln>
-                <a:solidFill>
-                  <a:srgbClr val="000000"/>
-                </a:solidFill>
-                <a:uFillTx/>
-                <a:latin typeface="+mn-ea"/>
-                <a:ea typeface="+mn-ea"/>
-                <a:cs typeface="+mn-cs"/>
-                <a:sym typeface="Calibri"/>
-              </a:defRPr>
-            </a:lvl3pPr>
-            <a:lvl4pPr marL="1560195" indent="-325754">
-              <a:lnSpc>
-                <a:spcPct val="100000"/>
-              </a:lnSpc>
-              <a:spcBef>
-                <a:spcPts val="450"/>
-              </a:spcBef>
-              <a:buFont typeface="Wingdings" panose="05000000000000000000" pitchFamily="2" charset="2"/>
-              <a:buChar char="ü"/>
-              <a:defRPr lang="zh-TW" altLang="en-US" sz="1600" b="0" i="0" u="none" strike="noStrike" cap="none" spc="0" baseline="0" dirty="0" smtClean="0">
-                <a:ln>
-                  <a:noFill/>
-                </a:ln>
-                <a:solidFill>
-                  <a:srgbClr val="000000"/>
-                </a:solidFill>
-                <a:uFillTx/>
-                <a:latin typeface="+mn-ea"/>
-                <a:ea typeface="+mn-ea"/>
-                <a:cs typeface="+mn-cs"/>
-                <a:sym typeface="Calibri"/>
-              </a:defRPr>
-            </a:lvl4pPr>
-            <a:lvl5pPr marL="1860233" indent="-214313">
-              <a:lnSpc>
-                <a:spcPct val="100000"/>
-              </a:lnSpc>
-              <a:spcBef>
-                <a:spcPts val="450"/>
-              </a:spcBef>
-              <a:buFont typeface="Arial" panose="020B0604020202020204" pitchFamily="34" charset="0"/>
-              <a:buChar char="•"/>
-              <a:defRPr lang="zh-TW" altLang="en-US" sz="1600" b="0" i="0" u="none" strike="noStrike" cap="none" spc="0" baseline="0" dirty="0">
-                <a:ln>
-                  <a:noFill/>
-                </a:ln>
-                <a:solidFill>
-                  <a:srgbClr val="000000"/>
-                </a:solidFill>
-                <a:uFillTx/>
-                <a:latin typeface="+mn-ea"/>
-                <a:ea typeface="+mn-ea"/>
-                <a:cs typeface="+mn-cs"/>
-                <a:sym typeface="Calibri"/>
-              </a:defRPr>
-            </a:lvl5pPr>
-          </a:lstStyle>
-          <a:p>
-            <a:pPr marL="257175" marR="0" lvl="0" indent="-257175" algn="l" defTabSz="411480" rtl="0" latinLnBrk="0">
-              <a:lnSpc>
-                <a:spcPct val="100000"/>
-              </a:lnSpc>
-              <a:spcBef>
-                <a:spcPts val="450"/>
-              </a:spcBef>
-              <a:spcAft>
-                <a:spcPts val="0"/>
-              </a:spcAft>
-              <a:buClrTx/>
-              <a:buSzPct val="100000"/>
-              <a:buFontTx/>
-              <a:buBlip>
-                <a:blip r:embed="rId3"/>
-              </a:buBlip>
-              <a:tabLst/>
-            </a:pPr>
-            <a:r>
-              <a:rPr lang="zh-TW" altLang="en-US" dirty="0"/>
-              <a:t>按一下以編輯母片文字</a:t>
-            </a:r>
-            <a:r>
-              <a:rPr lang="zh-TW" altLang="en-US" dirty="0" smtClean="0"/>
-              <a:t>樣式</a:t>
-            </a:r>
-          </a:p>
-          <a:p>
-            <a:pPr marL="698911" marR="0" lvl="1" indent="-287430" algn="l" defTabSz="411480" rtl="0" latinLnBrk="0">
-              <a:lnSpc>
-                <a:spcPct val="100000"/>
-              </a:lnSpc>
-              <a:spcBef>
-                <a:spcPts val="450"/>
-              </a:spcBef>
-              <a:spcAft>
-                <a:spcPts val="0"/>
-              </a:spcAft>
-              <a:buClrTx/>
-              <a:buSzPct val="100000"/>
-              <a:buFont typeface="Wingdings" panose="05000000000000000000" pitchFamily="2" charset="2"/>
-              <a:buChar char="l"/>
-              <a:tabLst/>
-            </a:pPr>
-            <a:r>
-              <a:rPr lang="zh-TW" altLang="en-US" dirty="0" smtClean="0"/>
-              <a:t>第二層</a:t>
-            </a:r>
-          </a:p>
-          <a:p>
-            <a:pPr marL="1092549" marR="0" lvl="2" indent="-269590" algn="l" defTabSz="411480" rtl="0" latinLnBrk="0">
-              <a:lnSpc>
-                <a:spcPct val="100000"/>
-              </a:lnSpc>
-              <a:spcBef>
-                <a:spcPts val="450"/>
-              </a:spcBef>
-              <a:spcAft>
-                <a:spcPts val="0"/>
-              </a:spcAft>
-              <a:buClrTx/>
-              <a:buSzPct val="100000"/>
-              <a:buFont typeface="Wingdings" panose="05000000000000000000" pitchFamily="2" charset="2"/>
-              <a:buChar char="ü"/>
-              <a:tabLst/>
-            </a:pPr>
-            <a:r>
-              <a:rPr lang="zh-TW" altLang="en-US" dirty="0" smtClean="0"/>
-              <a:t>第三層</a:t>
-            </a:r>
-          </a:p>
-          <a:p>
-            <a:pPr marL="1560195" marR="0" lvl="3" indent="-325754" algn="l" defTabSz="411480" rtl="0" latinLnBrk="0">
-              <a:lnSpc>
-                <a:spcPct val="100000"/>
-              </a:lnSpc>
-              <a:spcBef>
-                <a:spcPts val="450"/>
-              </a:spcBef>
-              <a:spcAft>
-                <a:spcPts val="0"/>
-              </a:spcAft>
-              <a:buClrTx/>
-              <a:buSzPct val="100000"/>
-              <a:buFont typeface="Arial" panose="020B0604020202020204" pitchFamily="34" charset="0"/>
-              <a:buChar char="•"/>
-              <a:tabLst/>
-            </a:pPr>
-            <a:r>
-              <a:rPr lang="zh-TW" altLang="en-US" dirty="0" smtClean="0"/>
-              <a:t>第四層</a:t>
-            </a:r>
-          </a:p>
-          <a:p>
-            <a:pPr marL="1971675" marR="0" lvl="4" indent="-325754" algn="l" defTabSz="411480" rtl="0" latinLnBrk="0">
-              <a:lnSpc>
-                <a:spcPct val="100000"/>
-              </a:lnSpc>
-              <a:spcBef>
-                <a:spcPts val="450"/>
-              </a:spcBef>
-              <a:spcAft>
-                <a:spcPts val="0"/>
-              </a:spcAft>
-              <a:buClrTx/>
-              <a:buSzPct val="100000"/>
-              <a:buFont typeface="微軟正黑體" panose="020B0604030504040204" pitchFamily="34" charset="-120"/>
-              <a:buChar char="‐"/>
-              <a:tabLst/>
-            </a:pPr>
-            <a:r>
-              <a:rPr lang="zh-TW" altLang="en-US" dirty="0" smtClean="0"/>
-              <a:t>第五層</a:t>
-            </a:r>
-            <a:endParaRPr lang="zh-TW" altLang="en-US" dirty="0"/>
-          </a:p>
-        </p:txBody>
-      </p:sp>
-      <p:sp>
-        <p:nvSpPr>
-          <p:cNvPr id="16" name="內容版面配置區 2"/>
-          <p:cNvSpPr>
-            <a:spLocks noGrp="1"/>
-          </p:cNvSpPr>
-          <p:nvPr>
-            <p:ph idx="23"/>
-          </p:nvPr>
-        </p:nvSpPr>
-        <p:spPr>
-          <a:xfrm>
-            <a:off x="4694766" y="1021013"/>
-            <a:ext cx="4106334" cy="5248554"/>
-          </a:xfrm>
-          <a:prstGeom prst="rect">
-            <a:avLst/>
-          </a:prstGeom>
-        </p:spPr>
-        <p:txBody>
-          <a:bodyPr>
-            <a:normAutofit/>
-          </a:bodyPr>
-          <a:lstStyle>
-            <a:lvl1pPr>
-              <a:lnSpc>
-                <a:spcPct val="100000"/>
-              </a:lnSpc>
-              <a:spcBef>
-                <a:spcPts val="450"/>
-              </a:spcBef>
-              <a:defRPr lang="zh-TW" altLang="en-US" sz="2400" b="0" i="0" u="none" strike="noStrike" cap="none" spc="0" baseline="0" dirty="0" smtClean="0">
-                <a:ln>
-                  <a:noFill/>
-                </a:ln>
-                <a:solidFill>
-                  <a:srgbClr val="000000"/>
-                </a:solidFill>
-                <a:uFillTx/>
-                <a:latin typeface="Microsoft JhengHei" panose="020B0604030504040204" pitchFamily="34" charset="-120"/>
-                <a:ea typeface="Microsoft JhengHei" panose="020B0604030504040204" pitchFamily="34" charset="-120"/>
-                <a:cs typeface="+mn-cs"/>
-                <a:sym typeface="Calibri"/>
-              </a:defRPr>
-            </a:lvl1pPr>
-            <a:lvl2pPr marL="698911" indent="-287430">
-              <a:lnSpc>
-                <a:spcPct val="100000"/>
-              </a:lnSpc>
-              <a:spcBef>
-                <a:spcPts val="450"/>
-              </a:spcBef>
-              <a:buFont typeface="Wingdings" panose="05000000000000000000" pitchFamily="2" charset="2"/>
-              <a:buChar char="l"/>
-              <a:defRPr lang="zh-TW" altLang="en-US" sz="2000" b="0" i="0" u="none" strike="noStrike" cap="none" spc="0" baseline="0" dirty="0" smtClean="0">
-                <a:ln>
-                  <a:noFill/>
-                </a:ln>
-                <a:solidFill>
-                  <a:srgbClr val="000000"/>
-                </a:solidFill>
-                <a:uFillTx/>
-                <a:latin typeface="+mn-ea"/>
-                <a:ea typeface="+mn-ea"/>
-                <a:cs typeface="+mn-cs"/>
-                <a:sym typeface="Calibri"/>
-              </a:defRPr>
-            </a:lvl2pPr>
-            <a:lvl3pPr marL="1092549" indent="-269590">
-              <a:lnSpc>
-                <a:spcPct val="100000"/>
-              </a:lnSpc>
-              <a:spcBef>
-                <a:spcPts val="450"/>
-              </a:spcBef>
-              <a:buFont typeface="Wingdings" panose="05000000000000000000" pitchFamily="2" charset="2"/>
-              <a:buChar char="n"/>
-              <a:defRPr lang="zh-TW" altLang="en-US" sz="1800" b="0" i="0" u="none" strike="noStrike" cap="none" spc="0" baseline="0" dirty="0" smtClean="0">
-                <a:ln>
-                  <a:noFill/>
-                </a:ln>
-                <a:solidFill>
-                  <a:srgbClr val="000000"/>
-                </a:solidFill>
-                <a:uFillTx/>
-                <a:latin typeface="+mn-ea"/>
-                <a:ea typeface="+mn-ea"/>
-                <a:cs typeface="+mn-cs"/>
-                <a:sym typeface="Calibri"/>
-              </a:defRPr>
-            </a:lvl3pPr>
-            <a:lvl4pPr marL="1560195" indent="-325754">
-              <a:lnSpc>
-                <a:spcPct val="100000"/>
-              </a:lnSpc>
-              <a:spcBef>
-                <a:spcPts val="450"/>
-              </a:spcBef>
-              <a:buFont typeface="Wingdings" panose="05000000000000000000" pitchFamily="2" charset="2"/>
-              <a:buChar char="ü"/>
-              <a:defRPr lang="zh-TW" altLang="en-US" sz="1600" b="0" i="0" u="none" strike="noStrike" cap="none" spc="0" baseline="0" dirty="0" smtClean="0">
-                <a:ln>
-                  <a:noFill/>
-                </a:ln>
-                <a:solidFill>
-                  <a:srgbClr val="000000"/>
-                </a:solidFill>
-                <a:uFillTx/>
-                <a:latin typeface="+mn-ea"/>
-                <a:ea typeface="+mn-ea"/>
-                <a:cs typeface="+mn-cs"/>
-                <a:sym typeface="Calibri"/>
-              </a:defRPr>
-            </a:lvl4pPr>
-            <a:lvl5pPr marL="1860233" indent="-214313">
-              <a:lnSpc>
-                <a:spcPct val="100000"/>
-              </a:lnSpc>
-              <a:spcBef>
-                <a:spcPts val="450"/>
-              </a:spcBef>
-              <a:buFont typeface="Arial" panose="020B0604020202020204" pitchFamily="34" charset="0"/>
-              <a:buChar char="•"/>
-              <a:defRPr lang="zh-TW" altLang="en-US" sz="1600" b="0" i="0" u="none" strike="noStrike" cap="none" spc="0" baseline="0" dirty="0">
-                <a:ln>
-                  <a:noFill/>
-                </a:ln>
-                <a:solidFill>
-                  <a:srgbClr val="000000"/>
-                </a:solidFill>
-                <a:uFillTx/>
-                <a:latin typeface="+mn-ea"/>
-                <a:ea typeface="+mn-ea"/>
-                <a:cs typeface="+mn-cs"/>
-                <a:sym typeface="Calibri"/>
-              </a:defRPr>
-            </a:lvl5pPr>
-          </a:lstStyle>
-          <a:p>
-            <a:pPr marL="257175" marR="0" lvl="0" indent="-257175" algn="l" defTabSz="411480" rtl="0" latinLnBrk="0">
-              <a:lnSpc>
-                <a:spcPct val="100000"/>
-              </a:lnSpc>
-              <a:spcBef>
-                <a:spcPts val="450"/>
-              </a:spcBef>
-              <a:spcAft>
-                <a:spcPts val="0"/>
-              </a:spcAft>
-              <a:buClrTx/>
-              <a:buSzPct val="100000"/>
-              <a:buFontTx/>
-              <a:buBlip>
-                <a:blip r:embed="rId3"/>
-              </a:buBlip>
-              <a:tabLst/>
-            </a:pPr>
-            <a:r>
-              <a:rPr lang="zh-TW" altLang="en-US" dirty="0"/>
-              <a:t>按一下以編輯母片文字</a:t>
-            </a:r>
-            <a:r>
-              <a:rPr lang="zh-TW" altLang="en-US" dirty="0" smtClean="0"/>
-              <a:t>樣式</a:t>
-            </a:r>
-          </a:p>
-          <a:p>
-            <a:pPr marL="698911" marR="0" lvl="1" indent="-287430" algn="l" defTabSz="411480" rtl="0" latinLnBrk="0">
-              <a:lnSpc>
-                <a:spcPct val="100000"/>
-              </a:lnSpc>
-              <a:spcBef>
-                <a:spcPts val="450"/>
-              </a:spcBef>
-              <a:spcAft>
-                <a:spcPts val="0"/>
-              </a:spcAft>
-              <a:buClrTx/>
-              <a:buSzPct val="100000"/>
-              <a:buFont typeface="Wingdings" panose="05000000000000000000" pitchFamily="2" charset="2"/>
-              <a:buChar char="l"/>
-              <a:tabLst/>
-            </a:pPr>
-            <a:r>
-              <a:rPr lang="zh-TW" altLang="en-US" dirty="0" smtClean="0"/>
-              <a:t>第二層</a:t>
-            </a:r>
-          </a:p>
-          <a:p>
-            <a:pPr marL="1092549" marR="0" lvl="2" indent="-269590" algn="l" defTabSz="411480" rtl="0" latinLnBrk="0">
-              <a:lnSpc>
-                <a:spcPct val="100000"/>
-              </a:lnSpc>
-              <a:spcBef>
-                <a:spcPts val="450"/>
-              </a:spcBef>
-              <a:spcAft>
-                <a:spcPts val="0"/>
-              </a:spcAft>
-              <a:buClrTx/>
-              <a:buSzPct val="100000"/>
-              <a:buFont typeface="Wingdings" panose="05000000000000000000" pitchFamily="2" charset="2"/>
-              <a:buChar char="ü"/>
-              <a:tabLst/>
-            </a:pPr>
-            <a:r>
-              <a:rPr lang="zh-TW" altLang="en-US" dirty="0" smtClean="0"/>
-              <a:t>第三層</a:t>
-            </a:r>
-          </a:p>
-          <a:p>
-            <a:pPr marL="1560195" marR="0" lvl="3" indent="-325754" algn="l" defTabSz="411480" rtl="0" latinLnBrk="0">
-              <a:lnSpc>
-                <a:spcPct val="100000"/>
-              </a:lnSpc>
-              <a:spcBef>
-                <a:spcPts val="450"/>
-              </a:spcBef>
-              <a:spcAft>
-                <a:spcPts val="0"/>
-              </a:spcAft>
-              <a:buClrTx/>
-              <a:buSzPct val="100000"/>
-              <a:buFont typeface="Arial" panose="020B0604020202020204" pitchFamily="34" charset="0"/>
-              <a:buChar char="•"/>
-              <a:tabLst/>
-            </a:pPr>
-            <a:r>
-              <a:rPr lang="zh-TW" altLang="en-US" dirty="0" smtClean="0"/>
-              <a:t>第四層</a:t>
-            </a:r>
-          </a:p>
-          <a:p>
-            <a:pPr marL="1971675" marR="0" lvl="4" indent="-325754" algn="l" defTabSz="411480" rtl="0" latinLnBrk="0">
-              <a:lnSpc>
-                <a:spcPct val="100000"/>
-              </a:lnSpc>
-              <a:spcBef>
-                <a:spcPts val="450"/>
-              </a:spcBef>
-              <a:spcAft>
-                <a:spcPts val="0"/>
-              </a:spcAft>
-              <a:buClrTx/>
-              <a:buSzPct val="100000"/>
-              <a:buFont typeface="微軟正黑體" panose="020B0604030504040204" pitchFamily="34" charset="-120"/>
-              <a:buChar char="‐"/>
-              <a:tabLst/>
-            </a:pPr>
-            <a:r>
-              <a:rPr lang="zh-TW" altLang="en-US" dirty="0" smtClean="0"/>
-              <a:t>第五層</a:t>
-            </a:r>
-            <a:endParaRPr lang="zh-TW" altLang="en-US" dirty="0"/>
-          </a:p>
-        </p:txBody>
-      </p:sp>
-      <p:sp>
-        <p:nvSpPr>
           <p:cNvPr id="13" name="標題 1"/>
           <p:cNvSpPr>
             <a:spLocks noGrp="1"/>
@@ -7656,10 +7786,1157 @@
           </a:p>
         </p:txBody>
       </p:sp>
+      <p:sp>
+        <p:nvSpPr>
+          <p:cNvPr id="15" name="文字版面配置區 12"/>
+          <p:cNvSpPr>
+            <a:spLocks noGrp="1"/>
+          </p:cNvSpPr>
+          <p:nvPr>
+            <p:ph type="body" sz="quarter" idx="26"/>
+          </p:nvPr>
+        </p:nvSpPr>
+        <p:spPr>
+          <a:xfrm>
+            <a:off x="4686300" y="994976"/>
+            <a:ext cx="4074790" cy="5248554"/>
+          </a:xfrm>
+          <a:prstGeom prst="rect">
+            <a:avLst/>
+          </a:prstGeom>
+        </p:spPr>
+        <p:txBody>
+          <a:bodyPr/>
+          <a:lstStyle>
+            <a:lvl1pPr marL="257175" marR="0" indent="-257175" algn="l" defTabSz="411480" rtl="0" latinLnBrk="0">
+              <a:lnSpc>
+                <a:spcPct val="100000"/>
+              </a:lnSpc>
+              <a:spcBef>
+                <a:spcPts val="450"/>
+              </a:spcBef>
+              <a:spcAft>
+                <a:spcPts val="0"/>
+              </a:spcAft>
+              <a:buClrTx/>
+              <a:buSzPct val="100000"/>
+              <a:buFontTx/>
+              <a:buBlip>
+                <a:blip r:embed="rId3"/>
+              </a:buBlip>
+              <a:tabLst/>
+              <a:defRPr lang="zh-TW" altLang="en-US" sz="2400" b="1" i="0" u="none" strike="noStrike" cap="none" spc="0" baseline="0" dirty="0" smtClean="0">
+                <a:ln>
+                  <a:noFill/>
+                </a:ln>
+                <a:solidFill>
+                  <a:srgbClr val="0033CC"/>
+                </a:solidFill>
+                <a:uFillTx/>
+                <a:latin typeface="Microsoft JhengHei" panose="020B0604030504040204" pitchFamily="34" charset="-120"/>
+                <a:ea typeface="Microsoft JhengHei" panose="020B0604030504040204" pitchFamily="34" charset="-120"/>
+                <a:cs typeface="+mn-cs"/>
+                <a:sym typeface="Calibri"/>
+              </a:defRPr>
+            </a:lvl1pPr>
+            <a:lvl2pPr marL="698911" marR="0" indent="-287430" algn="l" defTabSz="411480" rtl="0" latinLnBrk="0">
+              <a:lnSpc>
+                <a:spcPct val="100000"/>
+              </a:lnSpc>
+              <a:spcBef>
+                <a:spcPts val="450"/>
+              </a:spcBef>
+              <a:spcAft>
+                <a:spcPts val="0"/>
+              </a:spcAft>
+              <a:buClrTx/>
+              <a:buSzPct val="100000"/>
+              <a:buFont typeface="Wingdings" panose="05000000000000000000" pitchFamily="2" charset="2"/>
+              <a:buChar char="l"/>
+              <a:tabLst/>
+              <a:defRPr lang="zh-TW" altLang="en-US" sz="2000" b="1" i="0" u="none" strike="noStrike" cap="none" spc="0" baseline="0" dirty="0" smtClean="0">
+                <a:ln>
+                  <a:noFill/>
+                </a:ln>
+                <a:solidFill>
+                  <a:schemeClr val="accent6">
+                    <a:lumMod val="75000"/>
+                  </a:schemeClr>
+                </a:solidFill>
+                <a:uFillTx/>
+                <a:latin typeface="Microsoft JhengHei" panose="020B0604030504040204" pitchFamily="34" charset="-120"/>
+                <a:ea typeface="Microsoft JhengHei" panose="020B0604030504040204" pitchFamily="34" charset="-120"/>
+                <a:cs typeface="+mn-cs"/>
+                <a:sym typeface="Calibri"/>
+              </a:defRPr>
+            </a:lvl2pPr>
+            <a:lvl3pPr marL="1092549" marR="0" indent="-269590" algn="l" defTabSz="411480" rtl="0" latinLnBrk="0">
+              <a:lnSpc>
+                <a:spcPct val="100000"/>
+              </a:lnSpc>
+              <a:spcBef>
+                <a:spcPts val="450"/>
+              </a:spcBef>
+              <a:spcAft>
+                <a:spcPts val="0"/>
+              </a:spcAft>
+              <a:buClrTx/>
+              <a:buSzPct val="100000"/>
+              <a:buFont typeface="Wingdings" panose="05000000000000000000" pitchFamily="2" charset="2"/>
+              <a:buChar char="ü"/>
+              <a:tabLst/>
+              <a:defRPr lang="zh-TW" altLang="en-US" sz="1800" b="1" i="0" u="none" strike="noStrike" cap="none" spc="0" baseline="0" dirty="0" smtClean="0">
+                <a:ln>
+                  <a:noFill/>
+                </a:ln>
+                <a:solidFill>
+                  <a:srgbClr val="000000"/>
+                </a:solidFill>
+                <a:uFillTx/>
+                <a:latin typeface="Microsoft JhengHei" panose="020B0604030504040204" pitchFamily="34" charset="-120"/>
+                <a:ea typeface="Microsoft JhengHei" panose="020B0604030504040204" pitchFamily="34" charset="-120"/>
+                <a:cs typeface="+mn-cs"/>
+                <a:sym typeface="Calibri"/>
+              </a:defRPr>
+            </a:lvl3pPr>
+            <a:lvl4pPr marL="1560195" marR="0" indent="-325754" algn="l" defTabSz="411480" rtl="0" latinLnBrk="0">
+              <a:lnSpc>
+                <a:spcPct val="100000"/>
+              </a:lnSpc>
+              <a:spcBef>
+                <a:spcPts val="450"/>
+              </a:spcBef>
+              <a:spcAft>
+                <a:spcPts val="0"/>
+              </a:spcAft>
+              <a:buClrTx/>
+              <a:buSzPct val="100000"/>
+              <a:buFont typeface="Arial" panose="020B0604020202020204" pitchFamily="34" charset="0"/>
+              <a:buChar char="•"/>
+              <a:tabLst/>
+              <a:defRPr sz="1600"/>
+            </a:lvl4pPr>
+            <a:lvl5pPr marL="1971675" marR="0" indent="-325754" algn="l" defTabSz="411480" rtl="0" latinLnBrk="0">
+              <a:lnSpc>
+                <a:spcPct val="100000"/>
+              </a:lnSpc>
+              <a:spcBef>
+                <a:spcPts val="450"/>
+              </a:spcBef>
+              <a:spcAft>
+                <a:spcPts val="0"/>
+              </a:spcAft>
+              <a:buClrTx/>
+              <a:buSzPct val="100000"/>
+              <a:buFont typeface="微軟正黑體" panose="020B0604030504040204" pitchFamily="34" charset="-120"/>
+              <a:buChar char="‐"/>
+              <a:tabLst/>
+              <a:defRPr sz="1400"/>
+            </a:lvl5pPr>
+          </a:lstStyle>
+          <a:p>
+            <a:pPr marL="257175" marR="0" lvl="0" indent="-257175" algn="l" defTabSz="411480" rtl="0" latinLnBrk="0">
+              <a:lnSpc>
+                <a:spcPct val="100000"/>
+              </a:lnSpc>
+              <a:spcBef>
+                <a:spcPts val="450"/>
+              </a:spcBef>
+              <a:spcAft>
+                <a:spcPts val="0"/>
+              </a:spcAft>
+              <a:buClrTx/>
+              <a:buSzPct val="100000"/>
+              <a:buFontTx/>
+              <a:buBlip>
+                <a:blip r:embed="rId3"/>
+              </a:buBlip>
+              <a:tabLst/>
+            </a:pPr>
+            <a:r>
+              <a:rPr lang="zh-TW" altLang="en-US" dirty="0" smtClean="0"/>
+              <a:t>按一下以編輯母片文字樣式</a:t>
+            </a:r>
+          </a:p>
+          <a:p>
+            <a:pPr marL="698911" marR="0" lvl="1" indent="-287430" algn="l" defTabSz="411480" rtl="0" latinLnBrk="0">
+              <a:lnSpc>
+                <a:spcPct val="100000"/>
+              </a:lnSpc>
+              <a:spcBef>
+                <a:spcPts val="450"/>
+              </a:spcBef>
+              <a:spcAft>
+                <a:spcPts val="0"/>
+              </a:spcAft>
+              <a:buClrTx/>
+              <a:buSzPct val="100000"/>
+              <a:buFont typeface="Wingdings" panose="05000000000000000000" pitchFamily="2" charset="2"/>
+              <a:buChar char="l"/>
+              <a:tabLst/>
+            </a:pPr>
+            <a:r>
+              <a:rPr lang="zh-TW" altLang="en-US" dirty="0" smtClean="0"/>
+              <a:t>第二層</a:t>
+            </a:r>
+          </a:p>
+          <a:p>
+            <a:pPr marL="1092549" marR="0" lvl="2" indent="-269590" algn="l" defTabSz="411480" rtl="0" latinLnBrk="0">
+              <a:lnSpc>
+                <a:spcPct val="100000"/>
+              </a:lnSpc>
+              <a:spcBef>
+                <a:spcPts val="450"/>
+              </a:spcBef>
+              <a:spcAft>
+                <a:spcPts val="0"/>
+              </a:spcAft>
+              <a:buClrTx/>
+              <a:buSzPct val="100000"/>
+              <a:buFont typeface="Wingdings" panose="05000000000000000000" pitchFamily="2" charset="2"/>
+              <a:buChar char="ü"/>
+              <a:tabLst/>
+            </a:pPr>
+            <a:r>
+              <a:rPr lang="zh-TW" altLang="en-US" dirty="0" smtClean="0"/>
+              <a:t>第三層</a:t>
+            </a:r>
+          </a:p>
+          <a:p>
+            <a:pPr marL="1560195" marR="0" lvl="3" indent="-325754" algn="l" defTabSz="411480" rtl="0" latinLnBrk="0">
+              <a:lnSpc>
+                <a:spcPct val="100000"/>
+              </a:lnSpc>
+              <a:spcBef>
+                <a:spcPts val="450"/>
+              </a:spcBef>
+              <a:spcAft>
+                <a:spcPts val="0"/>
+              </a:spcAft>
+              <a:buClrTx/>
+              <a:buSzPct val="100000"/>
+              <a:buFont typeface="Arial" panose="020B0604020202020204" pitchFamily="34" charset="0"/>
+              <a:buChar char="•"/>
+              <a:tabLst/>
+            </a:pPr>
+            <a:r>
+              <a:rPr lang="zh-TW" altLang="en-US" dirty="0" smtClean="0"/>
+              <a:t>第四層</a:t>
+            </a:r>
+          </a:p>
+          <a:p>
+            <a:pPr marL="1971675" marR="0" lvl="4" indent="-325754" algn="l" defTabSz="411480" rtl="0" latinLnBrk="0">
+              <a:lnSpc>
+                <a:spcPct val="100000"/>
+              </a:lnSpc>
+              <a:spcBef>
+                <a:spcPts val="450"/>
+              </a:spcBef>
+              <a:spcAft>
+                <a:spcPts val="0"/>
+              </a:spcAft>
+              <a:buClrTx/>
+              <a:buSzPct val="100000"/>
+              <a:buFont typeface="微軟正黑體" panose="020B0604030504040204" pitchFamily="34" charset="-120"/>
+              <a:buChar char="‐"/>
+              <a:tabLst/>
+            </a:pPr>
+            <a:r>
+              <a:rPr lang="zh-TW" altLang="en-US" dirty="0" smtClean="0"/>
+              <a:t>第五層</a:t>
+            </a:r>
+            <a:endParaRPr lang="zh-TW" altLang="en-US" dirty="0"/>
+          </a:p>
+        </p:txBody>
+      </p:sp>
+      <p:sp>
+        <p:nvSpPr>
+          <p:cNvPr id="18" name="文字版面配置區 12"/>
+          <p:cNvSpPr>
+            <a:spLocks noGrp="1"/>
+          </p:cNvSpPr>
+          <p:nvPr>
+            <p:ph type="body" sz="quarter" idx="27"/>
+          </p:nvPr>
+        </p:nvSpPr>
+        <p:spPr>
+          <a:xfrm>
+            <a:off x="317500" y="994976"/>
+            <a:ext cx="4074790" cy="5273954"/>
+          </a:xfrm>
+          <a:prstGeom prst="rect">
+            <a:avLst/>
+          </a:prstGeom>
+        </p:spPr>
+        <p:txBody>
+          <a:bodyPr/>
+          <a:lstStyle>
+            <a:lvl1pPr marL="257175" marR="0" indent="-257175" algn="l" defTabSz="411480" rtl="0" latinLnBrk="0">
+              <a:lnSpc>
+                <a:spcPct val="100000"/>
+              </a:lnSpc>
+              <a:spcBef>
+                <a:spcPts val="450"/>
+              </a:spcBef>
+              <a:spcAft>
+                <a:spcPts val="0"/>
+              </a:spcAft>
+              <a:buClrTx/>
+              <a:buSzPct val="100000"/>
+              <a:buFontTx/>
+              <a:buBlip>
+                <a:blip r:embed="rId3"/>
+              </a:buBlip>
+              <a:tabLst/>
+              <a:defRPr lang="zh-TW" altLang="en-US" sz="2400" b="1" i="0" u="none" strike="noStrike" cap="none" spc="0" baseline="0" dirty="0" smtClean="0">
+                <a:ln>
+                  <a:noFill/>
+                </a:ln>
+                <a:solidFill>
+                  <a:srgbClr val="0033CC"/>
+                </a:solidFill>
+                <a:uFillTx/>
+                <a:latin typeface="Microsoft JhengHei" panose="020B0604030504040204" pitchFamily="34" charset="-120"/>
+                <a:ea typeface="Microsoft JhengHei" panose="020B0604030504040204" pitchFamily="34" charset="-120"/>
+                <a:cs typeface="+mn-cs"/>
+                <a:sym typeface="Calibri"/>
+              </a:defRPr>
+            </a:lvl1pPr>
+            <a:lvl2pPr marL="698911" marR="0" indent="-287430" algn="l" defTabSz="411480" rtl="0" latinLnBrk="0">
+              <a:lnSpc>
+                <a:spcPct val="100000"/>
+              </a:lnSpc>
+              <a:spcBef>
+                <a:spcPts val="450"/>
+              </a:spcBef>
+              <a:spcAft>
+                <a:spcPts val="0"/>
+              </a:spcAft>
+              <a:buClrTx/>
+              <a:buSzPct val="100000"/>
+              <a:buFont typeface="Wingdings" panose="05000000000000000000" pitchFamily="2" charset="2"/>
+              <a:buChar char="l"/>
+              <a:tabLst/>
+              <a:defRPr lang="zh-TW" altLang="en-US" sz="2000" b="1" i="0" u="none" strike="noStrike" cap="none" spc="0" baseline="0" dirty="0" smtClean="0">
+                <a:ln>
+                  <a:noFill/>
+                </a:ln>
+                <a:solidFill>
+                  <a:schemeClr val="accent6">
+                    <a:lumMod val="75000"/>
+                  </a:schemeClr>
+                </a:solidFill>
+                <a:uFillTx/>
+                <a:latin typeface="Microsoft JhengHei" panose="020B0604030504040204" pitchFamily="34" charset="-120"/>
+                <a:ea typeface="Microsoft JhengHei" panose="020B0604030504040204" pitchFamily="34" charset="-120"/>
+                <a:cs typeface="+mn-cs"/>
+                <a:sym typeface="Calibri"/>
+              </a:defRPr>
+            </a:lvl2pPr>
+            <a:lvl3pPr marL="1092549" marR="0" indent="-269590" algn="l" defTabSz="411480" rtl="0" latinLnBrk="0">
+              <a:lnSpc>
+                <a:spcPct val="100000"/>
+              </a:lnSpc>
+              <a:spcBef>
+                <a:spcPts val="450"/>
+              </a:spcBef>
+              <a:spcAft>
+                <a:spcPts val="0"/>
+              </a:spcAft>
+              <a:buClrTx/>
+              <a:buSzPct val="100000"/>
+              <a:buFont typeface="Wingdings" panose="05000000000000000000" pitchFamily="2" charset="2"/>
+              <a:buChar char="ü"/>
+              <a:tabLst/>
+              <a:defRPr lang="zh-TW" altLang="en-US" sz="1800" b="1" i="0" u="none" strike="noStrike" cap="none" spc="0" baseline="0" dirty="0" smtClean="0">
+                <a:ln>
+                  <a:noFill/>
+                </a:ln>
+                <a:solidFill>
+                  <a:srgbClr val="000000"/>
+                </a:solidFill>
+                <a:uFillTx/>
+                <a:latin typeface="Microsoft JhengHei" panose="020B0604030504040204" pitchFamily="34" charset="-120"/>
+                <a:ea typeface="Microsoft JhengHei" panose="020B0604030504040204" pitchFamily="34" charset="-120"/>
+                <a:cs typeface="+mn-cs"/>
+                <a:sym typeface="Calibri"/>
+              </a:defRPr>
+            </a:lvl3pPr>
+            <a:lvl4pPr marL="1560195" marR="0" indent="-325754" algn="l" defTabSz="411480" rtl="0" latinLnBrk="0">
+              <a:lnSpc>
+                <a:spcPct val="100000"/>
+              </a:lnSpc>
+              <a:spcBef>
+                <a:spcPts val="450"/>
+              </a:spcBef>
+              <a:spcAft>
+                <a:spcPts val="0"/>
+              </a:spcAft>
+              <a:buClrTx/>
+              <a:buSzPct val="100000"/>
+              <a:buFont typeface="Arial" panose="020B0604020202020204" pitchFamily="34" charset="0"/>
+              <a:buChar char="•"/>
+              <a:tabLst/>
+              <a:defRPr sz="1600"/>
+            </a:lvl4pPr>
+            <a:lvl5pPr marL="1971675" marR="0" indent="-325754" algn="l" defTabSz="411480" rtl="0" latinLnBrk="0">
+              <a:lnSpc>
+                <a:spcPct val="100000"/>
+              </a:lnSpc>
+              <a:spcBef>
+                <a:spcPts val="450"/>
+              </a:spcBef>
+              <a:spcAft>
+                <a:spcPts val="0"/>
+              </a:spcAft>
+              <a:buClrTx/>
+              <a:buSzPct val="100000"/>
+              <a:buFont typeface="微軟正黑體" panose="020B0604030504040204" pitchFamily="34" charset="-120"/>
+              <a:buChar char="‐"/>
+              <a:tabLst/>
+              <a:defRPr sz="1400"/>
+            </a:lvl5pPr>
+          </a:lstStyle>
+          <a:p>
+            <a:pPr marL="257175" marR="0" lvl="0" indent="-257175" algn="l" defTabSz="411480" rtl="0" latinLnBrk="0">
+              <a:lnSpc>
+                <a:spcPct val="100000"/>
+              </a:lnSpc>
+              <a:spcBef>
+                <a:spcPts val="450"/>
+              </a:spcBef>
+              <a:spcAft>
+                <a:spcPts val="0"/>
+              </a:spcAft>
+              <a:buClrTx/>
+              <a:buSzPct val="100000"/>
+              <a:buFontTx/>
+              <a:buBlip>
+                <a:blip r:embed="rId3"/>
+              </a:buBlip>
+              <a:tabLst/>
+            </a:pPr>
+            <a:r>
+              <a:rPr lang="zh-TW" altLang="en-US" dirty="0" smtClean="0"/>
+              <a:t>按一下以編輯母片文字樣式</a:t>
+            </a:r>
+          </a:p>
+          <a:p>
+            <a:pPr marL="698911" marR="0" lvl="1" indent="-287430" algn="l" defTabSz="411480" rtl="0" latinLnBrk="0">
+              <a:lnSpc>
+                <a:spcPct val="100000"/>
+              </a:lnSpc>
+              <a:spcBef>
+                <a:spcPts val="450"/>
+              </a:spcBef>
+              <a:spcAft>
+                <a:spcPts val="0"/>
+              </a:spcAft>
+              <a:buClrTx/>
+              <a:buSzPct val="100000"/>
+              <a:buFont typeface="Wingdings" panose="05000000000000000000" pitchFamily="2" charset="2"/>
+              <a:buChar char="l"/>
+              <a:tabLst/>
+            </a:pPr>
+            <a:r>
+              <a:rPr lang="zh-TW" altLang="en-US" dirty="0" smtClean="0"/>
+              <a:t>第二層</a:t>
+            </a:r>
+          </a:p>
+          <a:p>
+            <a:pPr marL="1092549" marR="0" lvl="2" indent="-269590" algn="l" defTabSz="411480" rtl="0" latinLnBrk="0">
+              <a:lnSpc>
+                <a:spcPct val="100000"/>
+              </a:lnSpc>
+              <a:spcBef>
+                <a:spcPts val="450"/>
+              </a:spcBef>
+              <a:spcAft>
+                <a:spcPts val="0"/>
+              </a:spcAft>
+              <a:buClrTx/>
+              <a:buSzPct val="100000"/>
+              <a:buFont typeface="Wingdings" panose="05000000000000000000" pitchFamily="2" charset="2"/>
+              <a:buChar char="ü"/>
+              <a:tabLst/>
+            </a:pPr>
+            <a:r>
+              <a:rPr lang="zh-TW" altLang="en-US" dirty="0" smtClean="0"/>
+              <a:t>第三層</a:t>
+            </a:r>
+          </a:p>
+          <a:p>
+            <a:pPr marL="1560195" marR="0" lvl="3" indent="-325754" algn="l" defTabSz="411480" rtl="0" latinLnBrk="0">
+              <a:lnSpc>
+                <a:spcPct val="100000"/>
+              </a:lnSpc>
+              <a:spcBef>
+                <a:spcPts val="450"/>
+              </a:spcBef>
+              <a:spcAft>
+                <a:spcPts val="0"/>
+              </a:spcAft>
+              <a:buClrTx/>
+              <a:buSzPct val="100000"/>
+              <a:buFont typeface="Arial" panose="020B0604020202020204" pitchFamily="34" charset="0"/>
+              <a:buChar char="•"/>
+              <a:tabLst/>
+            </a:pPr>
+            <a:r>
+              <a:rPr lang="zh-TW" altLang="en-US" dirty="0" smtClean="0"/>
+              <a:t>第四層</a:t>
+            </a:r>
+          </a:p>
+          <a:p>
+            <a:pPr marL="1971675" marR="0" lvl="4" indent="-325754" algn="l" defTabSz="411480" rtl="0" latinLnBrk="0">
+              <a:lnSpc>
+                <a:spcPct val="100000"/>
+              </a:lnSpc>
+              <a:spcBef>
+                <a:spcPts val="450"/>
+              </a:spcBef>
+              <a:spcAft>
+                <a:spcPts val="0"/>
+              </a:spcAft>
+              <a:buClrTx/>
+              <a:buSzPct val="100000"/>
+              <a:buFont typeface="微軟正黑體" panose="020B0604030504040204" pitchFamily="34" charset="-120"/>
+              <a:buChar char="‐"/>
+              <a:tabLst/>
+            </a:pPr>
+            <a:r>
+              <a:rPr lang="zh-TW" altLang="en-US" dirty="0" smtClean="0"/>
+              <a:t>第五層</a:t>
+            </a:r>
+            <a:endParaRPr lang="zh-TW" altLang="en-US" dirty="0"/>
+          </a:p>
+        </p:txBody>
+      </p:sp>
     </p:spTree>
     <p:extLst>
       <p:ext uri="{BB962C8B-B14F-4D97-AF65-F5344CB8AC3E}">
         <p14:creationId xmlns:p14="http://schemas.microsoft.com/office/powerpoint/2010/main" val="1199628259"/>
+      </p:ext>
+    </p:extLst>
+  </p:cSld>
+  <p:clrMapOvr>
+    <a:masterClrMapping/>
+  </p:clrMapOvr>
+  <p:transition spd="med"/>
+  <p:timing>
+    <p:tnLst>
+      <p:par>
+        <p:cTn id="1" dur="indefinite" restart="never" nodeType="tmRoot"/>
+      </p:par>
+    </p:tnLst>
+  </p:timing>
+</p:sldLayout>
+</file>
+
+<file path=ppt/slideLayouts/slideLayout9.xml><?xml version="1.0" encoding="utf-8"?>
+<p:sldLayout xmlns:a="http://schemas.openxmlformats.org/drawingml/2006/main" xmlns:r="http://schemas.openxmlformats.org/officeDocument/2006/relationships" xmlns:p="http://schemas.openxmlformats.org/presentationml/2006/main" showMasterSp="0" preserve="1" userDrawn="1">
+  <p:cSld name="左圖右文">
+    <p:spTree>
+      <p:nvGrpSpPr>
+        <p:cNvPr id="1" name=""/>
+        <p:cNvGrpSpPr/>
+        <p:nvPr/>
+      </p:nvGrpSpPr>
+      <p:grpSpPr>
+        <a:xfrm>
+          <a:off x="0" y="0"/>
+          <a:ext cx="0" cy="0"/>
+          <a:chOff x="0" y="0"/>
+          <a:chExt cx="0" cy="0"/>
+        </a:xfrm>
+      </p:grpSpPr>
+      <p:pic>
+        <p:nvPicPr>
+          <p:cNvPr id="11" name="圖片 10">
+            <a:extLst>
+              <a:ext uri="{FF2B5EF4-FFF2-40B4-BE49-F238E27FC236}">
+                <a16:creationId xmlns:a16="http://schemas.microsoft.com/office/drawing/2014/main" xmlns="" id="{BD161E56-102D-B04D-AE1D-9B2C1DEAD925}"/>
+              </a:ext>
+            </a:extLst>
+          </p:cNvPr>
+          <p:cNvPicPr>
+            <a:picLocks noChangeAspect="1"/>
+          </p:cNvPicPr>
+          <p:nvPr userDrawn="1"/>
+        </p:nvPicPr>
+        <p:blipFill>
+          <a:blip r:embed="rId2" cstate="print">
+            <a:extLst>
+              <a:ext uri="{28A0092B-C50C-407E-A947-70E740481C1C}">
+                <a14:useLocalDpi xmlns:a14="http://schemas.microsoft.com/office/drawing/2010/main" val="0"/>
+              </a:ext>
+            </a:extLst>
+          </a:blip>
+          <a:stretch>
+            <a:fillRect/>
+          </a:stretch>
+        </p:blipFill>
+        <p:spPr>
+          <a:xfrm>
+            <a:off x="4818185" y="6152557"/>
+            <a:ext cx="4339261" cy="723372"/>
+          </a:xfrm>
+          <a:prstGeom prst="rect">
+            <a:avLst/>
+          </a:prstGeom>
+        </p:spPr>
+      </p:pic>
+      <p:sp>
+        <p:nvSpPr>
+          <p:cNvPr id="19" name="直線接點 14">
+            <a:extLst>
+              <a:ext uri="{FF2B5EF4-FFF2-40B4-BE49-F238E27FC236}">
+                <a16:creationId xmlns:a16="http://schemas.microsoft.com/office/drawing/2014/main" xmlns="" id="{F2F1C9D7-B14F-BF44-A3D8-5D47EC083EA5}"/>
+              </a:ext>
+            </a:extLst>
+          </p:cNvPr>
+          <p:cNvSpPr/>
+          <p:nvPr userDrawn="1"/>
+        </p:nvSpPr>
+        <p:spPr>
+          <a:xfrm flipV="1">
+            <a:off x="319201" y="750960"/>
+            <a:ext cx="8441889" cy="1"/>
+          </a:xfrm>
+          <a:prstGeom prst="line">
+            <a:avLst/>
+          </a:prstGeom>
+          <a:ln w="57150">
+            <a:solidFill>
+              <a:srgbClr val="0070C0"/>
+            </a:solidFill>
+          </a:ln>
+        </p:spPr>
+        <p:txBody>
+          <a:bodyPr lIns="34289" tIns="34289" rIns="34289" bIns="34289"/>
+          <a:lstStyle/>
+          <a:p>
+            <a:endParaRPr sz="1650"/>
+          </a:p>
+        </p:txBody>
+      </p:sp>
+      <p:sp>
+        <p:nvSpPr>
+          <p:cNvPr id="20" name="矩形 11">
+            <a:extLst>
+              <a:ext uri="{FF2B5EF4-FFF2-40B4-BE49-F238E27FC236}">
+                <a16:creationId xmlns:a16="http://schemas.microsoft.com/office/drawing/2014/main" xmlns="" id="{91411F00-9741-7A4E-AB31-166F620DF2B5}"/>
+              </a:ext>
+            </a:extLst>
+          </p:cNvPr>
+          <p:cNvSpPr/>
+          <p:nvPr userDrawn="1"/>
+        </p:nvSpPr>
+        <p:spPr>
+          <a:xfrm>
+            <a:off x="319201" y="206623"/>
+            <a:ext cx="81584" cy="471577"/>
+          </a:xfrm>
+          <a:prstGeom prst="rect">
+            <a:avLst/>
+          </a:prstGeom>
+          <a:solidFill>
+            <a:srgbClr val="0070C0"/>
+          </a:solidFill>
+          <a:ln w="12700">
+            <a:miter lim="400000"/>
+          </a:ln>
+        </p:spPr>
+        <p:txBody>
+          <a:bodyPr lIns="34289" tIns="34289" rIns="34289" bIns="34289" anchor="ctr"/>
+          <a:lstStyle/>
+          <a:p>
+            <a:pPr algn="ctr">
+              <a:defRPr>
+                <a:solidFill>
+                  <a:srgbClr val="FFFFFF"/>
+                </a:solidFill>
+              </a:defRPr>
+            </a:pPr>
+            <a:endParaRPr sz="1650"/>
+          </a:p>
+        </p:txBody>
+      </p:sp>
+      <p:sp>
+        <p:nvSpPr>
+          <p:cNvPr id="23" name="日期版面配置區 3"/>
+          <p:cNvSpPr>
+            <a:spLocks noGrp="1"/>
+          </p:cNvSpPr>
+          <p:nvPr>
+            <p:ph type="dt" sz="half" idx="2"/>
+          </p:nvPr>
+        </p:nvSpPr>
+        <p:spPr>
+          <a:xfrm>
+            <a:off x="1" y="6502420"/>
+            <a:ext cx="2405903" cy="365125"/>
+          </a:xfrm>
+          <a:prstGeom prst="rect">
+            <a:avLst/>
+          </a:prstGeom>
+        </p:spPr>
+        <p:txBody>
+          <a:bodyPr anchor="b"/>
+          <a:lstStyle>
+            <a:lvl1pPr algn="l">
+              <a:defRPr sz="1600">
+                <a:solidFill>
+                  <a:schemeClr val="tx1"/>
+                </a:solidFill>
+                <a:latin typeface="+mn-lt"/>
+              </a:defRPr>
+            </a:lvl1pPr>
+          </a:lstStyle>
+          <a:p>
+            <a:fld id="{3F2DB263-811F-4EB9-8788-812849A24E5B}" type="datetime1">
+              <a:rPr lang="zh-TW" altLang="en-US" smtClean="0"/>
+              <a:pPr/>
+              <a:t>2020/6/20</a:t>
+            </a:fld>
+            <a:endParaRPr lang="zh-TW" altLang="en-US" dirty="0"/>
+          </a:p>
+        </p:txBody>
+      </p:sp>
+      <p:sp>
+        <p:nvSpPr>
+          <p:cNvPr id="24" name="頁尾版面配置區 4"/>
+          <p:cNvSpPr>
+            <a:spLocks noGrp="1"/>
+          </p:cNvSpPr>
+          <p:nvPr>
+            <p:ph type="ftr" sz="quarter" idx="3"/>
+          </p:nvPr>
+        </p:nvSpPr>
+        <p:spPr>
+          <a:xfrm>
+            <a:off x="2470149" y="6502420"/>
+            <a:ext cx="4249918" cy="365125"/>
+          </a:xfrm>
+          <a:prstGeom prst="rect">
+            <a:avLst/>
+          </a:prstGeom>
+        </p:spPr>
+        <p:txBody>
+          <a:bodyPr anchor="b"/>
+          <a:lstStyle>
+            <a:lvl1pPr algn="ctr">
+              <a:defRPr sz="1600">
+                <a:solidFill>
+                  <a:schemeClr val="tx1"/>
+                </a:solidFill>
+                <a:latin typeface="+mn-lt"/>
+              </a:defRPr>
+            </a:lvl1pPr>
+          </a:lstStyle>
+          <a:p>
+            <a:endParaRPr lang="zh-TW" altLang="en-US" dirty="0"/>
+          </a:p>
+        </p:txBody>
+      </p:sp>
+      <p:sp>
+        <p:nvSpPr>
+          <p:cNvPr id="25" name="投影片編號版面配置區 5"/>
+          <p:cNvSpPr>
+            <a:spLocks noGrp="1"/>
+          </p:cNvSpPr>
+          <p:nvPr>
+            <p:ph type="sldNum" sz="quarter" idx="4"/>
+          </p:nvPr>
+        </p:nvSpPr>
+        <p:spPr>
+          <a:xfrm>
+            <a:off x="6784313" y="6502420"/>
+            <a:ext cx="2359687" cy="365125"/>
+          </a:xfrm>
+          <a:prstGeom prst="rect">
+            <a:avLst/>
+          </a:prstGeom>
+        </p:spPr>
+        <p:txBody>
+          <a:bodyPr anchor="b"/>
+          <a:lstStyle>
+            <a:lvl1pPr algn="r">
+              <a:tabLst/>
+              <a:defRPr sz="1600">
+                <a:solidFill>
+                  <a:schemeClr val="bg1"/>
+                </a:solidFill>
+                <a:latin typeface="+mn-lt"/>
+              </a:defRPr>
+            </a:lvl1pPr>
+          </a:lstStyle>
+          <a:p>
+            <a:fld id="{CBE36A95-2CE2-4055-AD5A-A0921D347A17}" type="slidenum">
+              <a:rPr lang="zh-TW" altLang="en-US" smtClean="0"/>
+              <a:pPr/>
+              <a:t>‹#›</a:t>
+            </a:fld>
+            <a:endParaRPr lang="zh-TW" altLang="en-US" dirty="0"/>
+          </a:p>
+        </p:txBody>
+      </p:sp>
+      <p:sp>
+        <p:nvSpPr>
+          <p:cNvPr id="15" name="標題 1"/>
+          <p:cNvSpPr>
+            <a:spLocks noGrp="1"/>
+          </p:cNvSpPr>
+          <p:nvPr>
+            <p:ph type="title" hasCustomPrompt="1"/>
+          </p:nvPr>
+        </p:nvSpPr>
+        <p:spPr>
+          <a:xfrm>
+            <a:off x="445382" y="162311"/>
+            <a:ext cx="8315708" cy="487362"/>
+          </a:xfrm>
+        </p:spPr>
+        <p:txBody>
+          <a:bodyPr/>
+          <a:lstStyle>
+            <a:lvl1pPr marL="0" marR="0" indent="0" algn="l" defTabSz="411480" rtl="0" latinLnBrk="0">
+              <a:lnSpc>
+                <a:spcPct val="100000"/>
+              </a:lnSpc>
+              <a:spcBef>
+                <a:spcPts val="675"/>
+              </a:spcBef>
+              <a:spcAft>
+                <a:spcPts val="0"/>
+              </a:spcAft>
+              <a:buClrTx/>
+              <a:buSzPct val="100000"/>
+              <a:buFont typeface="Arial"/>
+              <a:buNone/>
+              <a:tabLst/>
+              <a:defRPr kumimoji="1" lang="zh-TW" altLang="en-US" sz="3200" b="1" i="0" u="none" strike="noStrike" cap="none" spc="0" baseline="0" dirty="0">
+                <a:ln>
+                  <a:noFill/>
+                </a:ln>
+                <a:solidFill>
+                  <a:srgbClr val="1E70C0"/>
+                </a:solidFill>
+                <a:uFillTx/>
+                <a:latin typeface="Microsoft JhengHei" panose="020B0604030504040204" pitchFamily="34" charset="-120"/>
+                <a:ea typeface="Microsoft JhengHei" panose="020B0604030504040204" pitchFamily="34" charset="-120"/>
+                <a:cs typeface="+mn-cs"/>
+                <a:sym typeface="Calibri"/>
+              </a:defRPr>
+            </a:lvl1pPr>
+          </a:lstStyle>
+          <a:p>
+            <a:r>
+              <a:rPr kumimoji="1" lang="en-US" altLang="zh-TW" dirty="0" smtClean="0"/>
+              <a:t>011_00</a:t>
+            </a:r>
+            <a:r>
+              <a:rPr kumimoji="1" lang="zh-TW" altLang="en-US" dirty="0" smtClean="0"/>
+              <a:t>按一下以新增標題</a:t>
+            </a:r>
+            <a:endParaRPr kumimoji="1" lang="zh-TW" altLang="en-US" dirty="0"/>
+          </a:p>
+        </p:txBody>
+      </p:sp>
+      <p:sp>
+        <p:nvSpPr>
+          <p:cNvPr id="12" name="圖片版面配置區 4"/>
+          <p:cNvSpPr>
+            <a:spLocks noGrp="1"/>
+          </p:cNvSpPr>
+          <p:nvPr>
+            <p:ph type="pic" sz="quarter" idx="25"/>
+          </p:nvPr>
+        </p:nvSpPr>
+        <p:spPr>
+          <a:xfrm>
+            <a:off x="319201" y="995613"/>
+            <a:ext cx="3778250" cy="5263229"/>
+          </a:xfrm>
+          <a:prstGeom prst="rect">
+            <a:avLst/>
+          </a:prstGeom>
+        </p:spPr>
+        <p:txBody>
+          <a:bodyPr/>
+          <a:lstStyle/>
+          <a:p>
+            <a:endParaRPr lang="zh-TW" altLang="en-US"/>
+          </a:p>
+        </p:txBody>
+      </p:sp>
+      <p:sp>
+        <p:nvSpPr>
+          <p:cNvPr id="16" name="文字版面配置區 12"/>
+          <p:cNvSpPr>
+            <a:spLocks noGrp="1"/>
+          </p:cNvSpPr>
+          <p:nvPr>
+            <p:ph type="body" sz="quarter" idx="26"/>
+          </p:nvPr>
+        </p:nvSpPr>
+        <p:spPr>
+          <a:xfrm>
+            <a:off x="4267200" y="995613"/>
+            <a:ext cx="4483100" cy="5248554"/>
+          </a:xfrm>
+          <a:prstGeom prst="rect">
+            <a:avLst/>
+          </a:prstGeom>
+        </p:spPr>
+        <p:txBody>
+          <a:bodyPr/>
+          <a:lstStyle>
+            <a:lvl1pPr marL="257175" marR="0" indent="-257175" algn="l" defTabSz="411480" rtl="0" latinLnBrk="0">
+              <a:lnSpc>
+                <a:spcPct val="100000"/>
+              </a:lnSpc>
+              <a:spcBef>
+                <a:spcPts val="450"/>
+              </a:spcBef>
+              <a:spcAft>
+                <a:spcPts val="0"/>
+              </a:spcAft>
+              <a:buClrTx/>
+              <a:buSzPct val="100000"/>
+              <a:buFontTx/>
+              <a:buBlip>
+                <a:blip r:embed="rId3"/>
+              </a:buBlip>
+              <a:tabLst/>
+              <a:defRPr lang="zh-TW" altLang="en-US" sz="2400" b="1" i="0" u="none" strike="noStrike" cap="none" spc="0" baseline="0" dirty="0" smtClean="0">
+                <a:ln>
+                  <a:noFill/>
+                </a:ln>
+                <a:solidFill>
+                  <a:srgbClr val="0033CC"/>
+                </a:solidFill>
+                <a:uFillTx/>
+                <a:latin typeface="Microsoft JhengHei" panose="020B0604030504040204" pitchFamily="34" charset="-120"/>
+                <a:ea typeface="Microsoft JhengHei" panose="020B0604030504040204" pitchFamily="34" charset="-120"/>
+                <a:cs typeface="+mn-cs"/>
+                <a:sym typeface="Calibri"/>
+              </a:defRPr>
+            </a:lvl1pPr>
+            <a:lvl2pPr marL="698911" marR="0" indent="-287430" algn="l" defTabSz="411480" rtl="0" latinLnBrk="0">
+              <a:lnSpc>
+                <a:spcPct val="100000"/>
+              </a:lnSpc>
+              <a:spcBef>
+                <a:spcPts val="450"/>
+              </a:spcBef>
+              <a:spcAft>
+                <a:spcPts val="0"/>
+              </a:spcAft>
+              <a:buClrTx/>
+              <a:buSzPct val="100000"/>
+              <a:buFont typeface="Wingdings" panose="05000000000000000000" pitchFamily="2" charset="2"/>
+              <a:buChar char="l"/>
+              <a:tabLst/>
+              <a:defRPr lang="zh-TW" altLang="en-US" sz="2000" b="1" i="0" u="none" strike="noStrike" cap="none" spc="0" baseline="0" dirty="0" smtClean="0">
+                <a:ln>
+                  <a:noFill/>
+                </a:ln>
+                <a:solidFill>
+                  <a:schemeClr val="accent6">
+                    <a:lumMod val="75000"/>
+                  </a:schemeClr>
+                </a:solidFill>
+                <a:uFillTx/>
+                <a:latin typeface="Microsoft JhengHei" panose="020B0604030504040204" pitchFamily="34" charset="-120"/>
+                <a:ea typeface="Microsoft JhengHei" panose="020B0604030504040204" pitchFamily="34" charset="-120"/>
+                <a:cs typeface="+mn-cs"/>
+                <a:sym typeface="Calibri"/>
+              </a:defRPr>
+            </a:lvl2pPr>
+            <a:lvl3pPr marL="1092549" marR="0" indent="-269590" algn="l" defTabSz="411480" rtl="0" latinLnBrk="0">
+              <a:lnSpc>
+                <a:spcPct val="100000"/>
+              </a:lnSpc>
+              <a:spcBef>
+                <a:spcPts val="450"/>
+              </a:spcBef>
+              <a:spcAft>
+                <a:spcPts val="0"/>
+              </a:spcAft>
+              <a:buClrTx/>
+              <a:buSzPct val="100000"/>
+              <a:buFont typeface="Wingdings" panose="05000000000000000000" pitchFamily="2" charset="2"/>
+              <a:buChar char="ü"/>
+              <a:tabLst/>
+              <a:defRPr lang="zh-TW" altLang="en-US" sz="1800" b="1" i="0" u="none" strike="noStrike" cap="none" spc="0" baseline="0" dirty="0" smtClean="0">
+                <a:ln>
+                  <a:noFill/>
+                </a:ln>
+                <a:solidFill>
+                  <a:srgbClr val="000000"/>
+                </a:solidFill>
+                <a:uFillTx/>
+                <a:latin typeface="Microsoft JhengHei" panose="020B0604030504040204" pitchFamily="34" charset="-120"/>
+                <a:ea typeface="Microsoft JhengHei" panose="020B0604030504040204" pitchFamily="34" charset="-120"/>
+                <a:cs typeface="+mn-cs"/>
+                <a:sym typeface="Calibri"/>
+              </a:defRPr>
+            </a:lvl3pPr>
+            <a:lvl4pPr marL="1560195" marR="0" indent="-325754" algn="l" defTabSz="411480" rtl="0" latinLnBrk="0">
+              <a:lnSpc>
+                <a:spcPct val="100000"/>
+              </a:lnSpc>
+              <a:spcBef>
+                <a:spcPts val="450"/>
+              </a:spcBef>
+              <a:spcAft>
+                <a:spcPts val="0"/>
+              </a:spcAft>
+              <a:buClrTx/>
+              <a:buSzPct val="100000"/>
+              <a:buFont typeface="Arial" panose="020B0604020202020204" pitchFamily="34" charset="0"/>
+              <a:buChar char="•"/>
+              <a:tabLst/>
+              <a:defRPr sz="1600"/>
+            </a:lvl4pPr>
+            <a:lvl5pPr marL="1971675" marR="0" indent="-325754" algn="l" defTabSz="411480" rtl="0" latinLnBrk="0">
+              <a:lnSpc>
+                <a:spcPct val="100000"/>
+              </a:lnSpc>
+              <a:spcBef>
+                <a:spcPts val="450"/>
+              </a:spcBef>
+              <a:spcAft>
+                <a:spcPts val="0"/>
+              </a:spcAft>
+              <a:buClrTx/>
+              <a:buSzPct val="100000"/>
+              <a:buFont typeface="微軟正黑體" panose="020B0604030504040204" pitchFamily="34" charset="-120"/>
+              <a:buChar char="‐"/>
+              <a:tabLst/>
+              <a:defRPr sz="1400"/>
+            </a:lvl5pPr>
+          </a:lstStyle>
+          <a:p>
+            <a:pPr marL="257175" marR="0" lvl="0" indent="-257175" algn="l" defTabSz="411480" rtl="0" latinLnBrk="0">
+              <a:lnSpc>
+                <a:spcPct val="100000"/>
+              </a:lnSpc>
+              <a:spcBef>
+                <a:spcPts val="450"/>
+              </a:spcBef>
+              <a:spcAft>
+                <a:spcPts val="0"/>
+              </a:spcAft>
+              <a:buClrTx/>
+              <a:buSzPct val="100000"/>
+              <a:buFontTx/>
+              <a:buBlip>
+                <a:blip r:embed="rId3"/>
+              </a:buBlip>
+              <a:tabLst/>
+            </a:pPr>
+            <a:r>
+              <a:rPr lang="zh-TW" altLang="en-US" dirty="0" smtClean="0"/>
+              <a:t>按一下以編輯母片文字樣式</a:t>
+            </a:r>
+          </a:p>
+          <a:p>
+            <a:pPr marL="698911" marR="0" lvl="1" indent="-287430" algn="l" defTabSz="411480" rtl="0" latinLnBrk="0">
+              <a:lnSpc>
+                <a:spcPct val="100000"/>
+              </a:lnSpc>
+              <a:spcBef>
+                <a:spcPts val="450"/>
+              </a:spcBef>
+              <a:spcAft>
+                <a:spcPts val="0"/>
+              </a:spcAft>
+              <a:buClrTx/>
+              <a:buSzPct val="100000"/>
+              <a:buFont typeface="Wingdings" panose="05000000000000000000" pitchFamily="2" charset="2"/>
+              <a:buChar char="l"/>
+              <a:tabLst/>
+            </a:pPr>
+            <a:r>
+              <a:rPr lang="zh-TW" altLang="en-US" dirty="0" smtClean="0"/>
+              <a:t>第二層</a:t>
+            </a:r>
+          </a:p>
+          <a:p>
+            <a:pPr marL="1092549" marR="0" lvl="2" indent="-269590" algn="l" defTabSz="411480" rtl="0" latinLnBrk="0">
+              <a:lnSpc>
+                <a:spcPct val="100000"/>
+              </a:lnSpc>
+              <a:spcBef>
+                <a:spcPts val="450"/>
+              </a:spcBef>
+              <a:spcAft>
+                <a:spcPts val="0"/>
+              </a:spcAft>
+              <a:buClrTx/>
+              <a:buSzPct val="100000"/>
+              <a:buFont typeface="Wingdings" panose="05000000000000000000" pitchFamily="2" charset="2"/>
+              <a:buChar char="ü"/>
+              <a:tabLst/>
+            </a:pPr>
+            <a:r>
+              <a:rPr lang="zh-TW" altLang="en-US" dirty="0" smtClean="0"/>
+              <a:t>第三層</a:t>
+            </a:r>
+          </a:p>
+          <a:p>
+            <a:pPr marL="1560195" marR="0" lvl="3" indent="-325754" algn="l" defTabSz="411480" rtl="0" latinLnBrk="0">
+              <a:lnSpc>
+                <a:spcPct val="100000"/>
+              </a:lnSpc>
+              <a:spcBef>
+                <a:spcPts val="450"/>
+              </a:spcBef>
+              <a:spcAft>
+                <a:spcPts val="0"/>
+              </a:spcAft>
+              <a:buClrTx/>
+              <a:buSzPct val="100000"/>
+              <a:buFont typeface="Arial" panose="020B0604020202020204" pitchFamily="34" charset="0"/>
+              <a:buChar char="•"/>
+              <a:tabLst/>
+            </a:pPr>
+            <a:r>
+              <a:rPr lang="zh-TW" altLang="en-US" dirty="0" smtClean="0"/>
+              <a:t>第四層</a:t>
+            </a:r>
+          </a:p>
+          <a:p>
+            <a:pPr marL="1971675" marR="0" lvl="4" indent="-325754" algn="l" defTabSz="411480" rtl="0" latinLnBrk="0">
+              <a:lnSpc>
+                <a:spcPct val="100000"/>
+              </a:lnSpc>
+              <a:spcBef>
+                <a:spcPts val="450"/>
+              </a:spcBef>
+              <a:spcAft>
+                <a:spcPts val="0"/>
+              </a:spcAft>
+              <a:buClrTx/>
+              <a:buSzPct val="100000"/>
+              <a:buFont typeface="微軟正黑體" panose="020B0604030504040204" pitchFamily="34" charset="-120"/>
+              <a:buChar char="‐"/>
+              <a:tabLst/>
+            </a:pPr>
+            <a:r>
+              <a:rPr lang="zh-TW" altLang="en-US" dirty="0" smtClean="0"/>
+              <a:t>第五層</a:t>
+            </a:r>
+            <a:endParaRPr lang="zh-TW" altLang="en-US" dirty="0"/>
+          </a:p>
+        </p:txBody>
+      </p:sp>
+    </p:spTree>
+    <p:extLst>
+      <p:ext uri="{BB962C8B-B14F-4D97-AF65-F5344CB8AC3E}">
+        <p14:creationId xmlns:p14="http://schemas.microsoft.com/office/powerpoint/2010/main" val="3002066179"/>
       </p:ext>
     </p:extLst>
   </p:cSld>
@@ -7707,7 +8984,7 @@
           <p:cNvPr id="14" name="圖片 13">
             <a:extLst>
               <a:ext uri="{FF2B5EF4-FFF2-40B4-BE49-F238E27FC236}">
-                <a16:creationId xmlns="" xmlns:a16="http://schemas.microsoft.com/office/drawing/2014/main" id="{F17EEEA4-2DA3-7D40-9374-4988E6FAACB7}"/>
+                <a16:creationId xmlns:a16="http://schemas.microsoft.com/office/drawing/2014/main" xmlns="" id="{F17EEEA4-2DA3-7D40-9374-4988E6FAACB7}"/>
               </a:ext>
             </a:extLst>
           </p:cNvPr>
@@ -7761,7 +9038,7 @@
           </a:ln>
           <a:extLst>
             <a:ext uri="{C572A759-6A51-4108-AA02-DFA0A04FC94B}">
-              <ma14:wrappingTextBoxFlag xmlns="" xmlns:m="http://schemas.openxmlformats.org/officeDocument/2006/math" xmlns:a14="http://schemas.microsoft.com/office/drawing/2010/main" xmlns:ma14="http://schemas.microsoft.com/office/mac/drawingml/2011/main" val="1"/>
+              <ma14:wrappingTextBoxFlag xmlns:ma14="http://schemas.microsoft.com/office/mac/drawingml/2011/main" xmlns:a14="http://schemas.microsoft.com/office/drawing/2010/main" xmlns:m="http://schemas.openxmlformats.org/officeDocument/2006/math" xmlns="" val="1"/>
             </a:ext>
           </a:extLst>
         </p:spPr>
@@ -7816,7 +9093,7 @@
             <a:fld id="{BD4E87B7-3498-4C46-AC2A-2ED0F815BC91}" type="datetime1">
               <a:rPr lang="zh-TW" altLang="en-US" smtClean="0"/>
               <a:pPr/>
-              <a:t>2020/6/19</a:t>
+              <a:t>2020/6/20</a:t>
             </a:fld>
             <a:endParaRPr lang="zh-TW" altLang="en-US" dirty="0"/>
           </a:p>
@@ -7905,19 +9182,19 @@
   <p:clrMap bg1="lt1" tx1="dk1" bg2="lt2" tx2="dk2" accent1="accent1" accent2="accent2" accent3="accent3" accent4="accent4" accent5="accent5" accent6="accent6" hlink="hlink" folHlink="folHlink"/>
   <p:sldLayoutIdLst>
     <p:sldLayoutId id="2147483688" r:id="rId1"/>
-    <p:sldLayoutId id="2147483672" r:id="rId2"/>
-    <p:sldLayoutId id="2147483689" r:id="rId3"/>
-    <p:sldLayoutId id="2147483673" r:id="rId4"/>
-    <p:sldLayoutId id="2147483677" r:id="rId5"/>
-    <p:sldLayoutId id="2147483690" r:id="rId6"/>
-    <p:sldLayoutId id="2147483683" r:id="rId7"/>
-    <p:sldLayoutId id="2147483660" r:id="rId8"/>
-    <p:sldLayoutId id="2147483661" r:id="rId9"/>
-    <p:sldLayoutId id="2147483652" r:id="rId10"/>
-    <p:sldLayoutId id="2147483654" r:id="rId11"/>
-    <p:sldLayoutId id="2147483656" r:id="rId12"/>
-    <p:sldLayoutId id="2147483691" r:id="rId13"/>
-    <p:sldLayoutId id="2147483687" r:id="rId14"/>
+    <p:sldLayoutId id="2147483689" r:id="rId2"/>
+    <p:sldLayoutId id="2147483673" r:id="rId3"/>
+    <p:sldLayoutId id="2147483677" r:id="rId4"/>
+    <p:sldLayoutId id="2147483690" r:id="rId5"/>
+    <p:sldLayoutId id="2147483683" r:id="rId6"/>
+    <p:sldLayoutId id="2147483660" r:id="rId7"/>
+    <p:sldLayoutId id="2147483661" r:id="rId8"/>
+    <p:sldLayoutId id="2147483652" r:id="rId9"/>
+    <p:sldLayoutId id="2147483654" r:id="rId10"/>
+    <p:sldLayoutId id="2147483656" r:id="rId11"/>
+    <p:sldLayoutId id="2147483691" r:id="rId12"/>
+    <p:sldLayoutId id="2147483687" r:id="rId13"/>
+    <p:sldLayoutId id="2147483692" r:id="rId14"/>
   </p:sldLayoutIdLst>
   <p:transition spd="med"/>
   <p:timing>
